--- a/Step03-Deployment_Automatization_presentation.pptx
+++ b/Step03-Deployment_Automatization_presentation.pptx
@@ -183,7 +183,7 @@
 <p1510:revInfo xmlns:a="http://schemas.openxmlformats.org/drawingml/2006/main" xmlns:r="http://schemas.openxmlformats.org/officeDocument/2006/relationships" xmlns:p1510="http://schemas.microsoft.com/office/powerpoint/2015/10/main">
   <p1510:revLst>
     <p1510:client id="{A7642649-9B10-4AF0-AE3B-2C18A9545074}" v="15" dt="2024-01-25T15:34:54.957"/>
-    <p1510:client id="{DF783FCC-C35F-4D2C-B134-D1A27E72D448}" v="23" dt="2024-01-26T12:43:18.017"/>
+    <p1510:client id="{DF783FCC-C35F-4D2C-B134-D1A27E72D448}" v="57" dt="2024-01-26T13:49:32.458"/>
   </p1510:revLst>
 </p1510:revInfo>
 </file>
@@ -1979,7 +1979,7 @@
   <pc:docChgLst>
     <pc:chgData name="Ihor Aleksandrov" userId="c3051032-6b87-4db2-b257-777a0106fbd9" providerId="ADAL" clId="{DF783FCC-C35F-4D2C-B134-D1A27E72D448}"/>
     <pc:docChg chg="undo custSel addSld delSld modSld sldOrd addMainMaster delMainMaster addSection modSection">
-      <pc:chgData name="Ihor Aleksandrov" userId="c3051032-6b87-4db2-b257-777a0106fbd9" providerId="ADAL" clId="{DF783FCC-C35F-4D2C-B134-D1A27E72D448}" dt="2024-01-26T13:08:01.330" v="440" actId="1076"/>
+      <pc:chgData name="Ihor Aleksandrov" userId="c3051032-6b87-4db2-b257-777a0106fbd9" providerId="ADAL" clId="{DF783FCC-C35F-4D2C-B134-D1A27E72D448}" dt="2024-01-26T13:49:38.017" v="476" actId="1076"/>
       <pc:docMkLst>
         <pc:docMk/>
       </pc:docMkLst>
@@ -2043,6 +2043,21 @@
             <ac:spMk id="2" creationId="{5DF8ECE0-DBF5-C309-B35B-C6A0C6C847B2}"/>
           </ac:spMkLst>
         </pc:spChg>
+      </pc:sldChg>
+      <pc:sldChg chg="modSp mod">
+        <pc:chgData name="Ihor Aleksandrov" userId="c3051032-6b87-4db2-b257-777a0106fbd9" providerId="ADAL" clId="{DF783FCC-C35F-4D2C-B134-D1A27E72D448}" dt="2024-01-26T13:46:17.622" v="472" actId="14100"/>
+        <pc:sldMkLst>
+          <pc:docMk/>
+          <pc:sldMk cId="2972731808" sldId="303"/>
+        </pc:sldMkLst>
+        <pc:graphicFrameChg chg="mod">
+          <ac:chgData name="Ihor Aleksandrov" userId="c3051032-6b87-4db2-b257-777a0106fbd9" providerId="ADAL" clId="{DF783FCC-C35F-4D2C-B134-D1A27E72D448}" dt="2024-01-26T13:46:17.622" v="472" actId="14100"/>
+          <ac:graphicFrameMkLst>
+            <pc:docMk/>
+            <pc:sldMk cId="2972731808" sldId="303"/>
+            <ac:graphicFrameMk id="50" creationId="{438840ED-2B50-ED19-12CF-99B1789AE150}"/>
+          </ac:graphicFrameMkLst>
+        </pc:graphicFrameChg>
       </pc:sldChg>
       <pc:sldChg chg="add del">
         <pc:chgData name="Ihor Aleksandrov" userId="c3051032-6b87-4db2-b257-777a0106fbd9" providerId="ADAL" clId="{DF783FCC-C35F-4D2C-B134-D1A27E72D448}" dt="2024-01-26T09:36:38.278" v="7" actId="2696"/>
@@ -2252,7 +2267,7 @@
         </pc:sldMkLst>
       </pc:sldChg>
       <pc:sldChg chg="addSp delSp modSp add mod">
-        <pc:chgData name="Ihor Aleksandrov" userId="c3051032-6b87-4db2-b257-777a0106fbd9" providerId="ADAL" clId="{DF783FCC-C35F-4D2C-B134-D1A27E72D448}" dt="2024-01-26T11:17:38.322" v="151" actId="11529"/>
+        <pc:chgData name="Ihor Aleksandrov" userId="c3051032-6b87-4db2-b257-777a0106fbd9" providerId="ADAL" clId="{DF783FCC-C35F-4D2C-B134-D1A27E72D448}" dt="2024-01-26T13:49:38.017" v="476" actId="1076"/>
         <pc:sldMkLst>
           <pc:docMk/>
           <pc:sldMk cId="4274413980" sldId="308"/>
@@ -2265,14 +2280,22 @@
             <ac:spMk id="2" creationId="{53C5D828-9666-E312-B574-9FE965A7D6BE}"/>
           </ac:spMkLst>
         </pc:spChg>
-        <pc:spChg chg="add">
-          <ac:chgData name="Ihor Aleksandrov" userId="c3051032-6b87-4db2-b257-777a0106fbd9" providerId="ADAL" clId="{DF783FCC-C35F-4D2C-B134-D1A27E72D448}" dt="2024-01-26T11:17:38.322" v="151" actId="11529"/>
+        <pc:spChg chg="add del">
+          <ac:chgData name="Ihor Aleksandrov" userId="c3051032-6b87-4db2-b257-777a0106fbd9" providerId="ADAL" clId="{DF783FCC-C35F-4D2C-B134-D1A27E72D448}" dt="2024-01-26T13:49:34.226" v="475" actId="478"/>
           <ac:spMkLst>
             <pc:docMk/>
             <pc:sldMk cId="4274413980" sldId="308"/>
             <ac:spMk id="4" creationId="{91F87B49-5965-0686-132C-82FF71BF90C4}"/>
           </ac:spMkLst>
         </pc:spChg>
+        <pc:picChg chg="add mod">
+          <ac:chgData name="Ihor Aleksandrov" userId="c3051032-6b87-4db2-b257-777a0106fbd9" providerId="ADAL" clId="{DF783FCC-C35F-4D2C-B134-D1A27E72D448}" dt="2024-01-26T13:49:38.017" v="476" actId="1076"/>
+          <ac:picMkLst>
+            <pc:docMk/>
+            <pc:sldMk cId="4274413980" sldId="308"/>
+            <ac:picMk id="5" creationId="{CE7009DE-0262-AC3D-D9CE-67DDCC6CEE93}"/>
+          </ac:picMkLst>
+        </pc:picChg>
         <pc:picChg chg="del">
           <ac:chgData name="Ihor Aleksandrov" userId="c3051032-6b87-4db2-b257-777a0106fbd9" providerId="ADAL" clId="{DF783FCC-C35F-4D2C-B134-D1A27E72D448}" dt="2024-01-26T11:14:40.895" v="149" actId="478"/>
           <ac:picMkLst>
@@ -3688,10 +3711,9 @@
         <a:lstStyle/>
         <a:p>
           <a:r>
-            <a:rPr lang="en-US"/>
-            <a:t>CI/CD</a:t>
+            <a:rPr lang="en-US" dirty="0"/>
+            <a:t>GitHub DevOps</a:t>
           </a:r>
-          <a:endParaRPr lang="en-US" dirty="0"/>
         </a:p>
       </dgm:t>
       <dgm:extLst>
@@ -3724,6 +3746,49 @@
         </a:p>
       </dgm:t>
     </dgm:pt>
+    <dgm:pt modelId="{2240D41D-9269-4094-AEBC-1664425632DB}">
+      <dgm:prSet/>
+      <dgm:spPr/>
+      <dgm:t>
+        <a:bodyPr/>
+        <a:lstStyle/>
+        <a:p>
+          <a:r>
+            <a:rPr lang="en-US" dirty="0"/>
+            <a:t>Azure DevOps</a:t>
+          </a:r>
+        </a:p>
+      </dgm:t>
+      <dgm:extLst>
+        <a:ext uri="{E40237B7-FDA0-4F09-8148-C483321AD2D9}">
+          <dgm14:cNvPr xmlns:dgm14="http://schemas.microsoft.com/office/drawing/2010/diagram" id="0" name="">
+            <a:hlinkClick xmlns:r="http://schemas.openxmlformats.org/officeDocument/2006/relationships" r:id="rId2" action="ppaction://hlinksldjump"/>
+          </dgm14:cNvPr>
+        </a:ext>
+      </dgm:extLst>
+    </dgm:pt>
+    <dgm:pt modelId="{23766FE5-DD90-4BD8-82A9-33CBDF55210E}" type="parTrans" cxnId="{99A6CC83-AE40-4A47-9C08-1C60E1C3B682}">
+      <dgm:prSet/>
+      <dgm:spPr/>
+      <dgm:t>
+        <a:bodyPr/>
+        <a:lstStyle/>
+        <a:p>
+          <a:endParaRPr lang="ru-UA"/>
+        </a:p>
+      </dgm:t>
+    </dgm:pt>
+    <dgm:pt modelId="{474E530C-8388-441E-8514-9E5C43069E6C}" type="sibTrans" cxnId="{99A6CC83-AE40-4A47-9C08-1C60E1C3B682}">
+      <dgm:prSet/>
+      <dgm:spPr/>
+      <dgm:t>
+        <a:bodyPr/>
+        <a:lstStyle/>
+        <a:p>
+          <a:endParaRPr lang="ru-UA"/>
+        </a:p>
+      </dgm:t>
+    </dgm:pt>
     <dgm:pt modelId="{76D6B6BC-F8F0-4466-930A-673E438AD175}" type="pres">
       <dgm:prSet presAssocID="{1C600E66-A0CB-470F-8514-C91590285CB3}" presName="Name0" presStyleCnt="0">
         <dgm:presLayoutVars>
@@ -3739,7 +3804,24 @@
       <dgm:spPr/>
     </dgm:pt>
     <dgm:pt modelId="{FF5931E5-6577-45BF-AE5E-698950A6CB7C}" type="pres">
-      <dgm:prSet presAssocID="{64E9ACE6-9AFD-4BBA-80CB-01DA1300E087}" presName="parentText" presStyleLbl="node1" presStyleIdx="0" presStyleCnt="1">
+      <dgm:prSet presAssocID="{64E9ACE6-9AFD-4BBA-80CB-01DA1300E087}" presName="parentText" presStyleLbl="node1" presStyleIdx="0" presStyleCnt="2">
+        <dgm:presLayoutVars>
+          <dgm:chMax val="1"/>
+          <dgm:bulletEnabled val="1"/>
+        </dgm:presLayoutVars>
+      </dgm:prSet>
+      <dgm:spPr/>
+    </dgm:pt>
+    <dgm:pt modelId="{4ECE9EB2-DDA7-42FC-BF9E-18B0138FE3B5}" type="pres">
+      <dgm:prSet presAssocID="{7B2C8051-D046-465E-BB80-77D9BB7B38CD}" presName="sp" presStyleCnt="0"/>
+      <dgm:spPr/>
+    </dgm:pt>
+    <dgm:pt modelId="{365DAA1E-0EA2-4779-BA2C-86211B24E914}" type="pres">
+      <dgm:prSet presAssocID="{2240D41D-9269-4094-AEBC-1664425632DB}" presName="linNode" presStyleCnt="0"/>
+      <dgm:spPr/>
+    </dgm:pt>
+    <dgm:pt modelId="{B6CE390F-56AC-45A8-A0DF-3A7B8C2FEB1E}" type="pres">
+      <dgm:prSet presAssocID="{2240D41D-9269-4094-AEBC-1664425632DB}" presName="parentText" presStyleLbl="node1" presStyleIdx="1" presStyleCnt="2">
         <dgm:presLayoutVars>
           <dgm:chMax val="1"/>
           <dgm:bulletEnabled val="1"/>
@@ -3750,10 +3832,15 @@
   </dgm:ptLst>
   <dgm:cxnLst>
     <dgm:cxn modelId="{5164DF79-C7E6-4470-A977-53A07031A3C0}" type="presOf" srcId="{1C600E66-A0CB-470F-8514-C91590285CB3}" destId="{76D6B6BC-F8F0-4466-930A-673E438AD175}" srcOrd="0" destOrd="0" presId="urn:microsoft.com/office/officeart/2005/8/layout/vList5"/>
+    <dgm:cxn modelId="{99A6CC83-AE40-4A47-9C08-1C60E1C3B682}" srcId="{1C600E66-A0CB-470F-8514-C91590285CB3}" destId="{2240D41D-9269-4094-AEBC-1664425632DB}" srcOrd="1" destOrd="0" parTransId="{23766FE5-DD90-4BD8-82A9-33CBDF55210E}" sibTransId="{474E530C-8388-441E-8514-9E5C43069E6C}"/>
+    <dgm:cxn modelId="{30C6AD8A-2368-4D50-9E5F-AACEB3623078}" type="presOf" srcId="{2240D41D-9269-4094-AEBC-1664425632DB}" destId="{B6CE390F-56AC-45A8-A0DF-3A7B8C2FEB1E}" srcOrd="0" destOrd="0" presId="urn:microsoft.com/office/officeart/2005/8/layout/vList5"/>
     <dgm:cxn modelId="{C7C38DA0-CE59-4FEF-BFD1-6FDA69259313}" srcId="{1C600E66-A0CB-470F-8514-C91590285CB3}" destId="{64E9ACE6-9AFD-4BBA-80CB-01DA1300E087}" srcOrd="0" destOrd="0" parTransId="{FD0FAFBC-EEAF-4FBF-916F-D182FE250A26}" sibTransId="{7B2C8051-D046-465E-BB80-77D9BB7B38CD}"/>
     <dgm:cxn modelId="{F2AC53BB-E0F7-4A6D-8F21-5A745B7FF3EF}" type="presOf" srcId="{64E9ACE6-9AFD-4BBA-80CB-01DA1300E087}" destId="{FF5931E5-6577-45BF-AE5E-698950A6CB7C}" srcOrd="0" destOrd="0" presId="urn:microsoft.com/office/officeart/2005/8/layout/vList5"/>
     <dgm:cxn modelId="{17EF8E67-277A-49D4-AC45-E6BAE828A53D}" type="presParOf" srcId="{76D6B6BC-F8F0-4466-930A-673E438AD175}" destId="{28572EFC-4B6F-43FA-9BAF-1372789AF0BC}" srcOrd="0" destOrd="0" presId="urn:microsoft.com/office/officeart/2005/8/layout/vList5"/>
     <dgm:cxn modelId="{BEE7790A-1A86-4AC5-926A-8684AC7E160D}" type="presParOf" srcId="{28572EFC-4B6F-43FA-9BAF-1372789AF0BC}" destId="{FF5931E5-6577-45BF-AE5E-698950A6CB7C}" srcOrd="0" destOrd="0" presId="urn:microsoft.com/office/officeart/2005/8/layout/vList5"/>
+    <dgm:cxn modelId="{A1CEFADC-E666-418E-A8EF-60AF891E80F1}" type="presParOf" srcId="{76D6B6BC-F8F0-4466-930A-673E438AD175}" destId="{4ECE9EB2-DDA7-42FC-BF9E-18B0138FE3B5}" srcOrd="1" destOrd="0" presId="urn:microsoft.com/office/officeart/2005/8/layout/vList5"/>
+    <dgm:cxn modelId="{EA31EEF1-153D-49E7-9DDC-711023DD751D}" type="presParOf" srcId="{76D6B6BC-F8F0-4466-930A-673E438AD175}" destId="{365DAA1E-0EA2-4779-BA2C-86211B24E914}" srcOrd="2" destOrd="0" presId="urn:microsoft.com/office/officeart/2005/8/layout/vList5"/>
+    <dgm:cxn modelId="{6BFF6DAC-E656-484E-8838-F79ECABD3DD1}" type="presParOf" srcId="{365DAA1E-0EA2-4779-BA2C-86211B24E914}" destId="{B6CE390F-56AC-45A8-A0DF-3A7B8C2FEB1E}" srcOrd="0" destOrd="0" presId="urn:microsoft.com/office/officeart/2005/8/layout/vList5"/>
   </dgm:cxnLst>
   <dgm:bg/>
   <dgm:whole/>
@@ -3780,8 +3867,8 @@
       </dsp:nvSpPr>
       <dsp:spPr>
         <a:xfrm>
-          <a:off x="2044999" y="0"/>
-          <a:ext cx="2300624" cy="1526770"/>
+          <a:off x="2044999" y="33"/>
+          <a:ext cx="2300624" cy="1321217"/>
         </a:xfrm>
         <a:prstGeom prst="roundRect">
           <a:avLst/>
@@ -3823,12 +3910,12 @@
         </a:fontRef>
       </dsp:style>
       <dsp:txBody>
-        <a:bodyPr spcFirstLastPara="0" vert="horz" wrap="square" lIns="220980" tIns="110490" rIns="220980" bIns="110490" numCol="1" spcCol="1270" anchor="ctr" anchorCtr="0">
+        <a:bodyPr spcFirstLastPara="0" vert="horz" wrap="square" lIns="140970" tIns="70485" rIns="140970" bIns="70485" numCol="1" spcCol="1270" anchor="ctr" anchorCtr="0">
           <a:noAutofit/>
         </a:bodyPr>
         <a:lstStyle/>
         <a:p>
-          <a:pPr marL="0" lvl="0" indent="0" algn="ctr" defTabSz="2578100">
+          <a:pPr marL="0" lvl="0" indent="0" algn="ctr" defTabSz="1644650">
             <a:lnSpc>
               <a:spcPct val="90000"/>
             </a:lnSpc>
@@ -3841,15 +3928,92 @@
             <a:buNone/>
           </a:pPr>
           <a:r>
-            <a:rPr lang="en-US" sz="5800" kern="1200"/>
-            <a:t>CI/CD</a:t>
+            <a:rPr lang="en-US" sz="3700" kern="1200" dirty="0"/>
+            <a:t>GitHub DevOps</a:t>
           </a:r>
-          <a:endParaRPr lang="en-US" sz="5800" kern="1200" dirty="0"/>
         </a:p>
       </dsp:txBody>
       <dsp:txXfrm>
-        <a:off x="2119530" y="74531"/>
-        <a:ext cx="2151562" cy="1377708"/>
+        <a:off x="2109495" y="64529"/>
+        <a:ext cx="2171632" cy="1192225"/>
+      </dsp:txXfrm>
+    </dsp:sp>
+    <dsp:sp modelId="{B6CE390F-56AC-45A8-A0DF-3A7B8C2FEB1E}">
+      <dsp:nvSpPr>
+        <dsp:cNvPr id="0" name=""/>
+        <dsp:cNvSpPr/>
+      </dsp:nvSpPr>
+      <dsp:spPr>
+        <a:xfrm>
+          <a:off x="2044999" y="1387311"/>
+          <a:ext cx="2300624" cy="1321217"/>
+        </a:xfrm>
+        <a:prstGeom prst="roundRect">
+          <a:avLst/>
+        </a:prstGeom>
+        <a:solidFill>
+          <a:schemeClr val="accent1">
+            <a:hueOff val="0"/>
+            <a:satOff val="0"/>
+            <a:lumOff val="0"/>
+            <a:alphaOff val="0"/>
+          </a:schemeClr>
+        </a:solidFill>
+        <a:ln w="12700" cap="flat" cmpd="sng" algn="ctr">
+          <a:solidFill>
+            <a:schemeClr val="lt1">
+              <a:hueOff val="0"/>
+              <a:satOff val="0"/>
+              <a:lumOff val="0"/>
+              <a:alphaOff val="0"/>
+            </a:schemeClr>
+          </a:solidFill>
+          <a:prstDash val="solid"/>
+          <a:miter lim="800000"/>
+        </a:ln>
+        <a:effectLst/>
+      </dsp:spPr>
+      <dsp:style>
+        <a:lnRef idx="2">
+          <a:scrgbClr r="0" g="0" b="0"/>
+        </a:lnRef>
+        <a:fillRef idx="1">
+          <a:scrgbClr r="0" g="0" b="0"/>
+        </a:fillRef>
+        <a:effectRef idx="0">
+          <a:scrgbClr r="0" g="0" b="0"/>
+        </a:effectRef>
+        <a:fontRef idx="minor">
+          <a:schemeClr val="lt1"/>
+        </a:fontRef>
+      </dsp:style>
+      <dsp:txBody>
+        <a:bodyPr spcFirstLastPara="0" vert="horz" wrap="square" lIns="140970" tIns="70485" rIns="140970" bIns="70485" numCol="1" spcCol="1270" anchor="ctr" anchorCtr="0">
+          <a:noAutofit/>
+        </a:bodyPr>
+        <a:lstStyle/>
+        <a:p>
+          <a:pPr marL="0" lvl="0" indent="0" algn="ctr" defTabSz="1644650">
+            <a:lnSpc>
+              <a:spcPct val="90000"/>
+            </a:lnSpc>
+            <a:spcBef>
+              <a:spcPct val="0"/>
+            </a:spcBef>
+            <a:spcAft>
+              <a:spcPct val="35000"/>
+            </a:spcAft>
+            <a:buNone/>
+          </a:pPr>
+          <a:r>
+            <a:rPr lang="en-US" sz="3700" kern="1200" dirty="0"/>
+            <a:t>Azure DevOps</a:t>
+          </a:r>
+        </a:p>
+      </dsp:txBody>
+      <dsp:txXfrm>
+        <a:off x="2109495" y="1451807"/>
+        <a:ext cx="2171632" cy="1192225"/>
       </dsp:txXfrm>
     </dsp:sp>
   </dsp:spTree>
@@ -12846,14 +13010,14 @@
             <p:ph idx="1"/>
             <p:extLst>
               <p:ext uri="{D42A27DB-BD31-4B8C-83A1-F6EECF244321}">
-                <p14:modId xmlns:p14="http://schemas.microsoft.com/office/powerpoint/2010/main" val="4068749383"/>
+                <p14:modId xmlns:p14="http://schemas.microsoft.com/office/powerpoint/2010/main" val="3825485357"/>
               </p:ext>
             </p:extLst>
           </p:nvPr>
         </p:nvGraphicFramePr>
         <p:xfrm>
-          <a:off x="4654732" y="2664229"/>
-          <a:ext cx="6390623" cy="1526770"/>
+          <a:off x="4654732" y="1482436"/>
+          <a:ext cx="6390623" cy="2708563"/>
         </p:xfrm>
         <a:graphic>
           <a:graphicData uri="http://schemas.openxmlformats.org/drawingml/2006/diagram">
@@ -15708,52 +15872,44 @@
           </a:p>
         </p:txBody>
       </p:sp>
-      <p:sp>
-        <p:nvSpPr>
-          <p:cNvPr id="4" name="Rectangle 3">
-            <a:extLst>
-              <a:ext uri="{FF2B5EF4-FFF2-40B4-BE49-F238E27FC236}">
-                <a16:creationId xmlns:a16="http://schemas.microsoft.com/office/drawing/2014/main" id="{91F87B49-5965-0686-132C-82FF71BF90C4}"/>
-              </a:ext>
-            </a:extLst>
-          </p:cNvPr>
-          <p:cNvSpPr/>
+      <p:pic>
+        <p:nvPicPr>
+          <p:cNvPr id="5" name="Picture 4">
+            <a:extLst>
+              <a:ext uri="{FF2B5EF4-FFF2-40B4-BE49-F238E27FC236}">
+                <a16:creationId xmlns:a16="http://schemas.microsoft.com/office/drawing/2014/main" id="{CE7009DE-0262-AC3D-D9CE-67DDCC6CEE93}"/>
+              </a:ext>
+            </a:extLst>
+          </p:cNvPr>
+          <p:cNvPicPr>
+            <a:picLocks noChangeAspect="1"/>
+          </p:cNvPicPr>
           <p:nvPr/>
-        </p:nvSpPr>
+        </p:nvPicPr>
+        <p:blipFill>
+          <a:blip r:embed="rId2">
+            <a:duotone>
+              <a:schemeClr val="accent5">
+                <a:shade val="45000"/>
+                <a:satMod val="135000"/>
+              </a:schemeClr>
+              <a:prstClr val="white"/>
+            </a:duotone>
+          </a:blip>
+          <a:stretch>
+            <a:fillRect/>
+          </a:stretch>
+        </p:blipFill>
         <p:spPr>
           <a:xfrm>
-            <a:off x="5153891" y="1759527"/>
-            <a:ext cx="5818909" cy="2937164"/>
+            <a:off x="5698115" y="1821669"/>
+            <a:ext cx="4010025" cy="3086100"/>
           </a:xfrm>
           <a:prstGeom prst="rect">
             <a:avLst/>
           </a:prstGeom>
         </p:spPr>
-        <p:style>
-          <a:lnRef idx="2">
-            <a:schemeClr val="accent1">
-              <a:shade val="15000"/>
-            </a:schemeClr>
-          </a:lnRef>
-          <a:fillRef idx="1">
-            <a:schemeClr val="accent1"/>
-          </a:fillRef>
-          <a:effectRef idx="0">
-            <a:schemeClr val="accent1"/>
-          </a:effectRef>
-          <a:fontRef idx="minor">
-            <a:schemeClr val="lt1"/>
-          </a:fontRef>
-        </p:style>
-        <p:txBody>
-          <a:bodyPr rtlCol="0" anchor="ctr"/>
-          <a:lstStyle/>
-          <a:p>
-            <a:pPr algn="ctr"/>
-            <a:endParaRPr lang="ru-UA"/>
-          </a:p>
-        </p:txBody>
-      </p:sp>
+      </p:pic>
     </p:spTree>
     <p:extLst>
       <p:ext uri="{BB962C8B-B14F-4D97-AF65-F5344CB8AC3E}">

--- a/Step03-Deployment_Automatization_presentation.pptx
+++ b/Step03-Deployment_Automatization_presentation.pptx
@@ -191,6 +191,969 @@
 <file path=ppt/changesInfos/changesInfo1.xml><?xml version="1.0" encoding="utf-8"?>
 <pc:chgInfo xmlns:a="http://schemas.openxmlformats.org/drawingml/2006/main" xmlns:r="http://schemas.openxmlformats.org/officeDocument/2006/relationships" xmlns:ac="http://schemas.microsoft.com/office/drawing/2013/main/command" xmlns:pc="http://schemas.microsoft.com/office/powerpoint/2013/main/command">
   <pc:docChgLst>
+    <pc:chgData name="Ihor Aleksandrov" userId="c3051032-6b87-4db2-b257-777a0106fbd9" providerId="ADAL" clId="{DF783FCC-C35F-4D2C-B134-D1A27E72D448}"/>
+    <pc:docChg chg="undo custSel addSld delSld modSld sldOrd addMainMaster delMainMaster addSection modSection">
+      <pc:chgData name="Ihor Aleksandrov" userId="c3051032-6b87-4db2-b257-777a0106fbd9" providerId="ADAL" clId="{DF783FCC-C35F-4D2C-B134-D1A27E72D448}" dt="2024-01-26T13:49:38.017" v="476" actId="1076"/>
+      <pc:docMkLst>
+        <pc:docMk/>
+      </pc:docMkLst>
+      <pc:sldChg chg="modSp add del mod">
+        <pc:chgData name="Ihor Aleksandrov" userId="c3051032-6b87-4db2-b257-777a0106fbd9" providerId="ADAL" clId="{DF783FCC-C35F-4D2C-B134-D1A27E72D448}" dt="2024-01-26T09:37:02.125" v="21" actId="20577"/>
+        <pc:sldMkLst>
+          <pc:docMk/>
+          <pc:sldMk cId="552267186" sldId="256"/>
+        </pc:sldMkLst>
+        <pc:spChg chg="mod">
+          <ac:chgData name="Ihor Aleksandrov" userId="c3051032-6b87-4db2-b257-777a0106fbd9" providerId="ADAL" clId="{DF783FCC-C35F-4D2C-B134-D1A27E72D448}" dt="2024-01-26T09:37:02.125" v="21" actId="20577"/>
+          <ac:spMkLst>
+            <pc:docMk/>
+            <pc:sldMk cId="552267186" sldId="256"/>
+            <ac:spMk id="2" creationId="{18C18207-A109-5552-1541-0ABBAA316282}"/>
+          </ac:spMkLst>
+        </pc:spChg>
+      </pc:sldChg>
+      <pc:sldChg chg="addSp delSp modSp add del mod">
+        <pc:chgData name="Ihor Aleksandrov" userId="c3051032-6b87-4db2-b257-777a0106fbd9" providerId="ADAL" clId="{DF783FCC-C35F-4D2C-B134-D1A27E72D448}" dt="2024-01-26T10:34:00.196" v="47"/>
+        <pc:sldMkLst>
+          <pc:docMk/>
+          <pc:sldMk cId="4197480136" sldId="268"/>
+        </pc:sldMkLst>
+        <pc:spChg chg="mod">
+          <ac:chgData name="Ihor Aleksandrov" userId="c3051032-6b87-4db2-b257-777a0106fbd9" providerId="ADAL" clId="{DF783FCC-C35F-4D2C-B134-D1A27E72D448}" dt="2024-01-26T10:32:58.017" v="35" actId="20577"/>
+          <ac:spMkLst>
+            <pc:docMk/>
+            <pc:sldMk cId="4197480136" sldId="268"/>
+            <ac:spMk id="2" creationId="{53C5D828-9666-E312-B574-9FE965A7D6BE}"/>
+          </ac:spMkLst>
+        </pc:spChg>
+        <pc:picChg chg="add mod">
+          <ac:chgData name="Ihor Aleksandrov" userId="c3051032-6b87-4db2-b257-777a0106fbd9" providerId="ADAL" clId="{DF783FCC-C35F-4D2C-B134-D1A27E72D448}" dt="2024-01-26T10:34:00.196" v="47"/>
+          <ac:picMkLst>
+            <pc:docMk/>
+            <pc:sldMk cId="4197480136" sldId="268"/>
+            <ac:picMk id="5" creationId="{48B8D675-CA93-B1DA-C8B0-E9A8D9721494}"/>
+          </ac:picMkLst>
+        </pc:picChg>
+        <pc:picChg chg="del">
+          <ac:chgData name="Ihor Aleksandrov" userId="c3051032-6b87-4db2-b257-777a0106fbd9" providerId="ADAL" clId="{DF783FCC-C35F-4D2C-B134-D1A27E72D448}" dt="2024-01-26T10:33:12.173" v="36" actId="478"/>
+          <ac:picMkLst>
+            <pc:docMk/>
+            <pc:sldMk cId="4197480136" sldId="268"/>
+            <ac:picMk id="6" creationId="{96E01597-C9C0-8F09-1E61-63CEB43A5D58}"/>
+          </ac:picMkLst>
+        </pc:picChg>
+      </pc:sldChg>
+      <pc:sldChg chg="modSp mod">
+        <pc:chgData name="Ihor Aleksandrov" userId="c3051032-6b87-4db2-b257-777a0106fbd9" providerId="ADAL" clId="{DF783FCC-C35F-4D2C-B134-D1A27E72D448}" dt="2024-01-26T09:35:41.705" v="4"/>
+        <pc:sldMkLst>
+          <pc:docMk/>
+          <pc:sldMk cId="2052164358" sldId="302"/>
+        </pc:sldMkLst>
+        <pc:spChg chg="mod">
+          <ac:chgData name="Ihor Aleksandrov" userId="c3051032-6b87-4db2-b257-777a0106fbd9" providerId="ADAL" clId="{DF783FCC-C35F-4D2C-B134-D1A27E72D448}" dt="2024-01-26T09:35:41.705" v="4"/>
+          <ac:spMkLst>
+            <pc:docMk/>
+            <pc:sldMk cId="2052164358" sldId="302"/>
+            <ac:spMk id="2" creationId="{5DF8ECE0-DBF5-C309-B35B-C6A0C6C847B2}"/>
+          </ac:spMkLst>
+        </pc:spChg>
+      </pc:sldChg>
+      <pc:sldChg chg="modSp mod">
+        <pc:chgData name="Ihor Aleksandrov" userId="c3051032-6b87-4db2-b257-777a0106fbd9" providerId="ADAL" clId="{DF783FCC-C35F-4D2C-B134-D1A27E72D448}" dt="2024-01-26T13:46:17.622" v="472" actId="14100"/>
+        <pc:sldMkLst>
+          <pc:docMk/>
+          <pc:sldMk cId="2972731808" sldId="303"/>
+        </pc:sldMkLst>
+        <pc:graphicFrameChg chg="mod">
+          <ac:chgData name="Ihor Aleksandrov" userId="c3051032-6b87-4db2-b257-777a0106fbd9" providerId="ADAL" clId="{DF783FCC-C35F-4D2C-B134-D1A27E72D448}" dt="2024-01-26T13:46:17.622" v="472" actId="14100"/>
+          <ac:graphicFrameMkLst>
+            <pc:docMk/>
+            <pc:sldMk cId="2972731808" sldId="303"/>
+            <ac:graphicFrameMk id="50" creationId="{438840ED-2B50-ED19-12CF-99B1789AE150}"/>
+          </ac:graphicFrameMkLst>
+        </pc:graphicFrameChg>
+      </pc:sldChg>
+      <pc:sldChg chg="add del">
+        <pc:chgData name="Ihor Aleksandrov" userId="c3051032-6b87-4db2-b257-777a0106fbd9" providerId="ADAL" clId="{DF783FCC-C35F-4D2C-B134-D1A27E72D448}" dt="2024-01-26T09:36:38.278" v="7" actId="2696"/>
+        <pc:sldMkLst>
+          <pc:docMk/>
+          <pc:sldMk cId="2437677464" sldId="304"/>
+        </pc:sldMkLst>
+      </pc:sldChg>
+      <pc:sldChg chg="addSp delSp modSp add mod">
+        <pc:chgData name="Ihor Aleksandrov" userId="c3051032-6b87-4db2-b257-777a0106fbd9" providerId="ADAL" clId="{DF783FCC-C35F-4D2C-B134-D1A27E72D448}" dt="2024-01-26T10:37:47.393" v="72" actId="1076"/>
+        <pc:sldMkLst>
+          <pc:docMk/>
+          <pc:sldMk cId="2663829398" sldId="304"/>
+        </pc:sldMkLst>
+        <pc:spChg chg="mod">
+          <ac:chgData name="Ihor Aleksandrov" userId="c3051032-6b87-4db2-b257-777a0106fbd9" providerId="ADAL" clId="{DF783FCC-C35F-4D2C-B134-D1A27E72D448}" dt="2024-01-26T10:36:14.718" v="52"/>
+          <ac:spMkLst>
+            <pc:docMk/>
+            <pc:sldMk cId="2663829398" sldId="304"/>
+            <ac:spMk id="2" creationId="{53C5D828-9666-E312-B574-9FE965A7D6BE}"/>
+          </ac:spMkLst>
+        </pc:spChg>
+        <pc:picChg chg="add mod">
+          <ac:chgData name="Ihor Aleksandrov" userId="c3051032-6b87-4db2-b257-777a0106fbd9" providerId="ADAL" clId="{DF783FCC-C35F-4D2C-B134-D1A27E72D448}" dt="2024-01-26T10:37:47.393" v="72" actId="1076"/>
+          <ac:picMkLst>
+            <pc:docMk/>
+            <pc:sldMk cId="2663829398" sldId="304"/>
+            <ac:picMk id="4" creationId="{FCFA766F-83CB-5C1C-AAE0-E7EBDC3565E1}"/>
+          </ac:picMkLst>
+        </pc:picChg>
+        <pc:picChg chg="del">
+          <ac:chgData name="Ihor Aleksandrov" userId="c3051032-6b87-4db2-b257-777a0106fbd9" providerId="ADAL" clId="{DF783FCC-C35F-4D2C-B134-D1A27E72D448}" dt="2024-01-26T10:36:17.274" v="53" actId="478"/>
+          <ac:picMkLst>
+            <pc:docMk/>
+            <pc:sldMk cId="2663829398" sldId="304"/>
+            <ac:picMk id="5" creationId="{48B8D675-CA93-B1DA-C8B0-E9A8D9721494}"/>
+          </ac:picMkLst>
+        </pc:picChg>
+      </pc:sldChg>
+      <pc:sldChg chg="addSp delSp modSp add mod">
+        <pc:chgData name="Ihor Aleksandrov" userId="c3051032-6b87-4db2-b257-777a0106fbd9" providerId="ADAL" clId="{DF783FCC-C35F-4D2C-B134-D1A27E72D448}" dt="2024-01-26T11:02:50.166" v="113" actId="1036"/>
+        <pc:sldMkLst>
+          <pc:docMk/>
+          <pc:sldMk cId="90847877" sldId="305"/>
+        </pc:sldMkLst>
+        <pc:spChg chg="mod">
+          <ac:chgData name="Ihor Aleksandrov" userId="c3051032-6b87-4db2-b257-777a0106fbd9" providerId="ADAL" clId="{DF783FCC-C35F-4D2C-B134-D1A27E72D448}" dt="2024-01-26T11:00:56.843" v="75" actId="20577"/>
+          <ac:spMkLst>
+            <pc:docMk/>
+            <pc:sldMk cId="90847877" sldId="305"/>
+            <ac:spMk id="2" creationId="{53C5D828-9666-E312-B574-9FE965A7D6BE}"/>
+          </ac:spMkLst>
+        </pc:spChg>
+        <pc:picChg chg="del">
+          <ac:chgData name="Ihor Aleksandrov" userId="c3051032-6b87-4db2-b257-777a0106fbd9" providerId="ADAL" clId="{DF783FCC-C35F-4D2C-B134-D1A27E72D448}" dt="2024-01-26T11:01:32.422" v="76" actId="478"/>
+          <ac:picMkLst>
+            <pc:docMk/>
+            <pc:sldMk cId="90847877" sldId="305"/>
+            <ac:picMk id="4" creationId="{FCFA766F-83CB-5C1C-AAE0-E7EBDC3565E1}"/>
+          </ac:picMkLst>
+        </pc:picChg>
+        <pc:picChg chg="add mod">
+          <ac:chgData name="Ihor Aleksandrov" userId="c3051032-6b87-4db2-b257-777a0106fbd9" providerId="ADAL" clId="{DF783FCC-C35F-4D2C-B134-D1A27E72D448}" dt="2024-01-26T11:02:07.815" v="78" actId="1076"/>
+          <ac:picMkLst>
+            <pc:docMk/>
+            <pc:sldMk cId="90847877" sldId="305"/>
+            <ac:picMk id="6" creationId="{8E098978-CBA3-C53D-2AC7-6E736F346038}"/>
+          </ac:picMkLst>
+        </pc:picChg>
+        <pc:picChg chg="add mod">
+          <ac:chgData name="Ihor Aleksandrov" userId="c3051032-6b87-4db2-b257-777a0106fbd9" providerId="ADAL" clId="{DF783FCC-C35F-4D2C-B134-D1A27E72D448}" dt="2024-01-26T11:02:23.689" v="89" actId="1036"/>
+          <ac:picMkLst>
+            <pc:docMk/>
+            <pc:sldMk cId="90847877" sldId="305"/>
+            <ac:picMk id="8" creationId="{048150D0-EEA6-F03D-53F3-560A3ECE73ED}"/>
+          </ac:picMkLst>
+        </pc:picChg>
+        <pc:picChg chg="add mod">
+          <ac:chgData name="Ihor Aleksandrov" userId="c3051032-6b87-4db2-b257-777a0106fbd9" providerId="ADAL" clId="{DF783FCC-C35F-4D2C-B134-D1A27E72D448}" dt="2024-01-26T11:02:50.166" v="113" actId="1036"/>
+          <ac:picMkLst>
+            <pc:docMk/>
+            <pc:sldMk cId="90847877" sldId="305"/>
+            <ac:picMk id="10" creationId="{0D805EFE-1FBF-FD52-8DDC-4879878D0844}"/>
+          </ac:picMkLst>
+        </pc:picChg>
+      </pc:sldChg>
+      <pc:sldChg chg="add del">
+        <pc:chgData name="Ihor Aleksandrov" userId="c3051032-6b87-4db2-b257-777a0106fbd9" providerId="ADAL" clId="{DF783FCC-C35F-4D2C-B134-D1A27E72D448}" dt="2024-01-26T09:36:38.278" v="7" actId="2696"/>
+        <pc:sldMkLst>
+          <pc:docMk/>
+          <pc:sldMk cId="3615190178" sldId="305"/>
+        </pc:sldMkLst>
+      </pc:sldChg>
+      <pc:sldChg chg="addSp delSp modSp add mod">
+        <pc:chgData name="Ihor Aleksandrov" userId="c3051032-6b87-4db2-b257-777a0106fbd9" providerId="ADAL" clId="{DF783FCC-C35F-4D2C-B134-D1A27E72D448}" dt="2024-01-26T11:08:25.726" v="126" actId="1076"/>
+        <pc:sldMkLst>
+          <pc:docMk/>
+          <pc:sldMk cId="420494837" sldId="306"/>
+        </pc:sldMkLst>
+        <pc:spChg chg="mod">
+          <ac:chgData name="Ihor Aleksandrov" userId="c3051032-6b87-4db2-b257-777a0106fbd9" providerId="ADAL" clId="{DF783FCC-C35F-4D2C-B134-D1A27E72D448}" dt="2024-01-26T11:05:03.395" v="117" actId="20577"/>
+          <ac:spMkLst>
+            <pc:docMk/>
+            <pc:sldMk cId="420494837" sldId="306"/>
+            <ac:spMk id="2" creationId="{53C5D828-9666-E312-B574-9FE965A7D6BE}"/>
+          </ac:spMkLst>
+        </pc:spChg>
+        <pc:picChg chg="add mod">
+          <ac:chgData name="Ihor Aleksandrov" userId="c3051032-6b87-4db2-b257-777a0106fbd9" providerId="ADAL" clId="{DF783FCC-C35F-4D2C-B134-D1A27E72D448}" dt="2024-01-26T11:08:16.399" v="123" actId="1076"/>
+          <ac:picMkLst>
+            <pc:docMk/>
+            <pc:sldMk cId="420494837" sldId="306"/>
+            <ac:picMk id="5" creationId="{F9F6D8B4-95C0-C160-F6BC-F60E1B8389DC}"/>
+          </ac:picMkLst>
+        </pc:picChg>
+        <pc:picChg chg="del">
+          <ac:chgData name="Ihor Aleksandrov" userId="c3051032-6b87-4db2-b257-777a0106fbd9" providerId="ADAL" clId="{DF783FCC-C35F-4D2C-B134-D1A27E72D448}" dt="2024-01-26T11:05:47.639" v="118" actId="478"/>
+          <ac:picMkLst>
+            <pc:docMk/>
+            <pc:sldMk cId="420494837" sldId="306"/>
+            <ac:picMk id="6" creationId="{8E098978-CBA3-C53D-2AC7-6E736F346038}"/>
+          </ac:picMkLst>
+        </pc:picChg>
+        <pc:picChg chg="del">
+          <ac:chgData name="Ihor Aleksandrov" userId="c3051032-6b87-4db2-b257-777a0106fbd9" providerId="ADAL" clId="{DF783FCC-C35F-4D2C-B134-D1A27E72D448}" dt="2024-01-26T11:05:49.948" v="119" actId="478"/>
+          <ac:picMkLst>
+            <pc:docMk/>
+            <pc:sldMk cId="420494837" sldId="306"/>
+            <ac:picMk id="8" creationId="{048150D0-EEA6-F03D-53F3-560A3ECE73ED}"/>
+          </ac:picMkLst>
+        </pc:picChg>
+        <pc:picChg chg="add mod">
+          <ac:chgData name="Ihor Aleksandrov" userId="c3051032-6b87-4db2-b257-777a0106fbd9" providerId="ADAL" clId="{DF783FCC-C35F-4D2C-B134-D1A27E72D448}" dt="2024-01-26T11:08:25.726" v="126" actId="1076"/>
+          <ac:picMkLst>
+            <pc:docMk/>
+            <pc:sldMk cId="420494837" sldId="306"/>
+            <ac:picMk id="9" creationId="{8DE22683-1DCE-F916-E898-47CF6229B7CE}"/>
+          </ac:picMkLst>
+        </pc:picChg>
+        <pc:picChg chg="del">
+          <ac:chgData name="Ihor Aleksandrov" userId="c3051032-6b87-4db2-b257-777a0106fbd9" providerId="ADAL" clId="{DF783FCC-C35F-4D2C-B134-D1A27E72D448}" dt="2024-01-26T11:05:53.464" v="120" actId="478"/>
+          <ac:picMkLst>
+            <pc:docMk/>
+            <pc:sldMk cId="420494837" sldId="306"/>
+            <ac:picMk id="10" creationId="{0D805EFE-1FBF-FD52-8DDC-4879878D0844}"/>
+          </ac:picMkLst>
+        </pc:picChg>
+      </pc:sldChg>
+      <pc:sldChg chg="add del">
+        <pc:chgData name="Ihor Aleksandrov" userId="c3051032-6b87-4db2-b257-777a0106fbd9" providerId="ADAL" clId="{DF783FCC-C35F-4D2C-B134-D1A27E72D448}" dt="2024-01-26T09:36:38.278" v="7" actId="2696"/>
+        <pc:sldMkLst>
+          <pc:docMk/>
+          <pc:sldMk cId="1836256656" sldId="306"/>
+        </pc:sldMkLst>
+      </pc:sldChg>
+      <pc:sldChg chg="add del">
+        <pc:chgData name="Ihor Aleksandrov" userId="c3051032-6b87-4db2-b257-777a0106fbd9" providerId="ADAL" clId="{DF783FCC-C35F-4D2C-B134-D1A27E72D448}" dt="2024-01-26T09:36:38.278" v="7" actId="2696"/>
+        <pc:sldMkLst>
+          <pc:docMk/>
+          <pc:sldMk cId="198741980" sldId="307"/>
+        </pc:sldMkLst>
+      </pc:sldChg>
+      <pc:sldChg chg="addSp delSp modSp add mod">
+        <pc:chgData name="Ihor Aleksandrov" userId="c3051032-6b87-4db2-b257-777a0106fbd9" providerId="ADAL" clId="{DF783FCC-C35F-4D2C-B134-D1A27E72D448}" dt="2024-01-26T11:13:08.952" v="138" actId="1076"/>
+        <pc:sldMkLst>
+          <pc:docMk/>
+          <pc:sldMk cId="1938047355" sldId="307"/>
+        </pc:sldMkLst>
+        <pc:spChg chg="mod">
+          <ac:chgData name="Ihor Aleksandrov" userId="c3051032-6b87-4db2-b257-777a0106fbd9" providerId="ADAL" clId="{DF783FCC-C35F-4D2C-B134-D1A27E72D448}" dt="2024-01-26T11:11:00.832" v="133" actId="20577"/>
+          <ac:spMkLst>
+            <pc:docMk/>
+            <pc:sldMk cId="1938047355" sldId="307"/>
+            <ac:spMk id="2" creationId="{53C5D828-9666-E312-B574-9FE965A7D6BE}"/>
+          </ac:spMkLst>
+        </pc:spChg>
+        <pc:picChg chg="del">
+          <ac:chgData name="Ihor Aleksandrov" userId="c3051032-6b87-4db2-b257-777a0106fbd9" providerId="ADAL" clId="{DF783FCC-C35F-4D2C-B134-D1A27E72D448}" dt="2024-01-26T11:11:31.596" v="134" actId="478"/>
+          <ac:picMkLst>
+            <pc:docMk/>
+            <pc:sldMk cId="1938047355" sldId="307"/>
+            <ac:picMk id="5" creationId="{F9F6D8B4-95C0-C160-F6BC-F60E1B8389DC}"/>
+          </ac:picMkLst>
+        </pc:picChg>
+        <pc:picChg chg="add mod">
+          <ac:chgData name="Ihor Aleksandrov" userId="c3051032-6b87-4db2-b257-777a0106fbd9" providerId="ADAL" clId="{DF783FCC-C35F-4D2C-B134-D1A27E72D448}" dt="2024-01-26T11:13:08.952" v="138" actId="1076"/>
+          <ac:picMkLst>
+            <pc:docMk/>
+            <pc:sldMk cId="1938047355" sldId="307"/>
+            <ac:picMk id="6" creationId="{9E283F72-3A1C-C9B6-B2F7-8739C40F746A}"/>
+          </ac:picMkLst>
+        </pc:picChg>
+        <pc:picChg chg="del">
+          <ac:chgData name="Ihor Aleksandrov" userId="c3051032-6b87-4db2-b257-777a0106fbd9" providerId="ADAL" clId="{DF783FCC-C35F-4D2C-B134-D1A27E72D448}" dt="2024-01-26T11:11:33.613" v="135" actId="478"/>
+          <ac:picMkLst>
+            <pc:docMk/>
+            <pc:sldMk cId="1938047355" sldId="307"/>
+            <ac:picMk id="9" creationId="{8DE22683-1DCE-F916-E898-47CF6229B7CE}"/>
+          </ac:picMkLst>
+        </pc:picChg>
+      </pc:sldChg>
+      <pc:sldChg chg="add del">
+        <pc:chgData name="Ihor Aleksandrov" userId="c3051032-6b87-4db2-b257-777a0106fbd9" providerId="ADAL" clId="{DF783FCC-C35F-4D2C-B134-D1A27E72D448}" dt="2024-01-26T09:36:41.344" v="8" actId="2696"/>
+        <pc:sldMkLst>
+          <pc:docMk/>
+          <pc:sldMk cId="2347286244" sldId="308"/>
+        </pc:sldMkLst>
+      </pc:sldChg>
+      <pc:sldChg chg="addSp delSp modSp add mod">
+        <pc:chgData name="Ihor Aleksandrov" userId="c3051032-6b87-4db2-b257-777a0106fbd9" providerId="ADAL" clId="{DF783FCC-C35F-4D2C-B134-D1A27E72D448}" dt="2024-01-26T13:49:38.017" v="476" actId="1076"/>
+        <pc:sldMkLst>
+          <pc:docMk/>
+          <pc:sldMk cId="4274413980" sldId="308"/>
+        </pc:sldMkLst>
+        <pc:spChg chg="mod">
+          <ac:chgData name="Ihor Aleksandrov" userId="c3051032-6b87-4db2-b257-777a0106fbd9" providerId="ADAL" clId="{DF783FCC-C35F-4D2C-B134-D1A27E72D448}" dt="2024-01-26T11:17:29.617" v="150" actId="20577"/>
+          <ac:spMkLst>
+            <pc:docMk/>
+            <pc:sldMk cId="4274413980" sldId="308"/>
+            <ac:spMk id="2" creationId="{53C5D828-9666-E312-B574-9FE965A7D6BE}"/>
+          </ac:spMkLst>
+        </pc:spChg>
+        <pc:spChg chg="add del">
+          <ac:chgData name="Ihor Aleksandrov" userId="c3051032-6b87-4db2-b257-777a0106fbd9" providerId="ADAL" clId="{DF783FCC-C35F-4D2C-B134-D1A27E72D448}" dt="2024-01-26T13:49:34.226" v="475" actId="478"/>
+          <ac:spMkLst>
+            <pc:docMk/>
+            <pc:sldMk cId="4274413980" sldId="308"/>
+            <ac:spMk id="4" creationId="{91F87B49-5965-0686-132C-82FF71BF90C4}"/>
+          </ac:spMkLst>
+        </pc:spChg>
+        <pc:picChg chg="add mod">
+          <ac:chgData name="Ihor Aleksandrov" userId="c3051032-6b87-4db2-b257-777a0106fbd9" providerId="ADAL" clId="{DF783FCC-C35F-4D2C-B134-D1A27E72D448}" dt="2024-01-26T13:49:38.017" v="476" actId="1076"/>
+          <ac:picMkLst>
+            <pc:docMk/>
+            <pc:sldMk cId="4274413980" sldId="308"/>
+            <ac:picMk id="5" creationId="{CE7009DE-0262-AC3D-D9CE-67DDCC6CEE93}"/>
+          </ac:picMkLst>
+        </pc:picChg>
+        <pc:picChg chg="del">
+          <ac:chgData name="Ihor Aleksandrov" userId="c3051032-6b87-4db2-b257-777a0106fbd9" providerId="ADAL" clId="{DF783FCC-C35F-4D2C-B134-D1A27E72D448}" dt="2024-01-26T11:14:40.895" v="149" actId="478"/>
+          <ac:picMkLst>
+            <pc:docMk/>
+            <pc:sldMk cId="4274413980" sldId="308"/>
+            <ac:picMk id="6" creationId="{9E283F72-3A1C-C9B6-B2F7-8739C40F746A}"/>
+          </ac:picMkLst>
+        </pc:picChg>
+      </pc:sldChg>
+      <pc:sldChg chg="addSp delSp modSp add mod">
+        <pc:chgData name="Ihor Aleksandrov" userId="c3051032-6b87-4db2-b257-777a0106fbd9" providerId="ADAL" clId="{DF783FCC-C35F-4D2C-B134-D1A27E72D448}" dt="2024-01-26T11:21:29.316" v="167" actId="1076"/>
+        <pc:sldMkLst>
+          <pc:docMk/>
+          <pc:sldMk cId="3572219502" sldId="309"/>
+        </pc:sldMkLst>
+        <pc:spChg chg="mod">
+          <ac:chgData name="Ihor Aleksandrov" userId="c3051032-6b87-4db2-b257-777a0106fbd9" providerId="ADAL" clId="{DF783FCC-C35F-4D2C-B134-D1A27E72D448}" dt="2024-01-26T11:20:09.576" v="160" actId="20577"/>
+          <ac:spMkLst>
+            <pc:docMk/>
+            <pc:sldMk cId="3572219502" sldId="309"/>
+            <ac:spMk id="2" creationId="{53C5D828-9666-E312-B574-9FE965A7D6BE}"/>
+          </ac:spMkLst>
+        </pc:spChg>
+        <pc:spChg chg="del">
+          <ac:chgData name="Ihor Aleksandrov" userId="c3051032-6b87-4db2-b257-777a0106fbd9" providerId="ADAL" clId="{DF783FCC-C35F-4D2C-B134-D1A27E72D448}" dt="2024-01-26T11:21:20.104" v="163" actId="478"/>
+          <ac:spMkLst>
+            <pc:docMk/>
+            <pc:sldMk cId="3572219502" sldId="309"/>
+            <ac:spMk id="4" creationId="{91F87B49-5965-0686-132C-82FF71BF90C4}"/>
+          </ac:spMkLst>
+        </pc:spChg>
+        <pc:picChg chg="add mod">
+          <ac:chgData name="Ihor Aleksandrov" userId="c3051032-6b87-4db2-b257-777a0106fbd9" providerId="ADAL" clId="{DF783FCC-C35F-4D2C-B134-D1A27E72D448}" dt="2024-01-26T11:21:29.316" v="167" actId="1076"/>
+          <ac:picMkLst>
+            <pc:docMk/>
+            <pc:sldMk cId="3572219502" sldId="309"/>
+            <ac:picMk id="5" creationId="{7CADBF52-3379-A0DB-C2D3-AD13E50F4810}"/>
+          </ac:picMkLst>
+        </pc:picChg>
+      </pc:sldChg>
+      <pc:sldChg chg="addSp delSp modSp add mod">
+        <pc:chgData name="Ihor Aleksandrov" userId="c3051032-6b87-4db2-b257-777a0106fbd9" providerId="ADAL" clId="{DF783FCC-C35F-4D2C-B134-D1A27E72D448}" dt="2024-01-26T11:25:23.338" v="173" actId="1076"/>
+        <pc:sldMkLst>
+          <pc:docMk/>
+          <pc:sldMk cId="2777986827" sldId="310"/>
+        </pc:sldMkLst>
+        <pc:spChg chg="mod">
+          <ac:chgData name="Ihor Aleksandrov" userId="c3051032-6b87-4db2-b257-777a0106fbd9" providerId="ADAL" clId="{DF783FCC-C35F-4D2C-B134-D1A27E72D448}" dt="2024-01-26T11:25:12.797" v="169" actId="20577"/>
+          <ac:spMkLst>
+            <pc:docMk/>
+            <pc:sldMk cId="2777986827" sldId="310"/>
+            <ac:spMk id="2" creationId="{53C5D828-9666-E312-B574-9FE965A7D6BE}"/>
+          </ac:spMkLst>
+        </pc:spChg>
+        <pc:picChg chg="del">
+          <ac:chgData name="Ihor Aleksandrov" userId="c3051032-6b87-4db2-b257-777a0106fbd9" providerId="ADAL" clId="{DF783FCC-C35F-4D2C-B134-D1A27E72D448}" dt="2024-01-26T11:25:15.201" v="170" actId="478"/>
+          <ac:picMkLst>
+            <pc:docMk/>
+            <pc:sldMk cId="2777986827" sldId="310"/>
+            <ac:picMk id="5" creationId="{7CADBF52-3379-A0DB-C2D3-AD13E50F4810}"/>
+          </ac:picMkLst>
+        </pc:picChg>
+        <pc:picChg chg="add mod">
+          <ac:chgData name="Ihor Aleksandrov" userId="c3051032-6b87-4db2-b257-777a0106fbd9" providerId="ADAL" clId="{DF783FCC-C35F-4D2C-B134-D1A27E72D448}" dt="2024-01-26T11:25:23.338" v="173" actId="1076"/>
+          <ac:picMkLst>
+            <pc:docMk/>
+            <pc:sldMk cId="2777986827" sldId="310"/>
+            <ac:picMk id="6" creationId="{0FF2F593-A13B-5DDB-88EB-006260BEE328}"/>
+          </ac:picMkLst>
+        </pc:picChg>
+      </pc:sldChg>
+      <pc:sldChg chg="modSp add mod ord">
+        <pc:chgData name="Ihor Aleksandrov" userId="c3051032-6b87-4db2-b257-777a0106fbd9" providerId="ADAL" clId="{DF783FCC-C35F-4D2C-B134-D1A27E72D448}" dt="2024-01-26T11:50:15.315" v="188" actId="20577"/>
+        <pc:sldMkLst>
+          <pc:docMk/>
+          <pc:sldMk cId="484484455" sldId="311"/>
+        </pc:sldMkLst>
+        <pc:spChg chg="mod">
+          <ac:chgData name="Ihor Aleksandrov" userId="c3051032-6b87-4db2-b257-777a0106fbd9" providerId="ADAL" clId="{DF783FCC-C35F-4D2C-B134-D1A27E72D448}" dt="2024-01-26T11:50:15.315" v="188" actId="20577"/>
+          <ac:spMkLst>
+            <pc:docMk/>
+            <pc:sldMk cId="484484455" sldId="311"/>
+            <ac:spMk id="2" creationId="{18C18207-A109-5552-1541-0ABBAA316282}"/>
+          </ac:spMkLst>
+        </pc:spChg>
+      </pc:sldChg>
+      <pc:sldChg chg="addSp delSp modSp add mod ord">
+        <pc:chgData name="Ihor Aleksandrov" userId="c3051032-6b87-4db2-b257-777a0106fbd9" providerId="ADAL" clId="{DF783FCC-C35F-4D2C-B134-D1A27E72D448}" dt="2024-01-26T11:59:10.243" v="218" actId="1076"/>
+        <pc:sldMkLst>
+          <pc:docMk/>
+          <pc:sldMk cId="3071951183" sldId="312"/>
+        </pc:sldMkLst>
+        <pc:spChg chg="mod">
+          <ac:chgData name="Ihor Aleksandrov" userId="c3051032-6b87-4db2-b257-777a0106fbd9" providerId="ADAL" clId="{DF783FCC-C35F-4D2C-B134-D1A27E72D448}" dt="2024-01-26T11:58:37.056" v="212" actId="20577"/>
+          <ac:spMkLst>
+            <pc:docMk/>
+            <pc:sldMk cId="3071951183" sldId="312"/>
+            <ac:spMk id="2" creationId="{53C5D828-9666-E312-B574-9FE965A7D6BE}"/>
+          </ac:spMkLst>
+        </pc:spChg>
+        <pc:picChg chg="add mod">
+          <ac:chgData name="Ihor Aleksandrov" userId="c3051032-6b87-4db2-b257-777a0106fbd9" providerId="ADAL" clId="{DF783FCC-C35F-4D2C-B134-D1A27E72D448}" dt="2024-01-26T11:59:10.243" v="218" actId="1076"/>
+          <ac:picMkLst>
+            <pc:docMk/>
+            <pc:sldMk cId="3071951183" sldId="312"/>
+            <ac:picMk id="5" creationId="{A4BEC793-F7E8-D57E-E495-4A952075089A}"/>
+          </ac:picMkLst>
+        </pc:picChg>
+        <pc:picChg chg="del">
+          <ac:chgData name="Ihor Aleksandrov" userId="c3051032-6b87-4db2-b257-777a0106fbd9" providerId="ADAL" clId="{DF783FCC-C35F-4D2C-B134-D1A27E72D448}" dt="2024-01-26T11:58:39.250" v="213" actId="478"/>
+          <ac:picMkLst>
+            <pc:docMk/>
+            <pc:sldMk cId="3071951183" sldId="312"/>
+            <ac:picMk id="6" creationId="{0FF2F593-A13B-5DDB-88EB-006260BEE328}"/>
+          </ac:picMkLst>
+        </pc:picChg>
+      </pc:sldChg>
+      <pc:sldChg chg="addSp delSp modSp add mod">
+        <pc:chgData name="Ihor Aleksandrov" userId="c3051032-6b87-4db2-b257-777a0106fbd9" providerId="ADAL" clId="{DF783FCC-C35F-4D2C-B134-D1A27E72D448}" dt="2024-01-26T12:31:57.105" v="243"/>
+        <pc:sldMkLst>
+          <pc:docMk/>
+          <pc:sldMk cId="4014532755" sldId="313"/>
+        </pc:sldMkLst>
+        <pc:spChg chg="mod">
+          <ac:chgData name="Ihor Aleksandrov" userId="c3051032-6b87-4db2-b257-777a0106fbd9" providerId="ADAL" clId="{DF783FCC-C35F-4D2C-B134-D1A27E72D448}" dt="2024-01-26T12:26:21.004" v="225" actId="20577"/>
+          <ac:spMkLst>
+            <pc:docMk/>
+            <pc:sldMk cId="4014532755" sldId="313"/>
+            <ac:spMk id="2" creationId="{53C5D828-9666-E312-B574-9FE965A7D6BE}"/>
+          </ac:spMkLst>
+        </pc:spChg>
+        <pc:picChg chg="del">
+          <ac:chgData name="Ihor Aleksandrov" userId="c3051032-6b87-4db2-b257-777a0106fbd9" providerId="ADAL" clId="{DF783FCC-C35F-4D2C-B134-D1A27E72D448}" dt="2024-01-26T12:26:40.665" v="226" actId="478"/>
+          <ac:picMkLst>
+            <pc:docMk/>
+            <pc:sldMk cId="4014532755" sldId="313"/>
+            <ac:picMk id="5" creationId="{A4BEC793-F7E8-D57E-E495-4A952075089A}"/>
+          </ac:picMkLst>
+        </pc:picChg>
+        <pc:picChg chg="add mod">
+          <ac:chgData name="Ihor Aleksandrov" userId="c3051032-6b87-4db2-b257-777a0106fbd9" providerId="ADAL" clId="{DF783FCC-C35F-4D2C-B134-D1A27E72D448}" dt="2024-01-26T12:26:48.160" v="230" actId="1076"/>
+          <ac:picMkLst>
+            <pc:docMk/>
+            <pc:sldMk cId="4014532755" sldId="313"/>
+            <ac:picMk id="6" creationId="{B022E9A4-52AD-1F66-AC22-B0AE53D1145C}"/>
+          </ac:picMkLst>
+        </pc:picChg>
+        <pc:picChg chg="add mod">
+          <ac:chgData name="Ihor Aleksandrov" userId="c3051032-6b87-4db2-b257-777a0106fbd9" providerId="ADAL" clId="{DF783FCC-C35F-4D2C-B134-D1A27E72D448}" dt="2024-01-26T12:31:57.105" v="243"/>
+          <ac:picMkLst>
+            <pc:docMk/>
+            <pc:sldMk cId="4014532755" sldId="313"/>
+            <ac:picMk id="8" creationId="{C31A8AEA-045D-CA8D-2F87-86C7BC7F2140}"/>
+          </ac:picMkLst>
+        </pc:picChg>
+      </pc:sldChg>
+      <pc:sldChg chg="addSp delSp modSp add mod">
+        <pc:chgData name="Ihor Aleksandrov" userId="c3051032-6b87-4db2-b257-777a0106fbd9" providerId="ADAL" clId="{DF783FCC-C35F-4D2C-B134-D1A27E72D448}" dt="2024-01-26T12:32:51.622" v="251" actId="1076"/>
+        <pc:sldMkLst>
+          <pc:docMk/>
+          <pc:sldMk cId="2667496052" sldId="314"/>
+        </pc:sldMkLst>
+        <pc:spChg chg="mod">
+          <ac:chgData name="Ihor Aleksandrov" userId="c3051032-6b87-4db2-b257-777a0106fbd9" providerId="ADAL" clId="{DF783FCC-C35F-4D2C-B134-D1A27E72D448}" dt="2024-01-26T12:31:25.149" v="239" actId="20577"/>
+          <ac:spMkLst>
+            <pc:docMk/>
+            <pc:sldMk cId="2667496052" sldId="314"/>
+            <ac:spMk id="2" creationId="{53C5D828-9666-E312-B574-9FE965A7D6BE}"/>
+          </ac:spMkLst>
+        </pc:spChg>
+        <pc:picChg chg="add mod">
+          <ac:chgData name="Ihor Aleksandrov" userId="c3051032-6b87-4db2-b257-777a0106fbd9" providerId="ADAL" clId="{DF783FCC-C35F-4D2C-B134-D1A27E72D448}" dt="2024-01-26T12:32:22.536" v="247" actId="1076"/>
+          <ac:picMkLst>
+            <pc:docMk/>
+            <pc:sldMk cId="2667496052" sldId="314"/>
+            <ac:picMk id="5" creationId="{2A84FB53-5035-A5A9-7433-F22FB7E72F74}"/>
+          </ac:picMkLst>
+        </pc:picChg>
+        <pc:picChg chg="del">
+          <ac:chgData name="Ihor Aleksandrov" userId="c3051032-6b87-4db2-b257-777a0106fbd9" providerId="ADAL" clId="{DF783FCC-C35F-4D2C-B134-D1A27E72D448}" dt="2024-01-26T12:31:28.180" v="240" actId="478"/>
+          <ac:picMkLst>
+            <pc:docMk/>
+            <pc:sldMk cId="2667496052" sldId="314"/>
+            <ac:picMk id="6" creationId="{B022E9A4-52AD-1F66-AC22-B0AE53D1145C}"/>
+          </ac:picMkLst>
+        </pc:picChg>
+        <pc:picChg chg="add mod">
+          <ac:chgData name="Ihor Aleksandrov" userId="c3051032-6b87-4db2-b257-777a0106fbd9" providerId="ADAL" clId="{DF783FCC-C35F-4D2C-B134-D1A27E72D448}" dt="2024-01-26T12:32:51.622" v="251" actId="1076"/>
+          <ac:picMkLst>
+            <pc:docMk/>
+            <pc:sldMk cId="2667496052" sldId="314"/>
+            <ac:picMk id="8" creationId="{788EF69A-41E4-9FC3-E1EB-9468A0CB8CE3}"/>
+          </ac:picMkLst>
+        </pc:picChg>
+      </pc:sldChg>
+      <pc:sldChg chg="addSp delSp modSp add mod">
+        <pc:chgData name="Ihor Aleksandrov" userId="c3051032-6b87-4db2-b257-777a0106fbd9" providerId="ADAL" clId="{DF783FCC-C35F-4D2C-B134-D1A27E72D448}" dt="2024-01-26T12:35:46.374" v="267" actId="14100"/>
+        <pc:sldMkLst>
+          <pc:docMk/>
+          <pc:sldMk cId="2503154780" sldId="315"/>
+        </pc:sldMkLst>
+        <pc:spChg chg="mod">
+          <ac:chgData name="Ihor Aleksandrov" userId="c3051032-6b87-4db2-b257-777a0106fbd9" providerId="ADAL" clId="{DF783FCC-C35F-4D2C-B134-D1A27E72D448}" dt="2024-01-26T12:35:02.030" v="257" actId="20577"/>
+          <ac:spMkLst>
+            <pc:docMk/>
+            <pc:sldMk cId="2503154780" sldId="315"/>
+            <ac:spMk id="2" creationId="{53C5D828-9666-E312-B574-9FE965A7D6BE}"/>
+          </ac:spMkLst>
+        </pc:spChg>
+        <pc:picChg chg="del">
+          <ac:chgData name="Ihor Aleksandrov" userId="c3051032-6b87-4db2-b257-777a0106fbd9" providerId="ADAL" clId="{DF783FCC-C35F-4D2C-B134-D1A27E72D448}" dt="2024-01-26T12:35:05.874" v="258" actId="478"/>
+          <ac:picMkLst>
+            <pc:docMk/>
+            <pc:sldMk cId="2503154780" sldId="315"/>
+            <ac:picMk id="5" creationId="{2A84FB53-5035-A5A9-7433-F22FB7E72F74}"/>
+          </ac:picMkLst>
+        </pc:picChg>
+        <pc:picChg chg="add mod">
+          <ac:chgData name="Ihor Aleksandrov" userId="c3051032-6b87-4db2-b257-777a0106fbd9" providerId="ADAL" clId="{DF783FCC-C35F-4D2C-B134-D1A27E72D448}" dt="2024-01-26T12:35:23.497" v="262" actId="1076"/>
+          <ac:picMkLst>
+            <pc:docMk/>
+            <pc:sldMk cId="2503154780" sldId="315"/>
+            <ac:picMk id="6" creationId="{9A2F53BF-A25F-C5EF-07AB-3F824C4EA8C5}"/>
+          </ac:picMkLst>
+        </pc:picChg>
+        <pc:picChg chg="del">
+          <ac:chgData name="Ihor Aleksandrov" userId="c3051032-6b87-4db2-b257-777a0106fbd9" providerId="ADAL" clId="{DF783FCC-C35F-4D2C-B134-D1A27E72D448}" dt="2024-01-26T12:35:07.679" v="259" actId="478"/>
+          <ac:picMkLst>
+            <pc:docMk/>
+            <pc:sldMk cId="2503154780" sldId="315"/>
+            <ac:picMk id="8" creationId="{788EF69A-41E4-9FC3-E1EB-9468A0CB8CE3}"/>
+          </ac:picMkLst>
+        </pc:picChg>
+        <pc:picChg chg="add mod">
+          <ac:chgData name="Ihor Aleksandrov" userId="c3051032-6b87-4db2-b257-777a0106fbd9" providerId="ADAL" clId="{DF783FCC-C35F-4D2C-B134-D1A27E72D448}" dt="2024-01-26T12:35:46.374" v="267" actId="14100"/>
+          <ac:picMkLst>
+            <pc:docMk/>
+            <pc:sldMk cId="2503154780" sldId="315"/>
+            <ac:picMk id="9" creationId="{34F80E18-578A-16A9-85C5-532F9FD4B0B9}"/>
+          </ac:picMkLst>
+        </pc:picChg>
+      </pc:sldChg>
+      <pc:sldChg chg="addSp delSp modSp add mod">
+        <pc:chgData name="Ihor Aleksandrov" userId="c3051032-6b87-4db2-b257-777a0106fbd9" providerId="ADAL" clId="{DF783FCC-C35F-4D2C-B134-D1A27E72D448}" dt="2024-01-26T12:38:40.524" v="289"/>
+        <pc:sldMkLst>
+          <pc:docMk/>
+          <pc:sldMk cId="4210310787" sldId="316"/>
+        </pc:sldMkLst>
+        <pc:spChg chg="mod">
+          <ac:chgData name="Ihor Aleksandrov" userId="c3051032-6b87-4db2-b257-777a0106fbd9" providerId="ADAL" clId="{DF783FCC-C35F-4D2C-B134-D1A27E72D448}" dt="2024-01-26T12:37:58.438" v="279" actId="20577"/>
+          <ac:spMkLst>
+            <pc:docMk/>
+            <pc:sldMk cId="4210310787" sldId="316"/>
+            <ac:spMk id="2" creationId="{53C5D828-9666-E312-B574-9FE965A7D6BE}"/>
+          </ac:spMkLst>
+        </pc:spChg>
+        <pc:picChg chg="add mod">
+          <ac:chgData name="Ihor Aleksandrov" userId="c3051032-6b87-4db2-b257-777a0106fbd9" providerId="ADAL" clId="{DF783FCC-C35F-4D2C-B134-D1A27E72D448}" dt="2024-01-26T12:38:18.643" v="284" actId="1076"/>
+          <ac:picMkLst>
+            <pc:docMk/>
+            <pc:sldMk cId="4210310787" sldId="316"/>
+            <ac:picMk id="5" creationId="{8E7A6064-484E-B30C-7E3A-19B2D5316902}"/>
+          </ac:picMkLst>
+        </pc:picChg>
+        <pc:picChg chg="del">
+          <ac:chgData name="Ihor Aleksandrov" userId="c3051032-6b87-4db2-b257-777a0106fbd9" providerId="ADAL" clId="{DF783FCC-C35F-4D2C-B134-D1A27E72D448}" dt="2024-01-26T12:37:50.476" v="269" actId="478"/>
+          <ac:picMkLst>
+            <pc:docMk/>
+            <pc:sldMk cId="4210310787" sldId="316"/>
+            <ac:picMk id="6" creationId="{9A2F53BF-A25F-C5EF-07AB-3F824C4EA8C5}"/>
+          </ac:picMkLst>
+        </pc:picChg>
+        <pc:picChg chg="add mod">
+          <ac:chgData name="Ihor Aleksandrov" userId="c3051032-6b87-4db2-b257-777a0106fbd9" providerId="ADAL" clId="{DF783FCC-C35F-4D2C-B134-D1A27E72D448}" dt="2024-01-26T12:38:40.524" v="289"/>
+          <ac:picMkLst>
+            <pc:docMk/>
+            <pc:sldMk cId="4210310787" sldId="316"/>
+            <ac:picMk id="8" creationId="{5275D103-485B-C43F-327E-ED0BECCAB575}"/>
+          </ac:picMkLst>
+        </pc:picChg>
+        <pc:picChg chg="del">
+          <ac:chgData name="Ihor Aleksandrov" userId="c3051032-6b87-4db2-b257-777a0106fbd9" providerId="ADAL" clId="{DF783FCC-C35F-4D2C-B134-D1A27E72D448}" dt="2024-01-26T12:38:02.286" v="280" actId="478"/>
+          <ac:picMkLst>
+            <pc:docMk/>
+            <pc:sldMk cId="4210310787" sldId="316"/>
+            <ac:picMk id="9" creationId="{34F80E18-578A-16A9-85C5-532F9FD4B0B9}"/>
+          </ac:picMkLst>
+        </pc:picChg>
+      </pc:sldChg>
+      <pc:sldChg chg="addSp delSp modSp add mod">
+        <pc:chgData name="Ihor Aleksandrov" userId="c3051032-6b87-4db2-b257-777a0106fbd9" providerId="ADAL" clId="{DF783FCC-C35F-4D2C-B134-D1A27E72D448}" dt="2024-01-26T12:40:46.440" v="310" actId="1076"/>
+        <pc:sldMkLst>
+          <pc:docMk/>
+          <pc:sldMk cId="1401046882" sldId="317"/>
+        </pc:sldMkLst>
+        <pc:spChg chg="mod">
+          <ac:chgData name="Ihor Aleksandrov" userId="c3051032-6b87-4db2-b257-777a0106fbd9" providerId="ADAL" clId="{DF783FCC-C35F-4D2C-B134-D1A27E72D448}" dt="2024-01-26T12:39:56.941" v="299" actId="20577"/>
+          <ac:spMkLst>
+            <pc:docMk/>
+            <pc:sldMk cId="1401046882" sldId="317"/>
+            <ac:spMk id="2" creationId="{53C5D828-9666-E312-B574-9FE965A7D6BE}"/>
+          </ac:spMkLst>
+        </pc:spChg>
+        <pc:picChg chg="del">
+          <ac:chgData name="Ihor Aleksandrov" userId="c3051032-6b87-4db2-b257-777a0106fbd9" providerId="ADAL" clId="{DF783FCC-C35F-4D2C-B134-D1A27E72D448}" dt="2024-01-26T12:40:00.564" v="300" actId="478"/>
+          <ac:picMkLst>
+            <pc:docMk/>
+            <pc:sldMk cId="1401046882" sldId="317"/>
+            <ac:picMk id="5" creationId="{8E7A6064-484E-B30C-7E3A-19B2D5316902}"/>
+          </ac:picMkLst>
+        </pc:picChg>
+        <pc:picChg chg="add mod">
+          <ac:chgData name="Ihor Aleksandrov" userId="c3051032-6b87-4db2-b257-777a0106fbd9" providerId="ADAL" clId="{DF783FCC-C35F-4D2C-B134-D1A27E72D448}" dt="2024-01-26T12:40:42.603" v="309" actId="1076"/>
+          <ac:picMkLst>
+            <pc:docMk/>
+            <pc:sldMk cId="1401046882" sldId="317"/>
+            <ac:picMk id="6" creationId="{C1BEC785-1A5C-BC57-8AF1-75EF2EF4F5B0}"/>
+          </ac:picMkLst>
+        </pc:picChg>
+        <pc:picChg chg="del">
+          <ac:chgData name="Ihor Aleksandrov" userId="c3051032-6b87-4db2-b257-777a0106fbd9" providerId="ADAL" clId="{DF783FCC-C35F-4D2C-B134-D1A27E72D448}" dt="2024-01-26T12:40:02.322" v="301" actId="478"/>
+          <ac:picMkLst>
+            <pc:docMk/>
+            <pc:sldMk cId="1401046882" sldId="317"/>
+            <ac:picMk id="8" creationId="{5275D103-485B-C43F-327E-ED0BECCAB575}"/>
+          </ac:picMkLst>
+        </pc:picChg>
+        <pc:picChg chg="add mod">
+          <ac:chgData name="Ihor Aleksandrov" userId="c3051032-6b87-4db2-b257-777a0106fbd9" providerId="ADAL" clId="{DF783FCC-C35F-4D2C-B134-D1A27E72D448}" dt="2024-01-26T12:40:46.440" v="310" actId="1076"/>
+          <ac:picMkLst>
+            <pc:docMk/>
+            <pc:sldMk cId="1401046882" sldId="317"/>
+            <ac:picMk id="9" creationId="{25716AD4-AC61-DD67-E0EB-5B1D649196E5}"/>
+          </ac:picMkLst>
+        </pc:picChg>
+      </pc:sldChg>
+      <pc:sldChg chg="addSp delSp modSp add mod">
+        <pc:chgData name="Ihor Aleksandrov" userId="c3051032-6b87-4db2-b257-777a0106fbd9" providerId="ADAL" clId="{DF783FCC-C35F-4D2C-B134-D1A27E72D448}" dt="2024-01-26T12:43:27.844" v="342" actId="1076"/>
+        <pc:sldMkLst>
+          <pc:docMk/>
+          <pc:sldMk cId="701027107" sldId="318"/>
+        </pc:sldMkLst>
+        <pc:spChg chg="mod">
+          <ac:chgData name="Ihor Aleksandrov" userId="c3051032-6b87-4db2-b257-777a0106fbd9" providerId="ADAL" clId="{DF783FCC-C35F-4D2C-B134-D1A27E72D448}" dt="2024-01-26T12:42:31.864" v="330" actId="20577"/>
+          <ac:spMkLst>
+            <pc:docMk/>
+            <pc:sldMk cId="701027107" sldId="318"/>
+            <ac:spMk id="2" creationId="{53C5D828-9666-E312-B574-9FE965A7D6BE}"/>
+          </ac:spMkLst>
+        </pc:spChg>
+        <pc:picChg chg="add mod">
+          <ac:chgData name="Ihor Aleksandrov" userId="c3051032-6b87-4db2-b257-777a0106fbd9" providerId="ADAL" clId="{DF783FCC-C35F-4D2C-B134-D1A27E72D448}" dt="2024-01-26T12:43:04.267" v="336" actId="1076"/>
+          <ac:picMkLst>
+            <pc:docMk/>
+            <pc:sldMk cId="701027107" sldId="318"/>
+            <ac:picMk id="5" creationId="{C9E7A61D-7A9F-90BF-2073-99800DC02183}"/>
+          </ac:picMkLst>
+        </pc:picChg>
+        <pc:picChg chg="del">
+          <ac:chgData name="Ihor Aleksandrov" userId="c3051032-6b87-4db2-b257-777a0106fbd9" providerId="ADAL" clId="{DF783FCC-C35F-4D2C-B134-D1A27E72D448}" dt="2024-01-26T12:42:35.321" v="331" actId="478"/>
+          <ac:picMkLst>
+            <pc:docMk/>
+            <pc:sldMk cId="701027107" sldId="318"/>
+            <ac:picMk id="6" creationId="{C1BEC785-1A5C-BC57-8AF1-75EF2EF4F5B0}"/>
+          </ac:picMkLst>
+        </pc:picChg>
+        <pc:picChg chg="add mod">
+          <ac:chgData name="Ihor Aleksandrov" userId="c3051032-6b87-4db2-b257-777a0106fbd9" providerId="ADAL" clId="{DF783FCC-C35F-4D2C-B134-D1A27E72D448}" dt="2024-01-26T12:43:27.844" v="342" actId="1076"/>
+          <ac:picMkLst>
+            <pc:docMk/>
+            <pc:sldMk cId="701027107" sldId="318"/>
+            <ac:picMk id="8" creationId="{38F011CA-CFEE-3631-F749-FEC935A4A03A}"/>
+          </ac:picMkLst>
+        </pc:picChg>
+        <pc:picChg chg="del">
+          <ac:chgData name="Ihor Aleksandrov" userId="c3051032-6b87-4db2-b257-777a0106fbd9" providerId="ADAL" clId="{DF783FCC-C35F-4D2C-B134-D1A27E72D448}" dt="2024-01-26T12:42:37.555" v="332" actId="478"/>
+          <ac:picMkLst>
+            <pc:docMk/>
+            <pc:sldMk cId="701027107" sldId="318"/>
+            <ac:picMk id="9" creationId="{25716AD4-AC61-DD67-E0EB-5B1D649196E5}"/>
+          </ac:picMkLst>
+        </pc:picChg>
+      </pc:sldChg>
+      <pc:sldChg chg="addSp delSp modSp add mod">
+        <pc:chgData name="Ihor Aleksandrov" userId="c3051032-6b87-4db2-b257-777a0106fbd9" providerId="ADAL" clId="{DF783FCC-C35F-4D2C-B134-D1A27E72D448}" dt="2024-01-26T12:57:35.107" v="378" actId="1076"/>
+        <pc:sldMkLst>
+          <pc:docMk/>
+          <pc:sldMk cId="166848246" sldId="319"/>
+        </pc:sldMkLst>
+        <pc:spChg chg="mod">
+          <ac:chgData name="Ihor Aleksandrov" userId="c3051032-6b87-4db2-b257-777a0106fbd9" providerId="ADAL" clId="{DF783FCC-C35F-4D2C-B134-D1A27E72D448}" dt="2024-01-26T12:52:25.573" v="373" actId="20577"/>
+          <ac:spMkLst>
+            <pc:docMk/>
+            <pc:sldMk cId="166848246" sldId="319"/>
+            <ac:spMk id="2" creationId="{53C5D828-9666-E312-B574-9FE965A7D6BE}"/>
+          </ac:spMkLst>
+        </pc:spChg>
+        <pc:picChg chg="del">
+          <ac:chgData name="Ihor Aleksandrov" userId="c3051032-6b87-4db2-b257-777a0106fbd9" providerId="ADAL" clId="{DF783FCC-C35F-4D2C-B134-D1A27E72D448}" dt="2024-01-26T12:52:30.351" v="374" actId="478"/>
+          <ac:picMkLst>
+            <pc:docMk/>
+            <pc:sldMk cId="166848246" sldId="319"/>
+            <ac:picMk id="5" creationId="{C9E7A61D-7A9F-90BF-2073-99800DC02183}"/>
+          </ac:picMkLst>
+        </pc:picChg>
+        <pc:picChg chg="add mod">
+          <ac:chgData name="Ihor Aleksandrov" userId="c3051032-6b87-4db2-b257-777a0106fbd9" providerId="ADAL" clId="{DF783FCC-C35F-4D2C-B134-D1A27E72D448}" dt="2024-01-26T12:57:35.107" v="378" actId="1076"/>
+          <ac:picMkLst>
+            <pc:docMk/>
+            <pc:sldMk cId="166848246" sldId="319"/>
+            <ac:picMk id="6" creationId="{A6296786-68CA-315E-9A7E-1157749A9EE6}"/>
+          </ac:picMkLst>
+        </pc:picChg>
+        <pc:picChg chg="del">
+          <ac:chgData name="Ihor Aleksandrov" userId="c3051032-6b87-4db2-b257-777a0106fbd9" providerId="ADAL" clId="{DF783FCC-C35F-4D2C-B134-D1A27E72D448}" dt="2024-01-26T12:52:32.169" v="375" actId="478"/>
+          <ac:picMkLst>
+            <pc:docMk/>
+            <pc:sldMk cId="166848246" sldId="319"/>
+            <ac:picMk id="8" creationId="{38F011CA-CFEE-3631-F749-FEC935A4A03A}"/>
+          </ac:picMkLst>
+        </pc:picChg>
+      </pc:sldChg>
+      <pc:sldChg chg="addSp delSp modSp add mod">
+        <pc:chgData name="Ihor Aleksandrov" userId="c3051032-6b87-4db2-b257-777a0106fbd9" providerId="ADAL" clId="{DF783FCC-C35F-4D2C-B134-D1A27E72D448}" dt="2024-01-26T13:05:10.980" v="418" actId="22"/>
+        <pc:sldMkLst>
+          <pc:docMk/>
+          <pc:sldMk cId="2292472459" sldId="320"/>
+        </pc:sldMkLst>
+        <pc:spChg chg="mod">
+          <ac:chgData name="Ihor Aleksandrov" userId="c3051032-6b87-4db2-b257-777a0106fbd9" providerId="ADAL" clId="{DF783FCC-C35F-4D2C-B134-D1A27E72D448}" dt="2024-01-26T13:05:00.672" v="415" actId="20577"/>
+          <ac:spMkLst>
+            <pc:docMk/>
+            <pc:sldMk cId="2292472459" sldId="320"/>
+            <ac:spMk id="2" creationId="{53C5D828-9666-E312-B574-9FE965A7D6BE}"/>
+          </ac:spMkLst>
+        </pc:spChg>
+        <pc:picChg chg="add mod">
+          <ac:chgData name="Ihor Aleksandrov" userId="c3051032-6b87-4db2-b257-777a0106fbd9" providerId="ADAL" clId="{DF783FCC-C35F-4D2C-B134-D1A27E72D448}" dt="2024-01-26T13:05:03.560" v="416" actId="1076"/>
+          <ac:picMkLst>
+            <pc:docMk/>
+            <pc:sldMk cId="2292472459" sldId="320"/>
+            <ac:picMk id="5" creationId="{96D28E5B-C3E7-BFA3-AAE0-7B1931753B37}"/>
+          </ac:picMkLst>
+        </pc:picChg>
+        <pc:picChg chg="del">
+          <ac:chgData name="Ihor Aleksandrov" userId="c3051032-6b87-4db2-b257-777a0106fbd9" providerId="ADAL" clId="{DF783FCC-C35F-4D2C-B134-D1A27E72D448}" dt="2024-01-26T13:04:28.153" v="405" actId="478"/>
+          <ac:picMkLst>
+            <pc:docMk/>
+            <pc:sldMk cId="2292472459" sldId="320"/>
+            <ac:picMk id="6" creationId="{A6296786-68CA-315E-9A7E-1157749A9EE6}"/>
+          </ac:picMkLst>
+        </pc:picChg>
+        <pc:picChg chg="add del">
+          <ac:chgData name="Ihor Aleksandrov" userId="c3051032-6b87-4db2-b257-777a0106fbd9" providerId="ADAL" clId="{DF783FCC-C35F-4D2C-B134-D1A27E72D448}" dt="2024-01-26T13:05:10.980" v="418" actId="22"/>
+          <ac:picMkLst>
+            <pc:docMk/>
+            <pc:sldMk cId="2292472459" sldId="320"/>
+            <ac:picMk id="8" creationId="{554A2027-36D0-B7EA-D3DD-F719AF23123B}"/>
+          </ac:picMkLst>
+        </pc:picChg>
+      </pc:sldChg>
+      <pc:sldChg chg="addSp delSp modSp add mod">
+        <pc:chgData name="Ihor Aleksandrov" userId="c3051032-6b87-4db2-b257-777a0106fbd9" providerId="ADAL" clId="{DF783FCC-C35F-4D2C-B134-D1A27E72D448}" dt="2024-01-26T13:05:24.717" v="423" actId="1076"/>
+        <pc:sldMkLst>
+          <pc:docMk/>
+          <pc:sldMk cId="1322111015" sldId="321"/>
+        </pc:sldMkLst>
+        <pc:picChg chg="del">
+          <ac:chgData name="Ihor Aleksandrov" userId="c3051032-6b87-4db2-b257-777a0106fbd9" providerId="ADAL" clId="{DF783FCC-C35F-4D2C-B134-D1A27E72D448}" dt="2024-01-26T13:05:21.645" v="422" actId="478"/>
+          <ac:picMkLst>
+            <pc:docMk/>
+            <pc:sldMk cId="1322111015" sldId="321"/>
+            <ac:picMk id="5" creationId="{96D28E5B-C3E7-BFA3-AAE0-7B1931753B37}"/>
+          </ac:picMkLst>
+        </pc:picChg>
+        <pc:picChg chg="add mod">
+          <ac:chgData name="Ihor Aleksandrov" userId="c3051032-6b87-4db2-b257-777a0106fbd9" providerId="ADAL" clId="{DF783FCC-C35F-4D2C-B134-D1A27E72D448}" dt="2024-01-26T13:05:24.717" v="423" actId="1076"/>
+          <ac:picMkLst>
+            <pc:docMk/>
+            <pc:sldMk cId="1322111015" sldId="321"/>
+            <ac:picMk id="6" creationId="{04B218F6-449B-2F93-DB6F-C091B7A2D68D}"/>
+          </ac:picMkLst>
+        </pc:picChg>
+      </pc:sldChg>
+      <pc:sldChg chg="addSp delSp modSp add mod">
+        <pc:chgData name="Ihor Aleksandrov" userId="c3051032-6b87-4db2-b257-777a0106fbd9" providerId="ADAL" clId="{DF783FCC-C35F-4D2C-B134-D1A27E72D448}" dt="2024-01-26T13:06:32.202" v="432" actId="1076"/>
+        <pc:sldMkLst>
+          <pc:docMk/>
+          <pc:sldMk cId="3503328695" sldId="322"/>
+        </pc:sldMkLst>
+        <pc:picChg chg="add mod">
+          <ac:chgData name="Ihor Aleksandrov" userId="c3051032-6b87-4db2-b257-777a0106fbd9" providerId="ADAL" clId="{DF783FCC-C35F-4D2C-B134-D1A27E72D448}" dt="2024-01-26T13:06:25.597" v="429" actId="1076"/>
+          <ac:picMkLst>
+            <pc:docMk/>
+            <pc:sldMk cId="3503328695" sldId="322"/>
+            <ac:picMk id="5" creationId="{9C4BF8C2-EC18-9A18-0A44-8EB1C9CE1208}"/>
+          </ac:picMkLst>
+        </pc:picChg>
+        <pc:picChg chg="del">
+          <ac:chgData name="Ihor Aleksandrov" userId="c3051032-6b87-4db2-b257-777a0106fbd9" providerId="ADAL" clId="{DF783FCC-C35F-4D2C-B134-D1A27E72D448}" dt="2024-01-26T13:05:58.351" v="425" actId="478"/>
+          <ac:picMkLst>
+            <pc:docMk/>
+            <pc:sldMk cId="3503328695" sldId="322"/>
+            <ac:picMk id="6" creationId="{04B218F6-449B-2F93-DB6F-C091B7A2D68D}"/>
+          </ac:picMkLst>
+        </pc:picChg>
+        <pc:picChg chg="add mod">
+          <ac:chgData name="Ihor Aleksandrov" userId="c3051032-6b87-4db2-b257-777a0106fbd9" providerId="ADAL" clId="{DF783FCC-C35F-4D2C-B134-D1A27E72D448}" dt="2024-01-26T13:06:32.202" v="432" actId="1076"/>
+          <ac:picMkLst>
+            <pc:docMk/>
+            <pc:sldMk cId="3503328695" sldId="322"/>
+            <ac:picMk id="8" creationId="{70532B56-37B8-7540-3150-B8251ACB964C}"/>
+          </ac:picMkLst>
+        </pc:picChg>
+      </pc:sldChg>
+      <pc:sldChg chg="addSp delSp modSp add mod">
+        <pc:chgData name="Ihor Aleksandrov" userId="c3051032-6b87-4db2-b257-777a0106fbd9" providerId="ADAL" clId="{DF783FCC-C35F-4D2C-B134-D1A27E72D448}" dt="2024-01-26T13:08:01.330" v="440" actId="1076"/>
+        <pc:sldMkLst>
+          <pc:docMk/>
+          <pc:sldMk cId="362375175" sldId="323"/>
+        </pc:sldMkLst>
+        <pc:picChg chg="del">
+          <ac:chgData name="Ihor Aleksandrov" userId="c3051032-6b87-4db2-b257-777a0106fbd9" providerId="ADAL" clId="{DF783FCC-C35F-4D2C-B134-D1A27E72D448}" dt="2024-01-26T13:07:52.593" v="435" actId="478"/>
+          <ac:picMkLst>
+            <pc:docMk/>
+            <pc:sldMk cId="362375175" sldId="323"/>
+            <ac:picMk id="5" creationId="{9C4BF8C2-EC18-9A18-0A44-8EB1C9CE1208}"/>
+          </ac:picMkLst>
+        </pc:picChg>
+        <pc:picChg chg="add mod">
+          <ac:chgData name="Ihor Aleksandrov" userId="c3051032-6b87-4db2-b257-777a0106fbd9" providerId="ADAL" clId="{DF783FCC-C35F-4D2C-B134-D1A27E72D448}" dt="2024-01-26T13:08:01.330" v="440" actId="1076"/>
+          <ac:picMkLst>
+            <pc:docMk/>
+            <pc:sldMk cId="362375175" sldId="323"/>
+            <ac:picMk id="6" creationId="{BB101808-A913-0FD5-1B8C-DA75C36C2155}"/>
+          </ac:picMkLst>
+        </pc:picChg>
+        <pc:picChg chg="del">
+          <ac:chgData name="Ihor Aleksandrov" userId="c3051032-6b87-4db2-b257-777a0106fbd9" providerId="ADAL" clId="{DF783FCC-C35F-4D2C-B134-D1A27E72D448}" dt="2024-01-26T13:07:49.273" v="434" actId="478"/>
+          <ac:picMkLst>
+            <pc:docMk/>
+            <pc:sldMk cId="362375175" sldId="323"/>
+            <ac:picMk id="8" creationId="{70532B56-37B8-7540-3150-B8251ACB964C}"/>
+          </ac:picMkLst>
+        </pc:picChg>
+      </pc:sldChg>
+      <pc:sldMasterChg chg="add del addSldLayout delSldLayout">
+        <pc:chgData name="Ihor Aleksandrov" userId="c3051032-6b87-4db2-b257-777a0106fbd9" providerId="ADAL" clId="{DF783FCC-C35F-4D2C-B134-D1A27E72D448}" dt="2024-01-26T09:36:25.550" v="6" actId="2696"/>
+        <pc:sldMasterMkLst>
+          <pc:docMk/>
+          <pc:sldMasterMk cId="1579723609" sldId="2147483660"/>
+        </pc:sldMasterMkLst>
+        <pc:sldLayoutChg chg="add del">
+          <pc:chgData name="Ihor Aleksandrov" userId="c3051032-6b87-4db2-b257-777a0106fbd9" providerId="ADAL" clId="{DF783FCC-C35F-4D2C-B134-D1A27E72D448}" dt="2024-01-26T09:36:25.550" v="6" actId="2696"/>
+          <pc:sldLayoutMkLst>
+            <pc:docMk/>
+            <pc:sldMasterMk cId="1579723609" sldId="2147483660"/>
+            <pc:sldLayoutMk cId="3357226012" sldId="2147483651"/>
+          </pc:sldLayoutMkLst>
+        </pc:sldLayoutChg>
+        <pc:sldLayoutChg chg="add del">
+          <pc:chgData name="Ihor Aleksandrov" userId="c3051032-6b87-4db2-b257-777a0106fbd9" providerId="ADAL" clId="{DF783FCC-C35F-4D2C-B134-D1A27E72D448}" dt="2024-01-26T09:36:25.550" v="6" actId="2696"/>
+          <pc:sldLayoutMkLst>
+            <pc:docMk/>
+            <pc:sldMasterMk cId="1579723609" sldId="2147483660"/>
+            <pc:sldLayoutMk cId="2416164443" sldId="2147483652"/>
+          </pc:sldLayoutMkLst>
+        </pc:sldLayoutChg>
+        <pc:sldLayoutChg chg="add del">
+          <pc:chgData name="Ihor Aleksandrov" userId="c3051032-6b87-4db2-b257-777a0106fbd9" providerId="ADAL" clId="{DF783FCC-C35F-4D2C-B134-D1A27E72D448}" dt="2024-01-26T09:36:25.550" v="6" actId="2696"/>
+          <pc:sldLayoutMkLst>
+            <pc:docMk/>
+            <pc:sldMasterMk cId="1579723609" sldId="2147483660"/>
+            <pc:sldLayoutMk cId="1566824437" sldId="2147483653"/>
+          </pc:sldLayoutMkLst>
+        </pc:sldLayoutChg>
+        <pc:sldLayoutChg chg="add del">
+          <pc:chgData name="Ihor Aleksandrov" userId="c3051032-6b87-4db2-b257-777a0106fbd9" providerId="ADAL" clId="{DF783FCC-C35F-4D2C-B134-D1A27E72D448}" dt="2024-01-26T09:36:25.550" v="6" actId="2696"/>
+          <pc:sldLayoutMkLst>
+            <pc:docMk/>
+            <pc:sldMasterMk cId="1579723609" sldId="2147483660"/>
+            <pc:sldLayoutMk cId="2529685914" sldId="2147483654"/>
+          </pc:sldLayoutMkLst>
+        </pc:sldLayoutChg>
+        <pc:sldLayoutChg chg="add del">
+          <pc:chgData name="Ihor Aleksandrov" userId="c3051032-6b87-4db2-b257-777a0106fbd9" providerId="ADAL" clId="{DF783FCC-C35F-4D2C-B134-D1A27E72D448}" dt="2024-01-26T09:36:25.550" v="6" actId="2696"/>
+          <pc:sldLayoutMkLst>
+            <pc:docMk/>
+            <pc:sldMasterMk cId="1579723609" sldId="2147483660"/>
+            <pc:sldLayoutMk cId="1471059010" sldId="2147483655"/>
+          </pc:sldLayoutMkLst>
+        </pc:sldLayoutChg>
+        <pc:sldLayoutChg chg="add del">
+          <pc:chgData name="Ihor Aleksandrov" userId="c3051032-6b87-4db2-b257-777a0106fbd9" providerId="ADAL" clId="{DF783FCC-C35F-4D2C-B134-D1A27E72D448}" dt="2024-01-26T09:36:25.550" v="6" actId="2696"/>
+          <pc:sldLayoutMkLst>
+            <pc:docMk/>
+            <pc:sldMasterMk cId="1579723609" sldId="2147483660"/>
+            <pc:sldLayoutMk cId="583042130" sldId="2147483656"/>
+          </pc:sldLayoutMkLst>
+        </pc:sldLayoutChg>
+        <pc:sldLayoutChg chg="add del">
+          <pc:chgData name="Ihor Aleksandrov" userId="c3051032-6b87-4db2-b257-777a0106fbd9" providerId="ADAL" clId="{DF783FCC-C35F-4D2C-B134-D1A27E72D448}" dt="2024-01-26T09:36:25.550" v="6" actId="2696"/>
+          <pc:sldLayoutMkLst>
+            <pc:docMk/>
+            <pc:sldMasterMk cId="1579723609" sldId="2147483660"/>
+            <pc:sldLayoutMk cId="141902003" sldId="2147483657"/>
+          </pc:sldLayoutMkLst>
+        </pc:sldLayoutChg>
+        <pc:sldLayoutChg chg="add del">
+          <pc:chgData name="Ihor Aleksandrov" userId="c3051032-6b87-4db2-b257-777a0106fbd9" providerId="ADAL" clId="{DF783FCC-C35F-4D2C-B134-D1A27E72D448}" dt="2024-01-26T09:36:25.550" v="6" actId="2696"/>
+          <pc:sldLayoutMkLst>
+            <pc:docMk/>
+            <pc:sldMasterMk cId="1579723609" sldId="2147483660"/>
+            <pc:sldLayoutMk cId="454445818" sldId="2147483658"/>
+          </pc:sldLayoutMkLst>
+        </pc:sldLayoutChg>
+        <pc:sldLayoutChg chg="add del">
+          <pc:chgData name="Ihor Aleksandrov" userId="c3051032-6b87-4db2-b257-777a0106fbd9" providerId="ADAL" clId="{DF783FCC-C35F-4D2C-B134-D1A27E72D448}" dt="2024-01-26T09:36:25.550" v="6" actId="2696"/>
+          <pc:sldLayoutMkLst>
+            <pc:docMk/>
+            <pc:sldMasterMk cId="1579723609" sldId="2147483660"/>
+            <pc:sldLayoutMk cId="3042422475" sldId="2147483659"/>
+          </pc:sldLayoutMkLst>
+        </pc:sldLayoutChg>
+        <pc:sldLayoutChg chg="add del">
+          <pc:chgData name="Ihor Aleksandrov" userId="c3051032-6b87-4db2-b257-777a0106fbd9" providerId="ADAL" clId="{DF783FCC-C35F-4D2C-B134-D1A27E72D448}" dt="2024-01-26T09:36:25.550" v="6" actId="2696"/>
+          <pc:sldLayoutMkLst>
+            <pc:docMk/>
+            <pc:sldMasterMk cId="1579723609" sldId="2147483660"/>
+            <pc:sldLayoutMk cId="639927661" sldId="2147483661"/>
+          </pc:sldLayoutMkLst>
+        </pc:sldLayoutChg>
+        <pc:sldLayoutChg chg="add del">
+          <pc:chgData name="Ihor Aleksandrov" userId="c3051032-6b87-4db2-b257-777a0106fbd9" providerId="ADAL" clId="{DF783FCC-C35F-4D2C-B134-D1A27E72D448}" dt="2024-01-26T09:36:25.550" v="6" actId="2696"/>
+          <pc:sldLayoutMkLst>
+            <pc:docMk/>
+            <pc:sldMasterMk cId="1579723609" sldId="2147483660"/>
+            <pc:sldLayoutMk cId="1498987355" sldId="2147483662"/>
+          </pc:sldLayoutMkLst>
+        </pc:sldLayoutChg>
+      </pc:sldMasterChg>
+    </pc:docChg>
+  </pc:docChgLst>
+  <pc:docChgLst>
     <pc:chgData name="Ihor Aleksandrov" userId="c3051032-6b87-4db2-b257-777a0106fbd9" providerId="ADAL" clId="{8C05140D-7668-4267-B009-985EF5C6B6AF}"/>
     <pc:docChg chg="undo redo custSel addSld delSld modSld addMainMaster delMainMaster modMainMaster">
       <pc:chgData name="Ihor Aleksandrov" userId="c3051032-6b87-4db2-b257-777a0106fbd9" providerId="ADAL" clId="{8C05140D-7668-4267-B009-985EF5C6B6AF}" dt="2024-01-24T16:32:41.148" v="122"/>
@@ -486,927 +1449,6 @@
             <pc:docMk/>
             <pc:sldMasterMk cId="1579723609" sldId="2147483660"/>
             <pc:sldLayoutMk cId="1498987355" sldId="2147483662"/>
-          </pc:sldLayoutMkLst>
-        </pc:sldLayoutChg>
-      </pc:sldMasterChg>
-    </pc:docChg>
-  </pc:docChgLst>
-  <pc:docChgLst>
-    <pc:chgData name="Ihor Aleksandrov" userId="c3051032-6b87-4db2-b257-777a0106fbd9" providerId="ADAL" clId="{D05EAF56-C8F0-4612-806C-93E1C27F1929}"/>
-    <pc:docChg chg="undo redo custSel addSld delSld modSld sldOrd addMainMaster addSection modSection">
-      <pc:chgData name="Ihor Aleksandrov" userId="c3051032-6b87-4db2-b257-777a0106fbd9" providerId="ADAL" clId="{D05EAF56-C8F0-4612-806C-93E1C27F1929}" dt="2024-01-25T12:18:42.706" v="325"/>
-      <pc:docMkLst>
-        <pc:docMk/>
-      </pc:docMkLst>
-      <pc:sldChg chg="addSp modSp mod setBg">
-        <pc:chgData name="Ihor Aleksandrov" userId="c3051032-6b87-4db2-b257-777a0106fbd9" providerId="ADAL" clId="{D05EAF56-C8F0-4612-806C-93E1C27F1929}" dt="2024-01-25T09:34:46.181" v="0" actId="26606"/>
-        <pc:sldMkLst>
-          <pc:docMk/>
-          <pc:sldMk cId="552267186" sldId="256"/>
-        </pc:sldMkLst>
-        <pc:spChg chg="mod">
-          <ac:chgData name="Ihor Aleksandrov" userId="c3051032-6b87-4db2-b257-777a0106fbd9" providerId="ADAL" clId="{D05EAF56-C8F0-4612-806C-93E1C27F1929}" dt="2024-01-25T09:34:46.181" v="0" actId="26606"/>
-          <ac:spMkLst>
-            <pc:docMk/>
-            <pc:sldMk cId="552267186" sldId="256"/>
-            <ac:spMk id="2" creationId="{18C18207-A109-5552-1541-0ABBAA316282}"/>
-          </ac:spMkLst>
-        </pc:spChg>
-        <pc:spChg chg="mod">
-          <ac:chgData name="Ihor Aleksandrov" userId="c3051032-6b87-4db2-b257-777a0106fbd9" providerId="ADAL" clId="{D05EAF56-C8F0-4612-806C-93E1C27F1929}" dt="2024-01-25T09:34:46.181" v="0" actId="26606"/>
-          <ac:spMkLst>
-            <pc:docMk/>
-            <pc:sldMk cId="552267186" sldId="256"/>
-            <ac:spMk id="3" creationId="{3473E1D3-7401-AD94-5C7A-49912FA8005A}"/>
-          </ac:spMkLst>
-        </pc:spChg>
-        <pc:spChg chg="mod">
-          <ac:chgData name="Ihor Aleksandrov" userId="c3051032-6b87-4db2-b257-777a0106fbd9" providerId="ADAL" clId="{D05EAF56-C8F0-4612-806C-93E1C27F1929}" dt="2024-01-25T09:34:46.181" v="0" actId="26606"/>
-          <ac:spMkLst>
-            <pc:docMk/>
-            <pc:sldMk cId="552267186" sldId="256"/>
-            <ac:spMk id="4" creationId="{C99D0D71-05C2-1881-DCFB-D99C1C10CBB8}"/>
-          </ac:spMkLst>
-        </pc:spChg>
-        <pc:spChg chg="add">
-          <ac:chgData name="Ihor Aleksandrov" userId="c3051032-6b87-4db2-b257-777a0106fbd9" providerId="ADAL" clId="{D05EAF56-C8F0-4612-806C-93E1C27F1929}" dt="2024-01-25T09:34:46.181" v="0" actId="26606"/>
-          <ac:spMkLst>
-            <pc:docMk/>
-            <pc:sldMk cId="552267186" sldId="256"/>
-            <ac:spMk id="9" creationId="{C3896A03-3945-419A-B66B-4EE266EDD152}"/>
-          </ac:spMkLst>
-        </pc:spChg>
-        <pc:spChg chg="add">
-          <ac:chgData name="Ihor Aleksandrov" userId="c3051032-6b87-4db2-b257-777a0106fbd9" providerId="ADAL" clId="{D05EAF56-C8F0-4612-806C-93E1C27F1929}" dt="2024-01-25T09:34:46.181" v="0" actId="26606"/>
-          <ac:spMkLst>
-            <pc:docMk/>
-            <pc:sldMk cId="552267186" sldId="256"/>
-            <ac:spMk id="11" creationId="{B34F5AD2-EDBD-4BBD-A55C-EAFFD0C7097A}"/>
-          </ac:spMkLst>
-        </pc:spChg>
-      </pc:sldChg>
-      <pc:sldChg chg="modSp mod">
-        <pc:chgData name="Ihor Aleksandrov" userId="c3051032-6b87-4db2-b257-777a0106fbd9" providerId="ADAL" clId="{D05EAF56-C8F0-4612-806C-93E1C27F1929}" dt="2024-01-25T11:00:29.329" v="160"/>
-        <pc:sldMkLst>
-          <pc:docMk/>
-          <pc:sldMk cId="3569579791" sldId="265"/>
-        </pc:sldMkLst>
-        <pc:spChg chg="mod">
-          <ac:chgData name="Ihor Aleksandrov" userId="c3051032-6b87-4db2-b257-777a0106fbd9" providerId="ADAL" clId="{D05EAF56-C8F0-4612-806C-93E1C27F1929}" dt="2024-01-25T11:00:29.329" v="160"/>
-          <ac:spMkLst>
-            <pc:docMk/>
-            <pc:sldMk cId="3569579791" sldId="265"/>
-            <ac:spMk id="2" creationId="{53C5D828-9666-E312-B574-9FE965A7D6BE}"/>
-          </ac:spMkLst>
-        </pc:spChg>
-      </pc:sldChg>
-      <pc:sldChg chg="addSp delSp modSp add mod">
-        <pc:chgData name="Ihor Aleksandrov" userId="c3051032-6b87-4db2-b257-777a0106fbd9" providerId="ADAL" clId="{D05EAF56-C8F0-4612-806C-93E1C27F1929}" dt="2024-01-25T10:19:44.220" v="11" actId="1076"/>
-        <pc:sldMkLst>
-          <pc:docMk/>
-          <pc:sldMk cId="3985704815" sldId="270"/>
-        </pc:sldMkLst>
-        <pc:spChg chg="mod">
-          <ac:chgData name="Ihor Aleksandrov" userId="c3051032-6b87-4db2-b257-777a0106fbd9" providerId="ADAL" clId="{D05EAF56-C8F0-4612-806C-93E1C27F1929}" dt="2024-01-25T10:19:15.861" v="6"/>
-          <ac:spMkLst>
-            <pc:docMk/>
-            <pc:sldMk cId="3985704815" sldId="270"/>
-            <ac:spMk id="2" creationId="{53C5D828-9666-E312-B574-9FE965A7D6BE}"/>
-          </ac:spMkLst>
-        </pc:spChg>
-        <pc:picChg chg="add mod">
-          <ac:chgData name="Ihor Aleksandrov" userId="c3051032-6b87-4db2-b257-777a0106fbd9" providerId="ADAL" clId="{D05EAF56-C8F0-4612-806C-93E1C27F1929}" dt="2024-01-25T10:19:44.220" v="11" actId="1076"/>
-          <ac:picMkLst>
-            <pc:docMk/>
-            <pc:sldMk cId="3985704815" sldId="270"/>
-            <ac:picMk id="5" creationId="{329D80B6-A19C-F87F-FE85-78E58BE79DFC}"/>
-          </ac:picMkLst>
-        </pc:picChg>
-        <pc:picChg chg="del">
-          <ac:chgData name="Ihor Aleksandrov" userId="c3051032-6b87-4db2-b257-777a0106fbd9" providerId="ADAL" clId="{D05EAF56-C8F0-4612-806C-93E1C27F1929}" dt="2024-01-25T10:19:18.657" v="7" actId="478"/>
-          <ac:picMkLst>
-            <pc:docMk/>
-            <pc:sldMk cId="3985704815" sldId="270"/>
-            <ac:picMk id="6" creationId="{BDB4DD57-1DD7-48B1-ABFB-EE3016703034}"/>
-          </ac:picMkLst>
-        </pc:picChg>
-      </pc:sldChg>
-      <pc:sldChg chg="addSp delSp modSp add mod">
-        <pc:chgData name="Ihor Aleksandrov" userId="c3051032-6b87-4db2-b257-777a0106fbd9" providerId="ADAL" clId="{D05EAF56-C8F0-4612-806C-93E1C27F1929}" dt="2024-01-25T10:21:34.770" v="23" actId="1076"/>
-        <pc:sldMkLst>
-          <pc:docMk/>
-          <pc:sldMk cId="2117969225" sldId="271"/>
-        </pc:sldMkLst>
-        <pc:spChg chg="mod">
-          <ac:chgData name="Ihor Aleksandrov" userId="c3051032-6b87-4db2-b257-777a0106fbd9" providerId="ADAL" clId="{D05EAF56-C8F0-4612-806C-93E1C27F1929}" dt="2024-01-25T10:20:53.128" v="15"/>
-          <ac:spMkLst>
-            <pc:docMk/>
-            <pc:sldMk cId="2117969225" sldId="271"/>
-            <ac:spMk id="2" creationId="{53C5D828-9666-E312-B574-9FE965A7D6BE}"/>
-          </ac:spMkLst>
-        </pc:spChg>
-        <pc:picChg chg="del">
-          <ac:chgData name="Ihor Aleksandrov" userId="c3051032-6b87-4db2-b257-777a0106fbd9" providerId="ADAL" clId="{D05EAF56-C8F0-4612-806C-93E1C27F1929}" dt="2024-01-25T10:21:32.921" v="22" actId="478"/>
-          <ac:picMkLst>
-            <pc:docMk/>
-            <pc:sldMk cId="2117969225" sldId="271"/>
-            <ac:picMk id="5" creationId="{329D80B6-A19C-F87F-FE85-78E58BE79DFC}"/>
-          </ac:picMkLst>
-        </pc:picChg>
-        <pc:picChg chg="add mod">
-          <ac:chgData name="Ihor Aleksandrov" userId="c3051032-6b87-4db2-b257-777a0106fbd9" providerId="ADAL" clId="{D05EAF56-C8F0-4612-806C-93E1C27F1929}" dt="2024-01-25T10:21:34.770" v="23" actId="1076"/>
-          <ac:picMkLst>
-            <pc:docMk/>
-            <pc:sldMk cId="2117969225" sldId="271"/>
-            <ac:picMk id="6" creationId="{4FAB23B6-5773-62B9-EF9A-E1E0562BE8E1}"/>
-          </ac:picMkLst>
-        </pc:picChg>
-      </pc:sldChg>
-      <pc:sldChg chg="addSp delSp modSp add mod">
-        <pc:chgData name="Ihor Aleksandrov" userId="c3051032-6b87-4db2-b257-777a0106fbd9" providerId="ADAL" clId="{D05EAF56-C8F0-4612-806C-93E1C27F1929}" dt="2024-01-25T10:22:58.698" v="32" actId="1076"/>
-        <pc:sldMkLst>
-          <pc:docMk/>
-          <pc:sldMk cId="1169417950" sldId="272"/>
-        </pc:sldMkLst>
-        <pc:spChg chg="mod">
-          <ac:chgData name="Ihor Aleksandrov" userId="c3051032-6b87-4db2-b257-777a0106fbd9" providerId="ADAL" clId="{D05EAF56-C8F0-4612-806C-93E1C27F1929}" dt="2024-01-25T10:22:37.334" v="27"/>
-          <ac:spMkLst>
-            <pc:docMk/>
-            <pc:sldMk cId="1169417950" sldId="272"/>
-            <ac:spMk id="2" creationId="{53C5D828-9666-E312-B574-9FE965A7D6BE}"/>
-          </ac:spMkLst>
-        </pc:spChg>
-        <pc:picChg chg="add mod">
-          <ac:chgData name="Ihor Aleksandrov" userId="c3051032-6b87-4db2-b257-777a0106fbd9" providerId="ADAL" clId="{D05EAF56-C8F0-4612-806C-93E1C27F1929}" dt="2024-01-25T10:22:58.698" v="32" actId="1076"/>
-          <ac:picMkLst>
-            <pc:docMk/>
-            <pc:sldMk cId="1169417950" sldId="272"/>
-            <ac:picMk id="5" creationId="{2673936C-DF0C-E6AF-ABCB-83A1EB8FE594}"/>
-          </ac:picMkLst>
-        </pc:picChg>
-        <pc:picChg chg="del">
-          <ac:chgData name="Ihor Aleksandrov" userId="c3051032-6b87-4db2-b257-777a0106fbd9" providerId="ADAL" clId="{D05EAF56-C8F0-4612-806C-93E1C27F1929}" dt="2024-01-25T10:22:48.916" v="28" actId="478"/>
-          <ac:picMkLst>
-            <pc:docMk/>
-            <pc:sldMk cId="1169417950" sldId="272"/>
-            <ac:picMk id="6" creationId="{4FAB23B6-5773-62B9-EF9A-E1E0562BE8E1}"/>
-          </ac:picMkLst>
-        </pc:picChg>
-      </pc:sldChg>
-      <pc:sldChg chg="addSp delSp modSp add mod">
-        <pc:chgData name="Ihor Aleksandrov" userId="c3051032-6b87-4db2-b257-777a0106fbd9" providerId="ADAL" clId="{D05EAF56-C8F0-4612-806C-93E1C27F1929}" dt="2024-01-25T10:24:25.717" v="41" actId="1076"/>
-        <pc:sldMkLst>
-          <pc:docMk/>
-          <pc:sldMk cId="22639359" sldId="273"/>
-        </pc:sldMkLst>
-        <pc:spChg chg="mod">
-          <ac:chgData name="Ihor Aleksandrov" userId="c3051032-6b87-4db2-b257-777a0106fbd9" providerId="ADAL" clId="{D05EAF56-C8F0-4612-806C-93E1C27F1929}" dt="2024-01-25T10:24:04.948" v="36"/>
-          <ac:spMkLst>
-            <pc:docMk/>
-            <pc:sldMk cId="22639359" sldId="273"/>
-            <ac:spMk id="2" creationId="{53C5D828-9666-E312-B574-9FE965A7D6BE}"/>
-          </ac:spMkLst>
-        </pc:spChg>
-        <pc:picChg chg="del">
-          <ac:chgData name="Ihor Aleksandrov" userId="c3051032-6b87-4db2-b257-777a0106fbd9" providerId="ADAL" clId="{D05EAF56-C8F0-4612-806C-93E1C27F1929}" dt="2024-01-25T10:24:16.672" v="37" actId="478"/>
-          <ac:picMkLst>
-            <pc:docMk/>
-            <pc:sldMk cId="22639359" sldId="273"/>
-            <ac:picMk id="5" creationId="{2673936C-DF0C-E6AF-ABCB-83A1EB8FE594}"/>
-          </ac:picMkLst>
-        </pc:picChg>
-        <pc:picChg chg="add mod">
-          <ac:chgData name="Ihor Aleksandrov" userId="c3051032-6b87-4db2-b257-777a0106fbd9" providerId="ADAL" clId="{D05EAF56-C8F0-4612-806C-93E1C27F1929}" dt="2024-01-25T10:24:25.717" v="41" actId="1076"/>
-          <ac:picMkLst>
-            <pc:docMk/>
-            <pc:sldMk cId="22639359" sldId="273"/>
-            <ac:picMk id="6" creationId="{F57DB18D-BCA3-CA46-401F-99D6D9BB7754}"/>
-          </ac:picMkLst>
-        </pc:picChg>
-      </pc:sldChg>
-      <pc:sldChg chg="addSp delSp modSp add mod">
-        <pc:chgData name="Ihor Aleksandrov" userId="c3051032-6b87-4db2-b257-777a0106fbd9" providerId="ADAL" clId="{D05EAF56-C8F0-4612-806C-93E1C27F1929}" dt="2024-01-25T10:26:48.038" v="50" actId="1076"/>
-        <pc:sldMkLst>
-          <pc:docMk/>
-          <pc:sldMk cId="2169937468" sldId="274"/>
-        </pc:sldMkLst>
-        <pc:spChg chg="mod">
-          <ac:chgData name="Ihor Aleksandrov" userId="c3051032-6b87-4db2-b257-777a0106fbd9" providerId="ADAL" clId="{D05EAF56-C8F0-4612-806C-93E1C27F1929}" dt="2024-01-25T10:26:26.621" v="45"/>
-          <ac:spMkLst>
-            <pc:docMk/>
-            <pc:sldMk cId="2169937468" sldId="274"/>
-            <ac:spMk id="2" creationId="{53C5D828-9666-E312-B574-9FE965A7D6BE}"/>
-          </ac:spMkLst>
-        </pc:spChg>
-        <pc:picChg chg="add mod">
-          <ac:chgData name="Ihor Aleksandrov" userId="c3051032-6b87-4db2-b257-777a0106fbd9" providerId="ADAL" clId="{D05EAF56-C8F0-4612-806C-93E1C27F1929}" dt="2024-01-25T10:26:48.038" v="50" actId="1076"/>
-          <ac:picMkLst>
-            <pc:docMk/>
-            <pc:sldMk cId="2169937468" sldId="274"/>
-            <ac:picMk id="5" creationId="{9A572A88-7842-99D5-9802-EEA8606516CC}"/>
-          </ac:picMkLst>
-        </pc:picChg>
-        <pc:picChg chg="del">
-          <ac:chgData name="Ihor Aleksandrov" userId="c3051032-6b87-4db2-b257-777a0106fbd9" providerId="ADAL" clId="{D05EAF56-C8F0-4612-806C-93E1C27F1929}" dt="2024-01-25T10:26:41.517" v="48" actId="478"/>
-          <ac:picMkLst>
-            <pc:docMk/>
-            <pc:sldMk cId="2169937468" sldId="274"/>
-            <ac:picMk id="6" creationId="{F57DB18D-BCA3-CA46-401F-99D6D9BB7754}"/>
-          </ac:picMkLst>
-        </pc:picChg>
-      </pc:sldChg>
-      <pc:sldChg chg="addSp delSp modSp add mod">
-        <pc:chgData name="Ihor Aleksandrov" userId="c3051032-6b87-4db2-b257-777a0106fbd9" providerId="ADAL" clId="{D05EAF56-C8F0-4612-806C-93E1C27F1929}" dt="2024-01-25T10:28:26.836" v="62" actId="1076"/>
-        <pc:sldMkLst>
-          <pc:docMk/>
-          <pc:sldMk cId="3976992233" sldId="275"/>
-        </pc:sldMkLst>
-        <pc:spChg chg="mod">
-          <ac:chgData name="Ihor Aleksandrov" userId="c3051032-6b87-4db2-b257-777a0106fbd9" providerId="ADAL" clId="{D05EAF56-C8F0-4612-806C-93E1C27F1929}" dt="2024-01-25T10:28:02.805" v="55" actId="27636"/>
-          <ac:spMkLst>
-            <pc:docMk/>
-            <pc:sldMk cId="3976992233" sldId="275"/>
-            <ac:spMk id="2" creationId="{53C5D828-9666-E312-B574-9FE965A7D6BE}"/>
-          </ac:spMkLst>
-        </pc:spChg>
-        <pc:picChg chg="del">
-          <ac:chgData name="Ihor Aleksandrov" userId="c3051032-6b87-4db2-b257-777a0106fbd9" providerId="ADAL" clId="{D05EAF56-C8F0-4612-806C-93E1C27F1929}" dt="2024-01-25T10:28:04.538" v="56" actId="478"/>
-          <ac:picMkLst>
-            <pc:docMk/>
-            <pc:sldMk cId="3976992233" sldId="275"/>
-            <ac:picMk id="5" creationId="{9A572A88-7842-99D5-9802-EEA8606516CC}"/>
-          </ac:picMkLst>
-        </pc:picChg>
-        <pc:picChg chg="add mod">
-          <ac:chgData name="Ihor Aleksandrov" userId="c3051032-6b87-4db2-b257-777a0106fbd9" providerId="ADAL" clId="{D05EAF56-C8F0-4612-806C-93E1C27F1929}" dt="2024-01-25T10:28:26.836" v="62" actId="1076"/>
-          <ac:picMkLst>
-            <pc:docMk/>
-            <pc:sldMk cId="3976992233" sldId="275"/>
-            <ac:picMk id="6" creationId="{76FE2D85-671A-24B1-C1D7-52F796E16C69}"/>
-          </ac:picMkLst>
-        </pc:picChg>
-      </pc:sldChg>
-      <pc:sldChg chg="addSp delSp modSp add mod ord">
-        <pc:chgData name="Ihor Aleksandrov" userId="c3051032-6b87-4db2-b257-777a0106fbd9" providerId="ADAL" clId="{D05EAF56-C8F0-4612-806C-93E1C27F1929}" dt="2024-01-25T10:48:12.411" v="112"/>
-        <pc:sldMkLst>
-          <pc:docMk/>
-          <pc:sldMk cId="2135561016" sldId="276"/>
-        </pc:sldMkLst>
-        <pc:spChg chg="mod">
-          <ac:chgData name="Ihor Aleksandrov" userId="c3051032-6b87-4db2-b257-777a0106fbd9" providerId="ADAL" clId="{D05EAF56-C8F0-4612-806C-93E1C27F1929}" dt="2024-01-25T10:32:37.109" v="72"/>
-          <ac:spMkLst>
-            <pc:docMk/>
-            <pc:sldMk cId="2135561016" sldId="276"/>
-            <ac:spMk id="2" creationId="{18C18207-A109-5552-1541-0ABBAA316282}"/>
-          </ac:spMkLst>
-        </pc:spChg>
-        <pc:spChg chg="del">
-          <ac:chgData name="Ihor Aleksandrov" userId="c3051032-6b87-4db2-b257-777a0106fbd9" providerId="ADAL" clId="{D05EAF56-C8F0-4612-806C-93E1C27F1929}" dt="2024-01-25T10:46:20.989" v="100" actId="478"/>
-          <ac:spMkLst>
-            <pc:docMk/>
-            <pc:sldMk cId="2135561016" sldId="276"/>
-            <ac:spMk id="3" creationId="{3473E1D3-7401-AD94-5C7A-49912FA8005A}"/>
-          </ac:spMkLst>
-        </pc:spChg>
-        <pc:picChg chg="add mod">
-          <ac:chgData name="Ihor Aleksandrov" userId="c3051032-6b87-4db2-b257-777a0106fbd9" providerId="ADAL" clId="{D05EAF56-C8F0-4612-806C-93E1C27F1929}" dt="2024-01-25T10:48:12.411" v="112"/>
-          <ac:picMkLst>
-            <pc:docMk/>
-            <pc:sldMk cId="2135561016" sldId="276"/>
-            <ac:picMk id="6" creationId="{BA86DDBB-D80D-1005-2EB0-33056830C288}"/>
-          </ac:picMkLst>
-        </pc:picChg>
-      </pc:sldChg>
-      <pc:sldChg chg="addSp delSp modSp add mod ord">
-        <pc:chgData name="Ihor Aleksandrov" userId="c3051032-6b87-4db2-b257-777a0106fbd9" providerId="ADAL" clId="{D05EAF56-C8F0-4612-806C-93E1C27F1929}" dt="2024-01-25T10:35:32.671" v="88" actId="1076"/>
-        <pc:sldMkLst>
-          <pc:docMk/>
-          <pc:sldMk cId="3216895555" sldId="277"/>
-        </pc:sldMkLst>
-        <pc:spChg chg="mod">
-          <ac:chgData name="Ihor Aleksandrov" userId="c3051032-6b87-4db2-b257-777a0106fbd9" providerId="ADAL" clId="{D05EAF56-C8F0-4612-806C-93E1C27F1929}" dt="2024-01-25T10:34:55.016" v="80" actId="27636"/>
-          <ac:spMkLst>
-            <pc:docMk/>
-            <pc:sldMk cId="3216895555" sldId="277"/>
-            <ac:spMk id="2" creationId="{53C5D828-9666-E312-B574-9FE965A7D6BE}"/>
-          </ac:spMkLst>
-        </pc:spChg>
-        <pc:picChg chg="add mod">
-          <ac:chgData name="Ihor Aleksandrov" userId="c3051032-6b87-4db2-b257-777a0106fbd9" providerId="ADAL" clId="{D05EAF56-C8F0-4612-806C-93E1C27F1929}" dt="2024-01-25T10:35:32.671" v="88" actId="1076"/>
-          <ac:picMkLst>
-            <pc:docMk/>
-            <pc:sldMk cId="3216895555" sldId="277"/>
-            <ac:picMk id="5" creationId="{523B5826-3FED-E033-7A50-454B720EF960}"/>
-          </ac:picMkLst>
-        </pc:picChg>
-        <pc:picChg chg="del">
-          <ac:chgData name="Ihor Aleksandrov" userId="c3051032-6b87-4db2-b257-777a0106fbd9" providerId="ADAL" clId="{D05EAF56-C8F0-4612-806C-93E1C27F1929}" dt="2024-01-25T10:35:17.826" v="82" actId="478"/>
-          <ac:picMkLst>
-            <pc:docMk/>
-            <pc:sldMk cId="3216895555" sldId="277"/>
-            <ac:picMk id="6" creationId="{76FE2D85-671A-24B1-C1D7-52F796E16C69}"/>
-          </ac:picMkLst>
-        </pc:picChg>
-      </pc:sldChg>
-      <pc:sldChg chg="addSp delSp modSp add mod">
-        <pc:chgData name="Ihor Aleksandrov" userId="c3051032-6b87-4db2-b257-777a0106fbd9" providerId="ADAL" clId="{D05EAF56-C8F0-4612-806C-93E1C27F1929}" dt="2024-01-25T10:43:44.832" v="99" actId="1076"/>
-        <pc:sldMkLst>
-          <pc:docMk/>
-          <pc:sldMk cId="1506611494" sldId="278"/>
-        </pc:sldMkLst>
-        <pc:spChg chg="mod">
-          <ac:chgData name="Ihor Aleksandrov" userId="c3051032-6b87-4db2-b257-777a0106fbd9" providerId="ADAL" clId="{D05EAF56-C8F0-4612-806C-93E1C27F1929}" dt="2024-01-25T10:40:14.102" v="94"/>
-          <ac:spMkLst>
-            <pc:docMk/>
-            <pc:sldMk cId="1506611494" sldId="278"/>
-            <ac:spMk id="2" creationId="{53C5D828-9666-E312-B574-9FE965A7D6BE}"/>
-          </ac:spMkLst>
-        </pc:spChg>
-        <pc:picChg chg="del">
-          <ac:chgData name="Ihor Aleksandrov" userId="c3051032-6b87-4db2-b257-777a0106fbd9" providerId="ADAL" clId="{D05EAF56-C8F0-4612-806C-93E1C27F1929}" dt="2024-01-25T10:43:36.501" v="95" actId="478"/>
-          <ac:picMkLst>
-            <pc:docMk/>
-            <pc:sldMk cId="1506611494" sldId="278"/>
-            <ac:picMk id="5" creationId="{523B5826-3FED-E033-7A50-454B720EF960}"/>
-          </ac:picMkLst>
-        </pc:picChg>
-        <pc:picChg chg="add mod">
-          <ac:chgData name="Ihor Aleksandrov" userId="c3051032-6b87-4db2-b257-777a0106fbd9" providerId="ADAL" clId="{D05EAF56-C8F0-4612-806C-93E1C27F1929}" dt="2024-01-25T10:43:44.832" v="99" actId="1076"/>
-          <ac:picMkLst>
-            <pc:docMk/>
-            <pc:sldMk cId="1506611494" sldId="278"/>
-            <ac:picMk id="6" creationId="{F7B4799B-BEB4-BC82-1CD6-CE4E3725E9A6}"/>
-          </ac:picMkLst>
-        </pc:picChg>
-      </pc:sldChg>
-      <pc:sldChg chg="addSp delSp modSp add mod">
-        <pc:chgData name="Ihor Aleksandrov" userId="c3051032-6b87-4db2-b257-777a0106fbd9" providerId="ADAL" clId="{D05EAF56-C8F0-4612-806C-93E1C27F1929}" dt="2024-01-25T10:49:48.310" v="120"/>
-        <pc:sldMkLst>
-          <pc:docMk/>
-          <pc:sldMk cId="3864832451" sldId="279"/>
-        </pc:sldMkLst>
-        <pc:spChg chg="mod">
-          <ac:chgData name="Ihor Aleksandrov" userId="c3051032-6b87-4db2-b257-777a0106fbd9" providerId="ADAL" clId="{D05EAF56-C8F0-4612-806C-93E1C27F1929}" dt="2024-01-25T10:49:48.310" v="120"/>
-          <ac:spMkLst>
-            <pc:docMk/>
-            <pc:sldMk cId="3864832451" sldId="279"/>
-            <ac:spMk id="2" creationId="{53C5D828-9666-E312-B574-9FE965A7D6BE}"/>
-          </ac:spMkLst>
-        </pc:spChg>
-        <pc:picChg chg="add mod">
-          <ac:chgData name="Ihor Aleksandrov" userId="c3051032-6b87-4db2-b257-777a0106fbd9" providerId="ADAL" clId="{D05EAF56-C8F0-4612-806C-93E1C27F1929}" dt="2024-01-25T10:49:09.073" v="117" actId="1076"/>
-          <ac:picMkLst>
-            <pc:docMk/>
-            <pc:sldMk cId="3864832451" sldId="279"/>
-            <ac:picMk id="5" creationId="{C7472C97-E950-C6C2-19AE-07ECFA5C4C69}"/>
-          </ac:picMkLst>
-        </pc:picChg>
-        <pc:picChg chg="del">
-          <ac:chgData name="Ihor Aleksandrov" userId="c3051032-6b87-4db2-b257-777a0106fbd9" providerId="ADAL" clId="{D05EAF56-C8F0-4612-806C-93E1C27F1929}" dt="2024-01-25T10:48:53.887" v="114" actId="478"/>
-          <ac:picMkLst>
-            <pc:docMk/>
-            <pc:sldMk cId="3864832451" sldId="279"/>
-            <ac:picMk id="6" creationId="{F7B4799B-BEB4-BC82-1CD6-CE4E3725E9A6}"/>
-          </ac:picMkLst>
-        </pc:picChg>
-      </pc:sldChg>
-      <pc:sldChg chg="addSp delSp modSp add mod">
-        <pc:chgData name="Ihor Aleksandrov" userId="c3051032-6b87-4db2-b257-777a0106fbd9" providerId="ADAL" clId="{D05EAF56-C8F0-4612-806C-93E1C27F1929}" dt="2024-01-25T10:51:39.984" v="127" actId="1076"/>
-        <pc:sldMkLst>
-          <pc:docMk/>
-          <pc:sldMk cId="2194478224" sldId="280"/>
-        </pc:sldMkLst>
-        <pc:spChg chg="mod">
-          <ac:chgData name="Ihor Aleksandrov" userId="c3051032-6b87-4db2-b257-777a0106fbd9" providerId="ADAL" clId="{D05EAF56-C8F0-4612-806C-93E1C27F1929}" dt="2024-01-25T10:51:25.127" v="124"/>
-          <ac:spMkLst>
-            <pc:docMk/>
-            <pc:sldMk cId="2194478224" sldId="280"/>
-            <ac:spMk id="2" creationId="{53C5D828-9666-E312-B574-9FE965A7D6BE}"/>
-          </ac:spMkLst>
-        </pc:spChg>
-        <pc:picChg chg="add mod">
-          <ac:chgData name="Ihor Aleksandrov" userId="c3051032-6b87-4db2-b257-777a0106fbd9" providerId="ADAL" clId="{D05EAF56-C8F0-4612-806C-93E1C27F1929}" dt="2024-01-25T10:51:39.984" v="127" actId="1076"/>
-          <ac:picMkLst>
-            <pc:docMk/>
-            <pc:sldMk cId="2194478224" sldId="280"/>
-            <ac:picMk id="4" creationId="{8F2E114A-EFDE-8D45-E482-1B0918ACBF79}"/>
-          </ac:picMkLst>
-        </pc:picChg>
-        <pc:picChg chg="del">
-          <ac:chgData name="Ihor Aleksandrov" userId="c3051032-6b87-4db2-b257-777a0106fbd9" providerId="ADAL" clId="{D05EAF56-C8F0-4612-806C-93E1C27F1929}" dt="2024-01-25T10:51:26.612" v="125" actId="478"/>
-          <ac:picMkLst>
-            <pc:docMk/>
-            <pc:sldMk cId="2194478224" sldId="280"/>
-            <ac:picMk id="5" creationId="{C7472C97-E950-C6C2-19AE-07ECFA5C4C69}"/>
-          </ac:picMkLst>
-        </pc:picChg>
-      </pc:sldChg>
-      <pc:sldChg chg="delSp modSp add mod ord">
-        <pc:chgData name="Ihor Aleksandrov" userId="c3051032-6b87-4db2-b257-777a0106fbd9" providerId="ADAL" clId="{D05EAF56-C8F0-4612-806C-93E1C27F1929}" dt="2024-01-25T10:53:57.961" v="142" actId="20577"/>
-        <pc:sldMkLst>
-          <pc:docMk/>
-          <pc:sldMk cId="2205366352" sldId="281"/>
-        </pc:sldMkLst>
-        <pc:spChg chg="mod">
-          <ac:chgData name="Ihor Aleksandrov" userId="c3051032-6b87-4db2-b257-777a0106fbd9" providerId="ADAL" clId="{D05EAF56-C8F0-4612-806C-93E1C27F1929}" dt="2024-01-25T10:53:57.961" v="142" actId="20577"/>
-          <ac:spMkLst>
-            <pc:docMk/>
-            <pc:sldMk cId="2205366352" sldId="281"/>
-            <ac:spMk id="2" creationId="{18C18207-A109-5552-1541-0ABBAA316282}"/>
-          </ac:spMkLst>
-        </pc:spChg>
-        <pc:picChg chg="del">
-          <ac:chgData name="Ihor Aleksandrov" userId="c3051032-6b87-4db2-b257-777a0106fbd9" providerId="ADAL" clId="{D05EAF56-C8F0-4612-806C-93E1C27F1929}" dt="2024-01-25T10:53:50.795" v="134" actId="478"/>
-          <ac:picMkLst>
-            <pc:docMk/>
-            <pc:sldMk cId="2205366352" sldId="281"/>
-            <ac:picMk id="6" creationId="{BA86DDBB-D80D-1005-2EB0-33056830C288}"/>
-          </ac:picMkLst>
-        </pc:picChg>
-      </pc:sldChg>
-      <pc:sldChg chg="delSp add del setBg delDesignElem">
-        <pc:chgData name="Ihor Aleksandrov" userId="c3051032-6b87-4db2-b257-777a0106fbd9" providerId="ADAL" clId="{D05EAF56-C8F0-4612-806C-93E1C27F1929}" dt="2024-01-25T10:53:38.779" v="130" actId="47"/>
-        <pc:sldMkLst>
-          <pc:docMk/>
-          <pc:sldMk cId="2518075034" sldId="281"/>
-        </pc:sldMkLst>
-        <pc:spChg chg="del">
-          <ac:chgData name="Ihor Aleksandrov" userId="c3051032-6b87-4db2-b257-777a0106fbd9" providerId="ADAL" clId="{D05EAF56-C8F0-4612-806C-93E1C27F1929}" dt="2024-01-25T10:53:27.044" v="129"/>
-          <ac:spMkLst>
-            <pc:docMk/>
-            <pc:sldMk cId="2518075034" sldId="281"/>
-            <ac:spMk id="9" creationId="{C3896A03-3945-419A-B66B-4EE266EDD152}"/>
-          </ac:spMkLst>
-        </pc:spChg>
-        <pc:spChg chg="del">
-          <ac:chgData name="Ihor Aleksandrov" userId="c3051032-6b87-4db2-b257-777a0106fbd9" providerId="ADAL" clId="{D05EAF56-C8F0-4612-806C-93E1C27F1929}" dt="2024-01-25T10:53:27.044" v="129"/>
-          <ac:spMkLst>
-            <pc:docMk/>
-            <pc:sldMk cId="2518075034" sldId="281"/>
-            <ac:spMk id="11" creationId="{B34F5AD2-EDBD-4BBD-A55C-EAFFD0C7097A}"/>
-          </ac:spMkLst>
-        </pc:spChg>
-      </pc:sldChg>
-      <pc:sldChg chg="modSp add mod ord">
-        <pc:chgData name="Ihor Aleksandrov" userId="c3051032-6b87-4db2-b257-777a0106fbd9" providerId="ADAL" clId="{D05EAF56-C8F0-4612-806C-93E1C27F1929}" dt="2024-01-25T10:55:39.680" v="152" actId="20577"/>
-        <pc:sldMkLst>
-          <pc:docMk/>
-          <pc:sldMk cId="2028152352" sldId="282"/>
-        </pc:sldMkLst>
-        <pc:spChg chg="mod">
-          <ac:chgData name="Ihor Aleksandrov" userId="c3051032-6b87-4db2-b257-777a0106fbd9" providerId="ADAL" clId="{D05EAF56-C8F0-4612-806C-93E1C27F1929}" dt="2024-01-25T10:55:39.680" v="152" actId="20577"/>
-          <ac:spMkLst>
-            <pc:docMk/>
-            <pc:sldMk cId="2028152352" sldId="282"/>
-            <ac:spMk id="2" creationId="{18C18207-A109-5552-1541-0ABBAA316282}"/>
-          </ac:spMkLst>
-        </pc:spChg>
-      </pc:sldChg>
-      <pc:sldChg chg="modSp add mod ord">
-        <pc:chgData name="Ihor Aleksandrov" userId="c3051032-6b87-4db2-b257-777a0106fbd9" providerId="ADAL" clId="{D05EAF56-C8F0-4612-806C-93E1C27F1929}" dt="2024-01-25T11:01:05.747" v="171"/>
-        <pc:sldMkLst>
-          <pc:docMk/>
-          <pc:sldMk cId="2433051637" sldId="283"/>
-        </pc:sldMkLst>
-        <pc:spChg chg="mod">
-          <ac:chgData name="Ihor Aleksandrov" userId="c3051032-6b87-4db2-b257-777a0106fbd9" providerId="ADAL" clId="{D05EAF56-C8F0-4612-806C-93E1C27F1929}" dt="2024-01-25T11:01:05.747" v="171"/>
-          <ac:spMkLst>
-            <pc:docMk/>
-            <pc:sldMk cId="2433051637" sldId="283"/>
-            <ac:spMk id="2" creationId="{53C5D828-9666-E312-B574-9FE965A7D6BE}"/>
-          </ac:spMkLst>
-        </pc:spChg>
-      </pc:sldChg>
-      <pc:sldChg chg="addSp delSp modSp add mod">
-        <pc:chgData name="Ihor Aleksandrov" userId="c3051032-6b87-4db2-b257-777a0106fbd9" providerId="ADAL" clId="{D05EAF56-C8F0-4612-806C-93E1C27F1929}" dt="2024-01-25T11:22:22.700" v="219" actId="14100"/>
-        <pc:sldMkLst>
-          <pc:docMk/>
-          <pc:sldMk cId="2869825701" sldId="284"/>
-        </pc:sldMkLst>
-        <pc:spChg chg="mod">
-          <ac:chgData name="Ihor Aleksandrov" userId="c3051032-6b87-4db2-b257-777a0106fbd9" providerId="ADAL" clId="{D05EAF56-C8F0-4612-806C-93E1C27F1929}" dt="2024-01-25T11:01:51.992" v="175"/>
-          <ac:spMkLst>
-            <pc:docMk/>
-            <pc:sldMk cId="2869825701" sldId="284"/>
-            <ac:spMk id="2" creationId="{53C5D828-9666-E312-B574-9FE965A7D6BE}"/>
-          </ac:spMkLst>
-        </pc:spChg>
-        <pc:spChg chg="del">
-          <ac:chgData name="Ihor Aleksandrov" userId="c3051032-6b87-4db2-b257-777a0106fbd9" providerId="ADAL" clId="{D05EAF56-C8F0-4612-806C-93E1C27F1929}" dt="2024-01-25T11:22:01.808" v="214" actId="478"/>
-          <ac:spMkLst>
-            <pc:docMk/>
-            <pc:sldMk cId="2869825701" sldId="284"/>
-            <ac:spMk id="6" creationId="{E04F08BD-B70E-B1A8-7328-EE29B18E4AA1}"/>
-          </ac:spMkLst>
-        </pc:spChg>
-        <pc:picChg chg="add mod">
-          <ac:chgData name="Ihor Aleksandrov" userId="c3051032-6b87-4db2-b257-777a0106fbd9" providerId="ADAL" clId="{D05EAF56-C8F0-4612-806C-93E1C27F1929}" dt="2024-01-25T11:22:22.700" v="219" actId="14100"/>
-          <ac:picMkLst>
-            <pc:docMk/>
-            <pc:sldMk cId="2869825701" sldId="284"/>
-            <ac:picMk id="5" creationId="{0885AC12-A488-3762-3217-E1B0319D46AD}"/>
-          </ac:picMkLst>
-        </pc:picChg>
-      </pc:sldChg>
-      <pc:sldChg chg="addSp delSp add del setBg delDesignElem">
-        <pc:chgData name="Ihor Aleksandrov" userId="c3051032-6b87-4db2-b257-777a0106fbd9" providerId="ADAL" clId="{D05EAF56-C8F0-4612-806C-93E1C27F1929}" dt="2024-01-25T11:00:55.998" v="168"/>
-        <pc:sldMkLst>
-          <pc:docMk/>
-          <pc:sldMk cId="3157685417" sldId="284"/>
-        </pc:sldMkLst>
-        <pc:spChg chg="add del">
-          <ac:chgData name="Ihor Aleksandrov" userId="c3051032-6b87-4db2-b257-777a0106fbd9" providerId="ADAL" clId="{D05EAF56-C8F0-4612-806C-93E1C27F1929}" dt="2024-01-25T11:00:55.998" v="168"/>
-          <ac:spMkLst>
-            <pc:docMk/>
-            <pc:sldMk cId="3157685417" sldId="284"/>
-            <ac:spMk id="9" creationId="{D4771268-CB57-404A-9271-370EB28F6090}"/>
-          </ac:spMkLst>
-        </pc:spChg>
-      </pc:sldChg>
-      <pc:sldChg chg="addSp delSp modSp add mod">
-        <pc:chgData name="Ihor Aleksandrov" userId="c3051032-6b87-4db2-b257-777a0106fbd9" providerId="ADAL" clId="{D05EAF56-C8F0-4612-806C-93E1C27F1929}" dt="2024-01-25T11:03:48.850" v="202" actId="1036"/>
-        <pc:sldMkLst>
-          <pc:docMk/>
-          <pc:sldMk cId="856240837" sldId="285"/>
-        </pc:sldMkLst>
-        <pc:spChg chg="mod">
-          <ac:chgData name="Ihor Aleksandrov" userId="c3051032-6b87-4db2-b257-777a0106fbd9" providerId="ADAL" clId="{D05EAF56-C8F0-4612-806C-93E1C27F1929}" dt="2024-01-25T11:03:18.596" v="177"/>
-          <ac:spMkLst>
-            <pc:docMk/>
-            <pc:sldMk cId="856240837" sldId="285"/>
-            <ac:spMk id="2" creationId="{53C5D828-9666-E312-B574-9FE965A7D6BE}"/>
-          </ac:spMkLst>
-        </pc:spChg>
-        <pc:spChg chg="del">
-          <ac:chgData name="Ihor Aleksandrov" userId="c3051032-6b87-4db2-b257-777a0106fbd9" providerId="ADAL" clId="{D05EAF56-C8F0-4612-806C-93E1C27F1929}" dt="2024-01-25T11:03:21.592" v="178" actId="478"/>
-          <ac:spMkLst>
-            <pc:docMk/>
-            <pc:sldMk cId="856240837" sldId="285"/>
-            <ac:spMk id="6" creationId="{E04F08BD-B70E-B1A8-7328-EE29B18E4AA1}"/>
-          </ac:spMkLst>
-        </pc:spChg>
-        <pc:picChg chg="add mod">
-          <ac:chgData name="Ihor Aleksandrov" userId="c3051032-6b87-4db2-b257-777a0106fbd9" providerId="ADAL" clId="{D05EAF56-C8F0-4612-806C-93E1C27F1929}" dt="2024-01-25T11:03:48.850" v="202" actId="1036"/>
-          <ac:picMkLst>
-            <pc:docMk/>
-            <pc:sldMk cId="856240837" sldId="285"/>
-            <ac:picMk id="4" creationId="{A8C20435-8FF0-1341-85C4-558E352F27E5}"/>
-          </ac:picMkLst>
-        </pc:picChg>
-      </pc:sldChg>
-      <pc:sldChg chg="modSp add mod ord">
-        <pc:chgData name="Ihor Aleksandrov" userId="c3051032-6b87-4db2-b257-777a0106fbd9" providerId="ADAL" clId="{D05EAF56-C8F0-4612-806C-93E1C27F1929}" dt="2024-01-25T11:10:32.927" v="210"/>
-        <pc:sldMkLst>
-          <pc:docMk/>
-          <pc:sldMk cId="1586376586" sldId="286"/>
-        </pc:sldMkLst>
-        <pc:spChg chg="mod">
-          <ac:chgData name="Ihor Aleksandrov" userId="c3051032-6b87-4db2-b257-777a0106fbd9" providerId="ADAL" clId="{D05EAF56-C8F0-4612-806C-93E1C27F1929}" dt="2024-01-25T11:10:32.927" v="210"/>
-          <ac:spMkLst>
-            <pc:docMk/>
-            <pc:sldMk cId="1586376586" sldId="286"/>
-            <ac:spMk id="2" creationId="{53C5D828-9666-E312-B574-9FE965A7D6BE}"/>
-          </ac:spMkLst>
-        </pc:spChg>
-      </pc:sldChg>
-      <pc:sldChg chg="add del">
-        <pc:chgData name="Ihor Aleksandrov" userId="c3051032-6b87-4db2-b257-777a0106fbd9" providerId="ADAL" clId="{D05EAF56-C8F0-4612-806C-93E1C27F1929}" dt="2024-01-25T11:10:15.704" v="204" actId="2696"/>
-        <pc:sldMkLst>
-          <pc:docMk/>
-          <pc:sldMk cId="2392975250" sldId="286"/>
-        </pc:sldMkLst>
-      </pc:sldChg>
-      <pc:sldChg chg="modSp add mod ord">
-        <pc:chgData name="Ihor Aleksandrov" userId="c3051032-6b87-4db2-b257-777a0106fbd9" providerId="ADAL" clId="{D05EAF56-C8F0-4612-806C-93E1C27F1929}" dt="2024-01-25T11:27:00.546" v="224" actId="20577"/>
-        <pc:sldMkLst>
-          <pc:docMk/>
-          <pc:sldMk cId="2004498921" sldId="287"/>
-        </pc:sldMkLst>
-        <pc:spChg chg="mod">
-          <ac:chgData name="Ihor Aleksandrov" userId="c3051032-6b87-4db2-b257-777a0106fbd9" providerId="ADAL" clId="{D05EAF56-C8F0-4612-806C-93E1C27F1929}" dt="2024-01-25T11:27:00.546" v="224" actId="20577"/>
-          <ac:spMkLst>
-            <pc:docMk/>
-            <pc:sldMk cId="2004498921" sldId="287"/>
-            <ac:spMk id="2" creationId="{18C18207-A109-5552-1541-0ABBAA316282}"/>
-          </ac:spMkLst>
-        </pc:spChg>
-      </pc:sldChg>
-      <pc:sldChg chg="addSp delSp modSp add mod ord">
-        <pc:chgData name="Ihor Aleksandrov" userId="c3051032-6b87-4db2-b257-777a0106fbd9" providerId="ADAL" clId="{D05EAF56-C8F0-4612-806C-93E1C27F1929}" dt="2024-01-25T11:28:34.816" v="233" actId="1076"/>
-        <pc:sldMkLst>
-          <pc:docMk/>
-          <pc:sldMk cId="156474206" sldId="288"/>
-        </pc:sldMkLst>
-        <pc:spChg chg="mod">
-          <ac:chgData name="Ihor Aleksandrov" userId="c3051032-6b87-4db2-b257-777a0106fbd9" providerId="ADAL" clId="{D05EAF56-C8F0-4612-806C-93E1C27F1929}" dt="2024-01-25T11:28:25.547" v="230"/>
-          <ac:spMkLst>
-            <pc:docMk/>
-            <pc:sldMk cId="156474206" sldId="288"/>
-            <ac:spMk id="2" creationId="{53C5D828-9666-E312-B574-9FE965A7D6BE}"/>
-          </ac:spMkLst>
-        </pc:spChg>
-        <pc:spChg chg="del">
-          <ac:chgData name="Ihor Aleksandrov" userId="c3051032-6b87-4db2-b257-777a0106fbd9" providerId="ADAL" clId="{D05EAF56-C8F0-4612-806C-93E1C27F1929}" dt="2024-01-25T11:28:27.105" v="231" actId="478"/>
-          <ac:spMkLst>
-            <pc:docMk/>
-            <pc:sldMk cId="156474206" sldId="288"/>
-            <ac:spMk id="6" creationId="{E04F08BD-B70E-B1A8-7328-EE29B18E4AA1}"/>
-          </ac:spMkLst>
-        </pc:spChg>
-        <pc:picChg chg="add mod">
-          <ac:chgData name="Ihor Aleksandrov" userId="c3051032-6b87-4db2-b257-777a0106fbd9" providerId="ADAL" clId="{D05EAF56-C8F0-4612-806C-93E1C27F1929}" dt="2024-01-25T11:28:34.816" v="233" actId="1076"/>
-          <ac:picMkLst>
-            <pc:docMk/>
-            <pc:sldMk cId="156474206" sldId="288"/>
-            <ac:picMk id="4" creationId="{0D7416A8-5E31-A6F5-922C-BB434A29C3EE}"/>
-          </ac:picMkLst>
-        </pc:picChg>
-      </pc:sldChg>
-      <pc:sldChg chg="modSp add mod ord">
-        <pc:chgData name="Ihor Aleksandrov" userId="c3051032-6b87-4db2-b257-777a0106fbd9" providerId="ADAL" clId="{D05EAF56-C8F0-4612-806C-93E1C27F1929}" dt="2024-01-25T11:29:51.583" v="244"/>
-        <pc:sldMkLst>
-          <pc:docMk/>
-          <pc:sldMk cId="2551930029" sldId="289"/>
-        </pc:sldMkLst>
-        <pc:spChg chg="mod">
-          <ac:chgData name="Ihor Aleksandrov" userId="c3051032-6b87-4db2-b257-777a0106fbd9" providerId="ADAL" clId="{D05EAF56-C8F0-4612-806C-93E1C27F1929}" dt="2024-01-25T11:29:47.752" v="242" actId="20577"/>
-          <ac:spMkLst>
-            <pc:docMk/>
-            <pc:sldMk cId="2551930029" sldId="289"/>
-            <ac:spMk id="2" creationId="{18C18207-A109-5552-1541-0ABBAA316282}"/>
-          </ac:spMkLst>
-        </pc:spChg>
-      </pc:sldChg>
-      <pc:sldChg chg="addSp delSp modSp add mod ord">
-        <pc:chgData name="Ihor Aleksandrov" userId="c3051032-6b87-4db2-b257-777a0106fbd9" providerId="ADAL" clId="{D05EAF56-C8F0-4612-806C-93E1C27F1929}" dt="2024-01-25T11:49:38.267" v="257" actId="1076"/>
-        <pc:sldMkLst>
-          <pc:docMk/>
-          <pc:sldMk cId="1939738048" sldId="290"/>
-        </pc:sldMkLst>
-        <pc:spChg chg="mod">
-          <ac:chgData name="Ihor Aleksandrov" userId="c3051032-6b87-4db2-b257-777a0106fbd9" providerId="ADAL" clId="{D05EAF56-C8F0-4612-806C-93E1C27F1929}" dt="2024-01-25T11:49:07.853" v="250"/>
-          <ac:spMkLst>
-            <pc:docMk/>
-            <pc:sldMk cId="1939738048" sldId="290"/>
-            <ac:spMk id="2" creationId="{53C5D828-9666-E312-B574-9FE965A7D6BE}"/>
-          </ac:spMkLst>
-        </pc:spChg>
-        <pc:spChg chg="del">
-          <ac:chgData name="Ihor Aleksandrov" userId="c3051032-6b87-4db2-b257-777a0106fbd9" providerId="ADAL" clId="{D05EAF56-C8F0-4612-806C-93E1C27F1929}" dt="2024-01-25T11:49:20.582" v="251" actId="478"/>
-          <ac:spMkLst>
-            <pc:docMk/>
-            <pc:sldMk cId="1939738048" sldId="290"/>
-            <ac:spMk id="6" creationId="{E04F08BD-B70E-B1A8-7328-EE29B18E4AA1}"/>
-          </ac:spMkLst>
-        </pc:spChg>
-        <pc:picChg chg="add mod">
-          <ac:chgData name="Ihor Aleksandrov" userId="c3051032-6b87-4db2-b257-777a0106fbd9" providerId="ADAL" clId="{D05EAF56-C8F0-4612-806C-93E1C27F1929}" dt="2024-01-25T11:49:38.267" v="257" actId="1076"/>
-          <ac:picMkLst>
-            <pc:docMk/>
-            <pc:sldMk cId="1939738048" sldId="290"/>
-            <ac:picMk id="4" creationId="{49B21785-1E7E-8457-4FBF-E3FC2CCADD04}"/>
-          </ac:picMkLst>
-        </pc:picChg>
-      </pc:sldChg>
-      <pc:sldChg chg="modSp add mod ord">
-        <pc:chgData name="Ihor Aleksandrov" userId="c3051032-6b87-4db2-b257-777a0106fbd9" providerId="ADAL" clId="{D05EAF56-C8F0-4612-806C-93E1C27F1929}" dt="2024-01-25T11:51:45.959" v="263"/>
-        <pc:sldMkLst>
-          <pc:docMk/>
-          <pc:sldMk cId="1018496090" sldId="291"/>
-        </pc:sldMkLst>
-        <pc:spChg chg="mod">
-          <ac:chgData name="Ihor Aleksandrov" userId="c3051032-6b87-4db2-b257-777a0106fbd9" providerId="ADAL" clId="{D05EAF56-C8F0-4612-806C-93E1C27F1929}" dt="2024-01-25T11:51:45.959" v="263"/>
-          <ac:spMkLst>
-            <pc:docMk/>
-            <pc:sldMk cId="1018496090" sldId="291"/>
-            <ac:spMk id="2" creationId="{53C5D828-9666-E312-B574-9FE965A7D6BE}"/>
-          </ac:spMkLst>
-        </pc:spChg>
-      </pc:sldChg>
-      <pc:sldChg chg="modSp add mod">
-        <pc:chgData name="Ihor Aleksandrov" userId="c3051032-6b87-4db2-b257-777a0106fbd9" providerId="ADAL" clId="{D05EAF56-C8F0-4612-806C-93E1C27F1929}" dt="2024-01-25T11:53:09.928" v="267"/>
-        <pc:sldMkLst>
-          <pc:docMk/>
-          <pc:sldMk cId="2128635244" sldId="292"/>
-        </pc:sldMkLst>
-        <pc:spChg chg="mod">
-          <ac:chgData name="Ihor Aleksandrov" userId="c3051032-6b87-4db2-b257-777a0106fbd9" providerId="ADAL" clId="{D05EAF56-C8F0-4612-806C-93E1C27F1929}" dt="2024-01-25T11:53:09.928" v="267"/>
-          <ac:spMkLst>
-            <pc:docMk/>
-            <pc:sldMk cId="2128635244" sldId="292"/>
-            <ac:spMk id="2" creationId="{53C5D828-9666-E312-B574-9FE965A7D6BE}"/>
-          </ac:spMkLst>
-        </pc:spChg>
-      </pc:sldChg>
-      <pc:sldChg chg="addSp delSp modSp add mod">
-        <pc:chgData name="Ihor Aleksandrov" userId="c3051032-6b87-4db2-b257-777a0106fbd9" providerId="ADAL" clId="{D05EAF56-C8F0-4612-806C-93E1C27F1929}" dt="2024-01-25T11:55:41.171" v="279" actId="1076"/>
-        <pc:sldMkLst>
-          <pc:docMk/>
-          <pc:sldMk cId="2059493005" sldId="293"/>
-        </pc:sldMkLst>
-        <pc:spChg chg="mod">
-          <ac:chgData name="Ihor Aleksandrov" userId="c3051032-6b87-4db2-b257-777a0106fbd9" providerId="ADAL" clId="{D05EAF56-C8F0-4612-806C-93E1C27F1929}" dt="2024-01-25T11:55:19.618" v="271"/>
-          <ac:spMkLst>
-            <pc:docMk/>
-            <pc:sldMk cId="2059493005" sldId="293"/>
-            <ac:spMk id="2" creationId="{53C5D828-9666-E312-B574-9FE965A7D6BE}"/>
-          </ac:spMkLst>
-        </pc:spChg>
-        <pc:spChg chg="del">
-          <ac:chgData name="Ihor Aleksandrov" userId="c3051032-6b87-4db2-b257-777a0106fbd9" providerId="ADAL" clId="{D05EAF56-C8F0-4612-806C-93E1C27F1929}" dt="2024-01-25T11:55:21.950" v="272" actId="478"/>
-          <ac:spMkLst>
-            <pc:docMk/>
-            <pc:sldMk cId="2059493005" sldId="293"/>
-            <ac:spMk id="6" creationId="{E04F08BD-B70E-B1A8-7328-EE29B18E4AA1}"/>
-          </ac:spMkLst>
-        </pc:spChg>
-        <pc:picChg chg="add mod">
-          <ac:chgData name="Ihor Aleksandrov" userId="c3051032-6b87-4db2-b257-777a0106fbd9" providerId="ADAL" clId="{D05EAF56-C8F0-4612-806C-93E1C27F1929}" dt="2024-01-25T11:55:41.171" v="279" actId="1076"/>
-          <ac:picMkLst>
-            <pc:docMk/>
-            <pc:sldMk cId="2059493005" sldId="293"/>
-            <ac:picMk id="4" creationId="{B4989CAB-F181-BB13-C3CC-7303FC972C04}"/>
-          </ac:picMkLst>
-        </pc:picChg>
-      </pc:sldChg>
-      <pc:sldChg chg="addSp delSp modSp add mod">
-        <pc:chgData name="Ihor Aleksandrov" userId="c3051032-6b87-4db2-b257-777a0106fbd9" providerId="ADAL" clId="{D05EAF56-C8F0-4612-806C-93E1C27F1929}" dt="2024-01-25T11:57:16.812" v="286" actId="1076"/>
-        <pc:sldMkLst>
-          <pc:docMk/>
-          <pc:sldMk cId="1734173143" sldId="294"/>
-        </pc:sldMkLst>
-        <pc:spChg chg="mod">
-          <ac:chgData name="Ihor Aleksandrov" userId="c3051032-6b87-4db2-b257-777a0106fbd9" providerId="ADAL" clId="{D05EAF56-C8F0-4612-806C-93E1C27F1929}" dt="2024-01-25T11:56:59.706" v="281"/>
-          <ac:spMkLst>
-            <pc:docMk/>
-            <pc:sldMk cId="1734173143" sldId="294"/>
-            <ac:spMk id="2" creationId="{53C5D828-9666-E312-B574-9FE965A7D6BE}"/>
-          </ac:spMkLst>
-        </pc:spChg>
-        <pc:picChg chg="del">
-          <ac:chgData name="Ihor Aleksandrov" userId="c3051032-6b87-4db2-b257-777a0106fbd9" providerId="ADAL" clId="{D05EAF56-C8F0-4612-806C-93E1C27F1929}" dt="2024-01-25T11:57:02.563" v="282" actId="478"/>
-          <ac:picMkLst>
-            <pc:docMk/>
-            <pc:sldMk cId="1734173143" sldId="294"/>
-            <ac:picMk id="4" creationId="{B4989CAB-F181-BB13-C3CC-7303FC972C04}"/>
-          </ac:picMkLst>
-        </pc:picChg>
-        <pc:picChg chg="add mod">
-          <ac:chgData name="Ihor Aleksandrov" userId="c3051032-6b87-4db2-b257-777a0106fbd9" providerId="ADAL" clId="{D05EAF56-C8F0-4612-806C-93E1C27F1929}" dt="2024-01-25T11:57:16.812" v="286" actId="1076"/>
-          <ac:picMkLst>
-            <pc:docMk/>
-            <pc:sldMk cId="1734173143" sldId="294"/>
-            <ac:picMk id="5" creationId="{EFB4AF76-9D94-7721-E2C8-2472D164A060}"/>
-          </ac:picMkLst>
-        </pc:picChg>
-      </pc:sldChg>
-      <pc:sldChg chg="addSp modSp add mod ord">
-        <pc:chgData name="Ihor Aleksandrov" userId="c3051032-6b87-4db2-b257-777a0106fbd9" providerId="ADAL" clId="{D05EAF56-C8F0-4612-806C-93E1C27F1929}" dt="2024-01-25T12:00:46.169" v="306" actId="1076"/>
-        <pc:sldMkLst>
-          <pc:docMk/>
-          <pc:sldMk cId="3102755718" sldId="295"/>
-        </pc:sldMkLst>
-        <pc:spChg chg="mod">
-          <ac:chgData name="Ihor Aleksandrov" userId="c3051032-6b87-4db2-b257-777a0106fbd9" providerId="ADAL" clId="{D05EAF56-C8F0-4612-806C-93E1C27F1929}" dt="2024-01-25T12:00:14.709" v="300" actId="20577"/>
-          <ac:spMkLst>
-            <pc:docMk/>
-            <pc:sldMk cId="3102755718" sldId="295"/>
-            <ac:spMk id="2" creationId="{18C18207-A109-5552-1541-0ABBAA316282}"/>
-          </ac:spMkLst>
-        </pc:spChg>
-        <pc:picChg chg="add mod">
-          <ac:chgData name="Ihor Aleksandrov" userId="c3051032-6b87-4db2-b257-777a0106fbd9" providerId="ADAL" clId="{D05EAF56-C8F0-4612-806C-93E1C27F1929}" dt="2024-01-25T12:00:46.169" v="306" actId="1076"/>
-          <ac:picMkLst>
-            <pc:docMk/>
-            <pc:sldMk cId="3102755718" sldId="295"/>
-            <ac:picMk id="5" creationId="{BD0CE974-8524-11E7-B97F-A86834867985}"/>
-          </ac:picMkLst>
-        </pc:picChg>
-      </pc:sldChg>
-      <pc:sldChg chg="modSp add mod ord">
-        <pc:chgData name="Ihor Aleksandrov" userId="c3051032-6b87-4db2-b257-777a0106fbd9" providerId="ADAL" clId="{D05EAF56-C8F0-4612-806C-93E1C27F1929}" dt="2024-01-25T12:02:45.112" v="310"/>
-        <pc:sldMkLst>
-          <pc:docMk/>
-          <pc:sldMk cId="2389832786" sldId="296"/>
-        </pc:sldMkLst>
-        <pc:spChg chg="mod">
-          <ac:chgData name="Ihor Aleksandrov" userId="c3051032-6b87-4db2-b257-777a0106fbd9" providerId="ADAL" clId="{D05EAF56-C8F0-4612-806C-93E1C27F1929}" dt="2024-01-25T12:02:45.112" v="310"/>
-          <ac:spMkLst>
-            <pc:docMk/>
-            <pc:sldMk cId="2389832786" sldId="296"/>
-            <ac:spMk id="2" creationId="{53C5D828-9666-E312-B574-9FE965A7D6BE}"/>
-          </ac:spMkLst>
-        </pc:spChg>
-      </pc:sldChg>
-      <pc:sldChg chg="modSp add mod">
-        <pc:chgData name="Ihor Aleksandrov" userId="c3051032-6b87-4db2-b257-777a0106fbd9" providerId="ADAL" clId="{D05EAF56-C8F0-4612-806C-93E1C27F1929}" dt="2024-01-25T12:04:01.736" v="312"/>
-        <pc:sldMkLst>
-          <pc:docMk/>
-          <pc:sldMk cId="2189799752" sldId="297"/>
-        </pc:sldMkLst>
-        <pc:spChg chg="mod">
-          <ac:chgData name="Ihor Aleksandrov" userId="c3051032-6b87-4db2-b257-777a0106fbd9" providerId="ADAL" clId="{D05EAF56-C8F0-4612-806C-93E1C27F1929}" dt="2024-01-25T12:04:01.736" v="312"/>
-          <ac:spMkLst>
-            <pc:docMk/>
-            <pc:sldMk cId="2189799752" sldId="297"/>
-            <ac:spMk id="2" creationId="{53C5D828-9666-E312-B574-9FE965A7D6BE}"/>
-          </ac:spMkLst>
-        </pc:spChg>
-      </pc:sldChg>
-      <pc:sldChg chg="modSp add mod">
-        <pc:chgData name="Ihor Aleksandrov" userId="c3051032-6b87-4db2-b257-777a0106fbd9" providerId="ADAL" clId="{D05EAF56-C8F0-4612-806C-93E1C27F1929}" dt="2024-01-25T12:05:00.878" v="314"/>
-        <pc:sldMkLst>
-          <pc:docMk/>
-          <pc:sldMk cId="3592285454" sldId="298"/>
-        </pc:sldMkLst>
-        <pc:spChg chg="mod">
-          <ac:chgData name="Ihor Aleksandrov" userId="c3051032-6b87-4db2-b257-777a0106fbd9" providerId="ADAL" clId="{D05EAF56-C8F0-4612-806C-93E1C27F1929}" dt="2024-01-25T12:05:00.878" v="314"/>
-          <ac:spMkLst>
-            <pc:docMk/>
-            <pc:sldMk cId="3592285454" sldId="298"/>
-            <ac:spMk id="2" creationId="{53C5D828-9666-E312-B574-9FE965A7D6BE}"/>
-          </ac:spMkLst>
-        </pc:spChg>
-      </pc:sldChg>
-      <pc:sldChg chg="modSp add mod">
-        <pc:chgData name="Ihor Aleksandrov" userId="c3051032-6b87-4db2-b257-777a0106fbd9" providerId="ADAL" clId="{D05EAF56-C8F0-4612-806C-93E1C27F1929}" dt="2024-01-25T12:08:02.278" v="316"/>
-        <pc:sldMkLst>
-          <pc:docMk/>
-          <pc:sldMk cId="4186553512" sldId="299"/>
-        </pc:sldMkLst>
-        <pc:spChg chg="mod">
-          <ac:chgData name="Ihor Aleksandrov" userId="c3051032-6b87-4db2-b257-777a0106fbd9" providerId="ADAL" clId="{D05EAF56-C8F0-4612-806C-93E1C27F1929}" dt="2024-01-25T12:08:02.278" v="316"/>
-          <ac:spMkLst>
-            <pc:docMk/>
-            <pc:sldMk cId="4186553512" sldId="299"/>
-            <ac:spMk id="2" creationId="{53C5D828-9666-E312-B574-9FE965A7D6BE}"/>
-          </ac:spMkLst>
-        </pc:spChg>
-      </pc:sldChg>
-      <pc:sldChg chg="modSp add mod">
-        <pc:chgData name="Ihor Aleksandrov" userId="c3051032-6b87-4db2-b257-777a0106fbd9" providerId="ADAL" clId="{D05EAF56-C8F0-4612-806C-93E1C27F1929}" dt="2024-01-25T12:09:53.445" v="318"/>
-        <pc:sldMkLst>
-          <pc:docMk/>
-          <pc:sldMk cId="834159653" sldId="300"/>
-        </pc:sldMkLst>
-        <pc:spChg chg="mod">
-          <ac:chgData name="Ihor Aleksandrov" userId="c3051032-6b87-4db2-b257-777a0106fbd9" providerId="ADAL" clId="{D05EAF56-C8F0-4612-806C-93E1C27F1929}" dt="2024-01-25T12:09:53.445" v="318"/>
-          <ac:spMkLst>
-            <pc:docMk/>
-            <pc:sldMk cId="834159653" sldId="300"/>
-            <ac:spMk id="2" creationId="{53C5D828-9666-E312-B574-9FE965A7D6BE}"/>
-          </ac:spMkLst>
-        </pc:spChg>
-      </pc:sldChg>
-      <pc:sldChg chg="modSp add mod">
-        <pc:chgData name="Ihor Aleksandrov" userId="c3051032-6b87-4db2-b257-777a0106fbd9" providerId="ADAL" clId="{D05EAF56-C8F0-4612-806C-93E1C27F1929}" dt="2024-01-25T12:10:57.045" v="321" actId="27636"/>
-        <pc:sldMkLst>
-          <pc:docMk/>
-          <pc:sldMk cId="324410250" sldId="301"/>
-        </pc:sldMkLst>
-        <pc:spChg chg="mod">
-          <ac:chgData name="Ihor Aleksandrov" userId="c3051032-6b87-4db2-b257-777a0106fbd9" providerId="ADAL" clId="{D05EAF56-C8F0-4612-806C-93E1C27F1929}" dt="2024-01-25T12:10:57.045" v="321" actId="27636"/>
-          <ac:spMkLst>
-            <pc:docMk/>
-            <pc:sldMk cId="324410250" sldId="301"/>
-            <ac:spMk id="2" creationId="{53C5D828-9666-E312-B574-9FE965A7D6BE}"/>
-          </ac:spMkLst>
-        </pc:spChg>
-      </pc:sldChg>
-      <pc:sldChg chg="add">
-        <pc:chgData name="Ihor Aleksandrov" userId="c3051032-6b87-4db2-b257-777a0106fbd9" providerId="ADAL" clId="{D05EAF56-C8F0-4612-806C-93E1C27F1929}" dt="2024-01-25T12:18:40.426" v="323"/>
-        <pc:sldMkLst>
-          <pc:docMk/>
-          <pc:sldMk cId="2052164358" sldId="302"/>
-        </pc:sldMkLst>
-      </pc:sldChg>
-      <pc:sldChg chg="add">
-        <pc:chgData name="Ihor Aleksandrov" userId="c3051032-6b87-4db2-b257-777a0106fbd9" providerId="ADAL" clId="{D05EAF56-C8F0-4612-806C-93E1C27F1929}" dt="2024-01-25T12:18:42.706" v="325"/>
-        <pc:sldMkLst>
-          <pc:docMk/>
-          <pc:sldMk cId="2972731808" sldId="303"/>
-        </pc:sldMkLst>
-      </pc:sldChg>
-      <pc:sldMasterChg chg="add addSldLayout">
-        <pc:chgData name="Ihor Aleksandrov" userId="c3051032-6b87-4db2-b257-777a0106fbd9" providerId="ADAL" clId="{D05EAF56-C8F0-4612-806C-93E1C27F1929}" dt="2024-01-25T12:18:42.701" v="324" actId="27028"/>
-        <pc:sldMasterMkLst>
-          <pc:docMk/>
-          <pc:sldMasterMk cId="1185679814" sldId="2147483648"/>
-        </pc:sldMasterMkLst>
-        <pc:sldLayoutChg chg="add">
-          <pc:chgData name="Ihor Aleksandrov" userId="c3051032-6b87-4db2-b257-777a0106fbd9" providerId="ADAL" clId="{D05EAF56-C8F0-4612-806C-93E1C27F1929}" dt="2024-01-25T12:18:40.421" v="322" actId="27028"/>
-          <pc:sldLayoutMkLst>
-            <pc:docMk/>
-            <pc:sldMasterMk cId="1185679814" sldId="2147483648"/>
-            <pc:sldLayoutMk cId="2257280135" sldId="2147483649"/>
-          </pc:sldLayoutMkLst>
-        </pc:sldLayoutChg>
-        <pc:sldLayoutChg chg="add">
-          <pc:chgData name="Ihor Aleksandrov" userId="c3051032-6b87-4db2-b257-777a0106fbd9" providerId="ADAL" clId="{D05EAF56-C8F0-4612-806C-93E1C27F1929}" dt="2024-01-25T12:18:42.701" v="324" actId="27028"/>
-          <pc:sldLayoutMkLst>
-            <pc:docMk/>
-            <pc:sldMasterMk cId="1185679814" sldId="2147483648"/>
-            <pc:sldLayoutMk cId="1044916995" sldId="2147483650"/>
           </pc:sldLayoutMkLst>
         </pc:sldLayoutChg>
       </pc:sldMasterChg>
@@ -1977,963 +2019,921 @@
     </pc:docChg>
   </pc:docChgLst>
   <pc:docChgLst>
-    <pc:chgData name="Ihor Aleksandrov" userId="c3051032-6b87-4db2-b257-777a0106fbd9" providerId="ADAL" clId="{DF783FCC-C35F-4D2C-B134-D1A27E72D448}"/>
-    <pc:docChg chg="undo custSel addSld delSld modSld sldOrd addMainMaster delMainMaster addSection modSection">
-      <pc:chgData name="Ihor Aleksandrov" userId="c3051032-6b87-4db2-b257-777a0106fbd9" providerId="ADAL" clId="{DF783FCC-C35F-4D2C-B134-D1A27E72D448}" dt="2024-01-26T13:49:38.017" v="476" actId="1076"/>
+    <pc:chgData name="Ihor Aleksandrov" userId="c3051032-6b87-4db2-b257-777a0106fbd9" providerId="ADAL" clId="{D05EAF56-C8F0-4612-806C-93E1C27F1929}"/>
+    <pc:docChg chg="undo redo custSel addSld delSld modSld sldOrd addMainMaster addSection modSection">
+      <pc:chgData name="Ihor Aleksandrov" userId="c3051032-6b87-4db2-b257-777a0106fbd9" providerId="ADAL" clId="{D05EAF56-C8F0-4612-806C-93E1C27F1929}" dt="2024-01-25T12:18:42.706" v="325"/>
       <pc:docMkLst>
         <pc:docMk/>
       </pc:docMkLst>
-      <pc:sldChg chg="modSp add del mod">
-        <pc:chgData name="Ihor Aleksandrov" userId="c3051032-6b87-4db2-b257-777a0106fbd9" providerId="ADAL" clId="{DF783FCC-C35F-4D2C-B134-D1A27E72D448}" dt="2024-01-26T09:37:02.125" v="21" actId="20577"/>
+      <pc:sldChg chg="addSp modSp mod setBg">
+        <pc:chgData name="Ihor Aleksandrov" userId="c3051032-6b87-4db2-b257-777a0106fbd9" providerId="ADAL" clId="{D05EAF56-C8F0-4612-806C-93E1C27F1929}" dt="2024-01-25T09:34:46.181" v="0" actId="26606"/>
         <pc:sldMkLst>
           <pc:docMk/>
           <pc:sldMk cId="552267186" sldId="256"/>
         </pc:sldMkLst>
         <pc:spChg chg="mod">
-          <ac:chgData name="Ihor Aleksandrov" userId="c3051032-6b87-4db2-b257-777a0106fbd9" providerId="ADAL" clId="{DF783FCC-C35F-4D2C-B134-D1A27E72D448}" dt="2024-01-26T09:37:02.125" v="21" actId="20577"/>
+          <ac:chgData name="Ihor Aleksandrov" userId="c3051032-6b87-4db2-b257-777a0106fbd9" providerId="ADAL" clId="{D05EAF56-C8F0-4612-806C-93E1C27F1929}" dt="2024-01-25T09:34:46.181" v="0" actId="26606"/>
           <ac:spMkLst>
             <pc:docMk/>
             <pc:sldMk cId="552267186" sldId="256"/>
             <ac:spMk id="2" creationId="{18C18207-A109-5552-1541-0ABBAA316282}"/>
           </ac:spMkLst>
         </pc:spChg>
+        <pc:spChg chg="mod">
+          <ac:chgData name="Ihor Aleksandrov" userId="c3051032-6b87-4db2-b257-777a0106fbd9" providerId="ADAL" clId="{D05EAF56-C8F0-4612-806C-93E1C27F1929}" dt="2024-01-25T09:34:46.181" v="0" actId="26606"/>
+          <ac:spMkLst>
+            <pc:docMk/>
+            <pc:sldMk cId="552267186" sldId="256"/>
+            <ac:spMk id="3" creationId="{3473E1D3-7401-AD94-5C7A-49912FA8005A}"/>
+          </ac:spMkLst>
+        </pc:spChg>
+        <pc:spChg chg="mod">
+          <ac:chgData name="Ihor Aleksandrov" userId="c3051032-6b87-4db2-b257-777a0106fbd9" providerId="ADAL" clId="{D05EAF56-C8F0-4612-806C-93E1C27F1929}" dt="2024-01-25T09:34:46.181" v="0" actId="26606"/>
+          <ac:spMkLst>
+            <pc:docMk/>
+            <pc:sldMk cId="552267186" sldId="256"/>
+            <ac:spMk id="4" creationId="{C99D0D71-05C2-1881-DCFB-D99C1C10CBB8}"/>
+          </ac:spMkLst>
+        </pc:spChg>
+        <pc:spChg chg="add">
+          <ac:chgData name="Ihor Aleksandrov" userId="c3051032-6b87-4db2-b257-777a0106fbd9" providerId="ADAL" clId="{D05EAF56-C8F0-4612-806C-93E1C27F1929}" dt="2024-01-25T09:34:46.181" v="0" actId="26606"/>
+          <ac:spMkLst>
+            <pc:docMk/>
+            <pc:sldMk cId="552267186" sldId="256"/>
+            <ac:spMk id="9" creationId="{C3896A03-3945-419A-B66B-4EE266EDD152}"/>
+          </ac:spMkLst>
+        </pc:spChg>
+        <pc:spChg chg="add">
+          <ac:chgData name="Ihor Aleksandrov" userId="c3051032-6b87-4db2-b257-777a0106fbd9" providerId="ADAL" clId="{D05EAF56-C8F0-4612-806C-93E1C27F1929}" dt="2024-01-25T09:34:46.181" v="0" actId="26606"/>
+          <ac:spMkLst>
+            <pc:docMk/>
+            <pc:sldMk cId="552267186" sldId="256"/>
+            <ac:spMk id="11" creationId="{B34F5AD2-EDBD-4BBD-A55C-EAFFD0C7097A}"/>
+          </ac:spMkLst>
+        </pc:spChg>
       </pc:sldChg>
-      <pc:sldChg chg="addSp delSp modSp add del mod">
-        <pc:chgData name="Ihor Aleksandrov" userId="c3051032-6b87-4db2-b257-777a0106fbd9" providerId="ADAL" clId="{DF783FCC-C35F-4D2C-B134-D1A27E72D448}" dt="2024-01-26T10:34:00.196" v="47"/>
+      <pc:sldChg chg="modSp mod">
+        <pc:chgData name="Ihor Aleksandrov" userId="c3051032-6b87-4db2-b257-777a0106fbd9" providerId="ADAL" clId="{D05EAF56-C8F0-4612-806C-93E1C27F1929}" dt="2024-01-25T11:00:29.329" v="160"/>
         <pc:sldMkLst>
           <pc:docMk/>
-          <pc:sldMk cId="4197480136" sldId="268"/>
+          <pc:sldMk cId="3569579791" sldId="265"/>
         </pc:sldMkLst>
         <pc:spChg chg="mod">
-          <ac:chgData name="Ihor Aleksandrov" userId="c3051032-6b87-4db2-b257-777a0106fbd9" providerId="ADAL" clId="{DF783FCC-C35F-4D2C-B134-D1A27E72D448}" dt="2024-01-26T10:32:58.017" v="35" actId="20577"/>
+          <ac:chgData name="Ihor Aleksandrov" userId="c3051032-6b87-4db2-b257-777a0106fbd9" providerId="ADAL" clId="{D05EAF56-C8F0-4612-806C-93E1C27F1929}" dt="2024-01-25T11:00:29.329" v="160"/>
           <ac:spMkLst>
             <pc:docMk/>
-            <pc:sldMk cId="4197480136" sldId="268"/>
+            <pc:sldMk cId="3569579791" sldId="265"/>
+            <ac:spMk id="2" creationId="{53C5D828-9666-E312-B574-9FE965A7D6BE}"/>
+          </ac:spMkLst>
+        </pc:spChg>
+      </pc:sldChg>
+      <pc:sldChg chg="addSp delSp modSp add mod">
+        <pc:chgData name="Ihor Aleksandrov" userId="c3051032-6b87-4db2-b257-777a0106fbd9" providerId="ADAL" clId="{D05EAF56-C8F0-4612-806C-93E1C27F1929}" dt="2024-01-25T10:19:44.220" v="11" actId="1076"/>
+        <pc:sldMkLst>
+          <pc:docMk/>
+          <pc:sldMk cId="3985704815" sldId="270"/>
+        </pc:sldMkLst>
+        <pc:spChg chg="mod">
+          <ac:chgData name="Ihor Aleksandrov" userId="c3051032-6b87-4db2-b257-777a0106fbd9" providerId="ADAL" clId="{D05EAF56-C8F0-4612-806C-93E1C27F1929}" dt="2024-01-25T10:19:15.861" v="6"/>
+          <ac:spMkLst>
+            <pc:docMk/>
+            <pc:sldMk cId="3985704815" sldId="270"/>
             <ac:spMk id="2" creationId="{53C5D828-9666-E312-B574-9FE965A7D6BE}"/>
           </ac:spMkLst>
         </pc:spChg>
         <pc:picChg chg="add mod">
-          <ac:chgData name="Ihor Aleksandrov" userId="c3051032-6b87-4db2-b257-777a0106fbd9" providerId="ADAL" clId="{DF783FCC-C35F-4D2C-B134-D1A27E72D448}" dt="2024-01-26T10:34:00.196" v="47"/>
+          <ac:chgData name="Ihor Aleksandrov" userId="c3051032-6b87-4db2-b257-777a0106fbd9" providerId="ADAL" clId="{D05EAF56-C8F0-4612-806C-93E1C27F1929}" dt="2024-01-25T10:19:44.220" v="11" actId="1076"/>
           <ac:picMkLst>
             <pc:docMk/>
-            <pc:sldMk cId="4197480136" sldId="268"/>
-            <ac:picMk id="5" creationId="{48B8D675-CA93-B1DA-C8B0-E9A8D9721494}"/>
+            <pc:sldMk cId="3985704815" sldId="270"/>
+            <ac:picMk id="5" creationId="{329D80B6-A19C-F87F-FE85-78E58BE79DFC}"/>
           </ac:picMkLst>
         </pc:picChg>
         <pc:picChg chg="del">
-          <ac:chgData name="Ihor Aleksandrov" userId="c3051032-6b87-4db2-b257-777a0106fbd9" providerId="ADAL" clId="{DF783FCC-C35F-4D2C-B134-D1A27E72D448}" dt="2024-01-26T10:33:12.173" v="36" actId="478"/>
+          <ac:chgData name="Ihor Aleksandrov" userId="c3051032-6b87-4db2-b257-777a0106fbd9" providerId="ADAL" clId="{D05EAF56-C8F0-4612-806C-93E1C27F1929}" dt="2024-01-25T10:19:18.657" v="7" actId="478"/>
           <ac:picMkLst>
             <pc:docMk/>
-            <pc:sldMk cId="4197480136" sldId="268"/>
-            <ac:picMk id="6" creationId="{96E01597-C9C0-8F09-1E61-63CEB43A5D58}"/>
+            <pc:sldMk cId="3985704815" sldId="270"/>
+            <ac:picMk id="6" creationId="{BDB4DD57-1DD7-48B1-ABFB-EE3016703034}"/>
           </ac:picMkLst>
         </pc:picChg>
       </pc:sldChg>
-      <pc:sldChg chg="modSp mod">
-        <pc:chgData name="Ihor Aleksandrov" userId="c3051032-6b87-4db2-b257-777a0106fbd9" providerId="ADAL" clId="{DF783FCC-C35F-4D2C-B134-D1A27E72D448}" dt="2024-01-26T09:35:41.705" v="4"/>
+      <pc:sldChg chg="addSp delSp modSp add mod">
+        <pc:chgData name="Ihor Aleksandrov" userId="c3051032-6b87-4db2-b257-777a0106fbd9" providerId="ADAL" clId="{D05EAF56-C8F0-4612-806C-93E1C27F1929}" dt="2024-01-25T10:21:34.770" v="23" actId="1076"/>
         <pc:sldMkLst>
           <pc:docMk/>
-          <pc:sldMk cId="2052164358" sldId="302"/>
+          <pc:sldMk cId="2117969225" sldId="271"/>
         </pc:sldMkLst>
         <pc:spChg chg="mod">
-          <ac:chgData name="Ihor Aleksandrov" userId="c3051032-6b87-4db2-b257-777a0106fbd9" providerId="ADAL" clId="{DF783FCC-C35F-4D2C-B134-D1A27E72D448}" dt="2024-01-26T09:35:41.705" v="4"/>
+          <ac:chgData name="Ihor Aleksandrov" userId="c3051032-6b87-4db2-b257-777a0106fbd9" providerId="ADAL" clId="{D05EAF56-C8F0-4612-806C-93E1C27F1929}" dt="2024-01-25T10:20:53.128" v="15"/>
           <ac:spMkLst>
             <pc:docMk/>
-            <pc:sldMk cId="2052164358" sldId="302"/>
-            <ac:spMk id="2" creationId="{5DF8ECE0-DBF5-C309-B35B-C6A0C6C847B2}"/>
+            <pc:sldMk cId="2117969225" sldId="271"/>
+            <ac:spMk id="2" creationId="{53C5D828-9666-E312-B574-9FE965A7D6BE}"/>
           </ac:spMkLst>
         </pc:spChg>
+        <pc:picChg chg="del">
+          <ac:chgData name="Ihor Aleksandrov" userId="c3051032-6b87-4db2-b257-777a0106fbd9" providerId="ADAL" clId="{D05EAF56-C8F0-4612-806C-93E1C27F1929}" dt="2024-01-25T10:21:32.921" v="22" actId="478"/>
+          <ac:picMkLst>
+            <pc:docMk/>
+            <pc:sldMk cId="2117969225" sldId="271"/>
+            <ac:picMk id="5" creationId="{329D80B6-A19C-F87F-FE85-78E58BE79DFC}"/>
+          </ac:picMkLst>
+        </pc:picChg>
+        <pc:picChg chg="add mod">
+          <ac:chgData name="Ihor Aleksandrov" userId="c3051032-6b87-4db2-b257-777a0106fbd9" providerId="ADAL" clId="{D05EAF56-C8F0-4612-806C-93E1C27F1929}" dt="2024-01-25T10:21:34.770" v="23" actId="1076"/>
+          <ac:picMkLst>
+            <pc:docMk/>
+            <pc:sldMk cId="2117969225" sldId="271"/>
+            <ac:picMk id="6" creationId="{4FAB23B6-5773-62B9-EF9A-E1E0562BE8E1}"/>
+          </ac:picMkLst>
+        </pc:picChg>
       </pc:sldChg>
-      <pc:sldChg chg="modSp mod">
-        <pc:chgData name="Ihor Aleksandrov" userId="c3051032-6b87-4db2-b257-777a0106fbd9" providerId="ADAL" clId="{DF783FCC-C35F-4D2C-B134-D1A27E72D448}" dt="2024-01-26T13:46:17.622" v="472" actId="14100"/>
+      <pc:sldChg chg="addSp delSp modSp add mod">
+        <pc:chgData name="Ihor Aleksandrov" userId="c3051032-6b87-4db2-b257-777a0106fbd9" providerId="ADAL" clId="{D05EAF56-C8F0-4612-806C-93E1C27F1929}" dt="2024-01-25T10:22:58.698" v="32" actId="1076"/>
         <pc:sldMkLst>
           <pc:docMk/>
-          <pc:sldMk cId="2972731808" sldId="303"/>
-        </pc:sldMkLst>
-        <pc:graphicFrameChg chg="mod">
-          <ac:chgData name="Ihor Aleksandrov" userId="c3051032-6b87-4db2-b257-777a0106fbd9" providerId="ADAL" clId="{DF783FCC-C35F-4D2C-B134-D1A27E72D448}" dt="2024-01-26T13:46:17.622" v="472" actId="14100"/>
-          <ac:graphicFrameMkLst>
-            <pc:docMk/>
-            <pc:sldMk cId="2972731808" sldId="303"/>
-            <ac:graphicFrameMk id="50" creationId="{438840ED-2B50-ED19-12CF-99B1789AE150}"/>
-          </ac:graphicFrameMkLst>
-        </pc:graphicFrameChg>
-      </pc:sldChg>
-      <pc:sldChg chg="add del">
-        <pc:chgData name="Ihor Aleksandrov" userId="c3051032-6b87-4db2-b257-777a0106fbd9" providerId="ADAL" clId="{DF783FCC-C35F-4D2C-B134-D1A27E72D448}" dt="2024-01-26T09:36:38.278" v="7" actId="2696"/>
-        <pc:sldMkLst>
-          <pc:docMk/>
-          <pc:sldMk cId="2437677464" sldId="304"/>
-        </pc:sldMkLst>
-      </pc:sldChg>
-      <pc:sldChg chg="addSp delSp modSp add mod">
-        <pc:chgData name="Ihor Aleksandrov" userId="c3051032-6b87-4db2-b257-777a0106fbd9" providerId="ADAL" clId="{DF783FCC-C35F-4D2C-B134-D1A27E72D448}" dt="2024-01-26T10:37:47.393" v="72" actId="1076"/>
-        <pc:sldMkLst>
-          <pc:docMk/>
-          <pc:sldMk cId="2663829398" sldId="304"/>
+          <pc:sldMk cId="1169417950" sldId="272"/>
         </pc:sldMkLst>
         <pc:spChg chg="mod">
-          <ac:chgData name="Ihor Aleksandrov" userId="c3051032-6b87-4db2-b257-777a0106fbd9" providerId="ADAL" clId="{DF783FCC-C35F-4D2C-B134-D1A27E72D448}" dt="2024-01-26T10:36:14.718" v="52"/>
+          <ac:chgData name="Ihor Aleksandrov" userId="c3051032-6b87-4db2-b257-777a0106fbd9" providerId="ADAL" clId="{D05EAF56-C8F0-4612-806C-93E1C27F1929}" dt="2024-01-25T10:22:37.334" v="27"/>
           <ac:spMkLst>
             <pc:docMk/>
-            <pc:sldMk cId="2663829398" sldId="304"/>
+            <pc:sldMk cId="1169417950" sldId="272"/>
             <ac:spMk id="2" creationId="{53C5D828-9666-E312-B574-9FE965A7D6BE}"/>
           </ac:spMkLst>
         </pc:spChg>
         <pc:picChg chg="add mod">
-          <ac:chgData name="Ihor Aleksandrov" userId="c3051032-6b87-4db2-b257-777a0106fbd9" providerId="ADAL" clId="{DF783FCC-C35F-4D2C-B134-D1A27E72D448}" dt="2024-01-26T10:37:47.393" v="72" actId="1076"/>
+          <ac:chgData name="Ihor Aleksandrov" userId="c3051032-6b87-4db2-b257-777a0106fbd9" providerId="ADAL" clId="{D05EAF56-C8F0-4612-806C-93E1C27F1929}" dt="2024-01-25T10:22:58.698" v="32" actId="1076"/>
           <ac:picMkLst>
             <pc:docMk/>
-            <pc:sldMk cId="2663829398" sldId="304"/>
-            <ac:picMk id="4" creationId="{FCFA766F-83CB-5C1C-AAE0-E7EBDC3565E1}"/>
+            <pc:sldMk cId="1169417950" sldId="272"/>
+            <ac:picMk id="5" creationId="{2673936C-DF0C-E6AF-ABCB-83A1EB8FE594}"/>
           </ac:picMkLst>
         </pc:picChg>
         <pc:picChg chg="del">
-          <ac:chgData name="Ihor Aleksandrov" userId="c3051032-6b87-4db2-b257-777a0106fbd9" providerId="ADAL" clId="{DF783FCC-C35F-4D2C-B134-D1A27E72D448}" dt="2024-01-26T10:36:17.274" v="53" actId="478"/>
+          <ac:chgData name="Ihor Aleksandrov" userId="c3051032-6b87-4db2-b257-777a0106fbd9" providerId="ADAL" clId="{D05EAF56-C8F0-4612-806C-93E1C27F1929}" dt="2024-01-25T10:22:48.916" v="28" actId="478"/>
           <ac:picMkLst>
             <pc:docMk/>
-            <pc:sldMk cId="2663829398" sldId="304"/>
-            <ac:picMk id="5" creationId="{48B8D675-CA93-B1DA-C8B0-E9A8D9721494}"/>
+            <pc:sldMk cId="1169417950" sldId="272"/>
+            <ac:picMk id="6" creationId="{4FAB23B6-5773-62B9-EF9A-E1E0562BE8E1}"/>
           </ac:picMkLst>
         </pc:picChg>
       </pc:sldChg>
       <pc:sldChg chg="addSp delSp modSp add mod">
-        <pc:chgData name="Ihor Aleksandrov" userId="c3051032-6b87-4db2-b257-777a0106fbd9" providerId="ADAL" clId="{DF783FCC-C35F-4D2C-B134-D1A27E72D448}" dt="2024-01-26T11:02:50.166" v="113" actId="1036"/>
+        <pc:chgData name="Ihor Aleksandrov" userId="c3051032-6b87-4db2-b257-777a0106fbd9" providerId="ADAL" clId="{D05EAF56-C8F0-4612-806C-93E1C27F1929}" dt="2024-01-25T10:24:25.717" v="41" actId="1076"/>
         <pc:sldMkLst>
           <pc:docMk/>
-          <pc:sldMk cId="90847877" sldId="305"/>
+          <pc:sldMk cId="22639359" sldId="273"/>
         </pc:sldMkLst>
         <pc:spChg chg="mod">
-          <ac:chgData name="Ihor Aleksandrov" userId="c3051032-6b87-4db2-b257-777a0106fbd9" providerId="ADAL" clId="{DF783FCC-C35F-4D2C-B134-D1A27E72D448}" dt="2024-01-26T11:00:56.843" v="75" actId="20577"/>
+          <ac:chgData name="Ihor Aleksandrov" userId="c3051032-6b87-4db2-b257-777a0106fbd9" providerId="ADAL" clId="{D05EAF56-C8F0-4612-806C-93E1C27F1929}" dt="2024-01-25T10:24:04.948" v="36"/>
           <ac:spMkLst>
             <pc:docMk/>
-            <pc:sldMk cId="90847877" sldId="305"/>
+            <pc:sldMk cId="22639359" sldId="273"/>
             <ac:spMk id="2" creationId="{53C5D828-9666-E312-B574-9FE965A7D6BE}"/>
           </ac:spMkLst>
         </pc:spChg>
         <pc:picChg chg="del">
-          <ac:chgData name="Ihor Aleksandrov" userId="c3051032-6b87-4db2-b257-777a0106fbd9" providerId="ADAL" clId="{DF783FCC-C35F-4D2C-B134-D1A27E72D448}" dt="2024-01-26T11:01:32.422" v="76" actId="478"/>
+          <ac:chgData name="Ihor Aleksandrov" userId="c3051032-6b87-4db2-b257-777a0106fbd9" providerId="ADAL" clId="{D05EAF56-C8F0-4612-806C-93E1C27F1929}" dt="2024-01-25T10:24:16.672" v="37" actId="478"/>
           <ac:picMkLst>
             <pc:docMk/>
-            <pc:sldMk cId="90847877" sldId="305"/>
-            <ac:picMk id="4" creationId="{FCFA766F-83CB-5C1C-AAE0-E7EBDC3565E1}"/>
+            <pc:sldMk cId="22639359" sldId="273"/>
+            <ac:picMk id="5" creationId="{2673936C-DF0C-E6AF-ABCB-83A1EB8FE594}"/>
           </ac:picMkLst>
         </pc:picChg>
         <pc:picChg chg="add mod">
-          <ac:chgData name="Ihor Aleksandrov" userId="c3051032-6b87-4db2-b257-777a0106fbd9" providerId="ADAL" clId="{DF783FCC-C35F-4D2C-B134-D1A27E72D448}" dt="2024-01-26T11:02:07.815" v="78" actId="1076"/>
+          <ac:chgData name="Ihor Aleksandrov" userId="c3051032-6b87-4db2-b257-777a0106fbd9" providerId="ADAL" clId="{D05EAF56-C8F0-4612-806C-93E1C27F1929}" dt="2024-01-25T10:24:25.717" v="41" actId="1076"/>
           <ac:picMkLst>
             <pc:docMk/>
-            <pc:sldMk cId="90847877" sldId="305"/>
-            <ac:picMk id="6" creationId="{8E098978-CBA3-C53D-2AC7-6E736F346038}"/>
-          </ac:picMkLst>
-        </pc:picChg>
-        <pc:picChg chg="add mod">
-          <ac:chgData name="Ihor Aleksandrov" userId="c3051032-6b87-4db2-b257-777a0106fbd9" providerId="ADAL" clId="{DF783FCC-C35F-4D2C-B134-D1A27E72D448}" dt="2024-01-26T11:02:23.689" v="89" actId="1036"/>
-          <ac:picMkLst>
-            <pc:docMk/>
-            <pc:sldMk cId="90847877" sldId="305"/>
-            <ac:picMk id="8" creationId="{048150D0-EEA6-F03D-53F3-560A3ECE73ED}"/>
-          </ac:picMkLst>
-        </pc:picChg>
-        <pc:picChg chg="add mod">
-          <ac:chgData name="Ihor Aleksandrov" userId="c3051032-6b87-4db2-b257-777a0106fbd9" providerId="ADAL" clId="{DF783FCC-C35F-4D2C-B134-D1A27E72D448}" dt="2024-01-26T11:02:50.166" v="113" actId="1036"/>
-          <ac:picMkLst>
-            <pc:docMk/>
-            <pc:sldMk cId="90847877" sldId="305"/>
-            <ac:picMk id="10" creationId="{0D805EFE-1FBF-FD52-8DDC-4879878D0844}"/>
+            <pc:sldMk cId="22639359" sldId="273"/>
+            <ac:picMk id="6" creationId="{F57DB18D-BCA3-CA46-401F-99D6D9BB7754}"/>
           </ac:picMkLst>
         </pc:picChg>
       </pc:sldChg>
-      <pc:sldChg chg="add del">
-        <pc:chgData name="Ihor Aleksandrov" userId="c3051032-6b87-4db2-b257-777a0106fbd9" providerId="ADAL" clId="{DF783FCC-C35F-4D2C-B134-D1A27E72D448}" dt="2024-01-26T09:36:38.278" v="7" actId="2696"/>
+      <pc:sldChg chg="addSp delSp modSp add mod">
+        <pc:chgData name="Ihor Aleksandrov" userId="c3051032-6b87-4db2-b257-777a0106fbd9" providerId="ADAL" clId="{D05EAF56-C8F0-4612-806C-93E1C27F1929}" dt="2024-01-25T10:26:48.038" v="50" actId="1076"/>
         <pc:sldMkLst>
           <pc:docMk/>
-          <pc:sldMk cId="3615190178" sldId="305"/>
-        </pc:sldMkLst>
-      </pc:sldChg>
-      <pc:sldChg chg="addSp delSp modSp add mod">
-        <pc:chgData name="Ihor Aleksandrov" userId="c3051032-6b87-4db2-b257-777a0106fbd9" providerId="ADAL" clId="{DF783FCC-C35F-4D2C-B134-D1A27E72D448}" dt="2024-01-26T11:08:25.726" v="126" actId="1076"/>
-        <pc:sldMkLst>
-          <pc:docMk/>
-          <pc:sldMk cId="420494837" sldId="306"/>
+          <pc:sldMk cId="2169937468" sldId="274"/>
         </pc:sldMkLst>
         <pc:spChg chg="mod">
-          <ac:chgData name="Ihor Aleksandrov" userId="c3051032-6b87-4db2-b257-777a0106fbd9" providerId="ADAL" clId="{DF783FCC-C35F-4D2C-B134-D1A27E72D448}" dt="2024-01-26T11:05:03.395" v="117" actId="20577"/>
+          <ac:chgData name="Ihor Aleksandrov" userId="c3051032-6b87-4db2-b257-777a0106fbd9" providerId="ADAL" clId="{D05EAF56-C8F0-4612-806C-93E1C27F1929}" dt="2024-01-25T10:26:26.621" v="45"/>
           <ac:spMkLst>
             <pc:docMk/>
-            <pc:sldMk cId="420494837" sldId="306"/>
+            <pc:sldMk cId="2169937468" sldId="274"/>
             <ac:spMk id="2" creationId="{53C5D828-9666-E312-B574-9FE965A7D6BE}"/>
           </ac:spMkLst>
         </pc:spChg>
         <pc:picChg chg="add mod">
-          <ac:chgData name="Ihor Aleksandrov" userId="c3051032-6b87-4db2-b257-777a0106fbd9" providerId="ADAL" clId="{DF783FCC-C35F-4D2C-B134-D1A27E72D448}" dt="2024-01-26T11:08:16.399" v="123" actId="1076"/>
+          <ac:chgData name="Ihor Aleksandrov" userId="c3051032-6b87-4db2-b257-777a0106fbd9" providerId="ADAL" clId="{D05EAF56-C8F0-4612-806C-93E1C27F1929}" dt="2024-01-25T10:26:48.038" v="50" actId="1076"/>
           <ac:picMkLst>
             <pc:docMk/>
-            <pc:sldMk cId="420494837" sldId="306"/>
-            <ac:picMk id="5" creationId="{F9F6D8B4-95C0-C160-F6BC-F60E1B8389DC}"/>
+            <pc:sldMk cId="2169937468" sldId="274"/>
+            <ac:picMk id="5" creationId="{9A572A88-7842-99D5-9802-EEA8606516CC}"/>
           </ac:picMkLst>
         </pc:picChg>
         <pc:picChg chg="del">
-          <ac:chgData name="Ihor Aleksandrov" userId="c3051032-6b87-4db2-b257-777a0106fbd9" providerId="ADAL" clId="{DF783FCC-C35F-4D2C-B134-D1A27E72D448}" dt="2024-01-26T11:05:47.639" v="118" actId="478"/>
+          <ac:chgData name="Ihor Aleksandrov" userId="c3051032-6b87-4db2-b257-777a0106fbd9" providerId="ADAL" clId="{D05EAF56-C8F0-4612-806C-93E1C27F1929}" dt="2024-01-25T10:26:41.517" v="48" actId="478"/>
           <ac:picMkLst>
             <pc:docMk/>
-            <pc:sldMk cId="420494837" sldId="306"/>
-            <ac:picMk id="6" creationId="{8E098978-CBA3-C53D-2AC7-6E736F346038}"/>
-          </ac:picMkLst>
-        </pc:picChg>
-        <pc:picChg chg="del">
-          <ac:chgData name="Ihor Aleksandrov" userId="c3051032-6b87-4db2-b257-777a0106fbd9" providerId="ADAL" clId="{DF783FCC-C35F-4D2C-B134-D1A27E72D448}" dt="2024-01-26T11:05:49.948" v="119" actId="478"/>
-          <ac:picMkLst>
-            <pc:docMk/>
-            <pc:sldMk cId="420494837" sldId="306"/>
-            <ac:picMk id="8" creationId="{048150D0-EEA6-F03D-53F3-560A3ECE73ED}"/>
-          </ac:picMkLst>
-        </pc:picChg>
-        <pc:picChg chg="add mod">
-          <ac:chgData name="Ihor Aleksandrov" userId="c3051032-6b87-4db2-b257-777a0106fbd9" providerId="ADAL" clId="{DF783FCC-C35F-4D2C-B134-D1A27E72D448}" dt="2024-01-26T11:08:25.726" v="126" actId="1076"/>
-          <ac:picMkLst>
-            <pc:docMk/>
-            <pc:sldMk cId="420494837" sldId="306"/>
-            <ac:picMk id="9" creationId="{8DE22683-1DCE-F916-E898-47CF6229B7CE}"/>
-          </ac:picMkLst>
-        </pc:picChg>
-        <pc:picChg chg="del">
-          <ac:chgData name="Ihor Aleksandrov" userId="c3051032-6b87-4db2-b257-777a0106fbd9" providerId="ADAL" clId="{DF783FCC-C35F-4D2C-B134-D1A27E72D448}" dt="2024-01-26T11:05:53.464" v="120" actId="478"/>
-          <ac:picMkLst>
-            <pc:docMk/>
-            <pc:sldMk cId="420494837" sldId="306"/>
-            <ac:picMk id="10" creationId="{0D805EFE-1FBF-FD52-8DDC-4879878D0844}"/>
+            <pc:sldMk cId="2169937468" sldId="274"/>
+            <ac:picMk id="6" creationId="{F57DB18D-BCA3-CA46-401F-99D6D9BB7754}"/>
           </ac:picMkLst>
         </pc:picChg>
       </pc:sldChg>
-      <pc:sldChg chg="add del">
-        <pc:chgData name="Ihor Aleksandrov" userId="c3051032-6b87-4db2-b257-777a0106fbd9" providerId="ADAL" clId="{DF783FCC-C35F-4D2C-B134-D1A27E72D448}" dt="2024-01-26T09:36:38.278" v="7" actId="2696"/>
+      <pc:sldChg chg="addSp delSp modSp add mod">
+        <pc:chgData name="Ihor Aleksandrov" userId="c3051032-6b87-4db2-b257-777a0106fbd9" providerId="ADAL" clId="{D05EAF56-C8F0-4612-806C-93E1C27F1929}" dt="2024-01-25T10:28:26.836" v="62" actId="1076"/>
         <pc:sldMkLst>
           <pc:docMk/>
-          <pc:sldMk cId="1836256656" sldId="306"/>
-        </pc:sldMkLst>
-      </pc:sldChg>
-      <pc:sldChg chg="add del">
-        <pc:chgData name="Ihor Aleksandrov" userId="c3051032-6b87-4db2-b257-777a0106fbd9" providerId="ADAL" clId="{DF783FCC-C35F-4D2C-B134-D1A27E72D448}" dt="2024-01-26T09:36:38.278" v="7" actId="2696"/>
-        <pc:sldMkLst>
-          <pc:docMk/>
-          <pc:sldMk cId="198741980" sldId="307"/>
-        </pc:sldMkLst>
-      </pc:sldChg>
-      <pc:sldChg chg="addSp delSp modSp add mod">
-        <pc:chgData name="Ihor Aleksandrov" userId="c3051032-6b87-4db2-b257-777a0106fbd9" providerId="ADAL" clId="{DF783FCC-C35F-4D2C-B134-D1A27E72D448}" dt="2024-01-26T11:13:08.952" v="138" actId="1076"/>
-        <pc:sldMkLst>
-          <pc:docMk/>
-          <pc:sldMk cId="1938047355" sldId="307"/>
+          <pc:sldMk cId="3976992233" sldId="275"/>
         </pc:sldMkLst>
         <pc:spChg chg="mod">
-          <ac:chgData name="Ihor Aleksandrov" userId="c3051032-6b87-4db2-b257-777a0106fbd9" providerId="ADAL" clId="{DF783FCC-C35F-4D2C-B134-D1A27E72D448}" dt="2024-01-26T11:11:00.832" v="133" actId="20577"/>
+          <ac:chgData name="Ihor Aleksandrov" userId="c3051032-6b87-4db2-b257-777a0106fbd9" providerId="ADAL" clId="{D05EAF56-C8F0-4612-806C-93E1C27F1929}" dt="2024-01-25T10:28:02.805" v="55" actId="27636"/>
           <ac:spMkLst>
             <pc:docMk/>
-            <pc:sldMk cId="1938047355" sldId="307"/>
+            <pc:sldMk cId="3976992233" sldId="275"/>
             <ac:spMk id="2" creationId="{53C5D828-9666-E312-B574-9FE965A7D6BE}"/>
           </ac:spMkLst>
         </pc:spChg>
         <pc:picChg chg="del">
-          <ac:chgData name="Ihor Aleksandrov" userId="c3051032-6b87-4db2-b257-777a0106fbd9" providerId="ADAL" clId="{DF783FCC-C35F-4D2C-B134-D1A27E72D448}" dt="2024-01-26T11:11:31.596" v="134" actId="478"/>
+          <ac:chgData name="Ihor Aleksandrov" userId="c3051032-6b87-4db2-b257-777a0106fbd9" providerId="ADAL" clId="{D05EAF56-C8F0-4612-806C-93E1C27F1929}" dt="2024-01-25T10:28:04.538" v="56" actId="478"/>
           <ac:picMkLst>
             <pc:docMk/>
-            <pc:sldMk cId="1938047355" sldId="307"/>
-            <ac:picMk id="5" creationId="{F9F6D8B4-95C0-C160-F6BC-F60E1B8389DC}"/>
+            <pc:sldMk cId="3976992233" sldId="275"/>
+            <ac:picMk id="5" creationId="{9A572A88-7842-99D5-9802-EEA8606516CC}"/>
           </ac:picMkLst>
         </pc:picChg>
         <pc:picChg chg="add mod">
-          <ac:chgData name="Ihor Aleksandrov" userId="c3051032-6b87-4db2-b257-777a0106fbd9" providerId="ADAL" clId="{DF783FCC-C35F-4D2C-B134-D1A27E72D448}" dt="2024-01-26T11:13:08.952" v="138" actId="1076"/>
+          <ac:chgData name="Ihor Aleksandrov" userId="c3051032-6b87-4db2-b257-777a0106fbd9" providerId="ADAL" clId="{D05EAF56-C8F0-4612-806C-93E1C27F1929}" dt="2024-01-25T10:28:26.836" v="62" actId="1076"/>
           <ac:picMkLst>
             <pc:docMk/>
-            <pc:sldMk cId="1938047355" sldId="307"/>
-            <ac:picMk id="6" creationId="{9E283F72-3A1C-C9B6-B2F7-8739C40F746A}"/>
+            <pc:sldMk cId="3976992233" sldId="275"/>
+            <ac:picMk id="6" creationId="{76FE2D85-671A-24B1-C1D7-52F796E16C69}"/>
+          </ac:picMkLst>
+        </pc:picChg>
+      </pc:sldChg>
+      <pc:sldChg chg="addSp delSp modSp add mod ord">
+        <pc:chgData name="Ihor Aleksandrov" userId="c3051032-6b87-4db2-b257-777a0106fbd9" providerId="ADAL" clId="{D05EAF56-C8F0-4612-806C-93E1C27F1929}" dt="2024-01-25T10:48:12.411" v="112"/>
+        <pc:sldMkLst>
+          <pc:docMk/>
+          <pc:sldMk cId="2135561016" sldId="276"/>
+        </pc:sldMkLst>
+        <pc:spChg chg="mod">
+          <ac:chgData name="Ihor Aleksandrov" userId="c3051032-6b87-4db2-b257-777a0106fbd9" providerId="ADAL" clId="{D05EAF56-C8F0-4612-806C-93E1C27F1929}" dt="2024-01-25T10:32:37.109" v="72"/>
+          <ac:spMkLst>
+            <pc:docMk/>
+            <pc:sldMk cId="2135561016" sldId="276"/>
+            <ac:spMk id="2" creationId="{18C18207-A109-5552-1541-0ABBAA316282}"/>
+          </ac:spMkLst>
+        </pc:spChg>
+        <pc:spChg chg="del">
+          <ac:chgData name="Ihor Aleksandrov" userId="c3051032-6b87-4db2-b257-777a0106fbd9" providerId="ADAL" clId="{D05EAF56-C8F0-4612-806C-93E1C27F1929}" dt="2024-01-25T10:46:20.989" v="100" actId="478"/>
+          <ac:spMkLst>
+            <pc:docMk/>
+            <pc:sldMk cId="2135561016" sldId="276"/>
+            <ac:spMk id="3" creationId="{3473E1D3-7401-AD94-5C7A-49912FA8005A}"/>
+          </ac:spMkLst>
+        </pc:spChg>
+        <pc:picChg chg="add mod">
+          <ac:chgData name="Ihor Aleksandrov" userId="c3051032-6b87-4db2-b257-777a0106fbd9" providerId="ADAL" clId="{D05EAF56-C8F0-4612-806C-93E1C27F1929}" dt="2024-01-25T10:48:12.411" v="112"/>
+          <ac:picMkLst>
+            <pc:docMk/>
+            <pc:sldMk cId="2135561016" sldId="276"/>
+            <ac:picMk id="6" creationId="{BA86DDBB-D80D-1005-2EB0-33056830C288}"/>
+          </ac:picMkLst>
+        </pc:picChg>
+      </pc:sldChg>
+      <pc:sldChg chg="addSp delSp modSp add mod ord">
+        <pc:chgData name="Ihor Aleksandrov" userId="c3051032-6b87-4db2-b257-777a0106fbd9" providerId="ADAL" clId="{D05EAF56-C8F0-4612-806C-93E1C27F1929}" dt="2024-01-25T10:35:32.671" v="88" actId="1076"/>
+        <pc:sldMkLst>
+          <pc:docMk/>
+          <pc:sldMk cId="3216895555" sldId="277"/>
+        </pc:sldMkLst>
+        <pc:spChg chg="mod">
+          <ac:chgData name="Ihor Aleksandrov" userId="c3051032-6b87-4db2-b257-777a0106fbd9" providerId="ADAL" clId="{D05EAF56-C8F0-4612-806C-93E1C27F1929}" dt="2024-01-25T10:34:55.016" v="80" actId="27636"/>
+          <ac:spMkLst>
+            <pc:docMk/>
+            <pc:sldMk cId="3216895555" sldId="277"/>
+            <ac:spMk id="2" creationId="{53C5D828-9666-E312-B574-9FE965A7D6BE}"/>
+          </ac:spMkLst>
+        </pc:spChg>
+        <pc:picChg chg="add mod">
+          <ac:chgData name="Ihor Aleksandrov" userId="c3051032-6b87-4db2-b257-777a0106fbd9" providerId="ADAL" clId="{D05EAF56-C8F0-4612-806C-93E1C27F1929}" dt="2024-01-25T10:35:32.671" v="88" actId="1076"/>
+          <ac:picMkLst>
+            <pc:docMk/>
+            <pc:sldMk cId="3216895555" sldId="277"/>
+            <ac:picMk id="5" creationId="{523B5826-3FED-E033-7A50-454B720EF960}"/>
           </ac:picMkLst>
         </pc:picChg>
         <pc:picChg chg="del">
-          <ac:chgData name="Ihor Aleksandrov" userId="c3051032-6b87-4db2-b257-777a0106fbd9" providerId="ADAL" clId="{DF783FCC-C35F-4D2C-B134-D1A27E72D448}" dt="2024-01-26T11:11:33.613" v="135" actId="478"/>
+          <ac:chgData name="Ihor Aleksandrov" userId="c3051032-6b87-4db2-b257-777a0106fbd9" providerId="ADAL" clId="{D05EAF56-C8F0-4612-806C-93E1C27F1929}" dt="2024-01-25T10:35:17.826" v="82" actId="478"/>
           <ac:picMkLst>
             <pc:docMk/>
-            <pc:sldMk cId="1938047355" sldId="307"/>
-            <ac:picMk id="9" creationId="{8DE22683-1DCE-F916-E898-47CF6229B7CE}"/>
-          </ac:picMkLst>
-        </pc:picChg>
-      </pc:sldChg>
-      <pc:sldChg chg="add del">
-        <pc:chgData name="Ihor Aleksandrov" userId="c3051032-6b87-4db2-b257-777a0106fbd9" providerId="ADAL" clId="{DF783FCC-C35F-4D2C-B134-D1A27E72D448}" dt="2024-01-26T09:36:41.344" v="8" actId="2696"/>
-        <pc:sldMkLst>
-          <pc:docMk/>
-          <pc:sldMk cId="2347286244" sldId="308"/>
-        </pc:sldMkLst>
-      </pc:sldChg>
-      <pc:sldChg chg="addSp delSp modSp add mod">
-        <pc:chgData name="Ihor Aleksandrov" userId="c3051032-6b87-4db2-b257-777a0106fbd9" providerId="ADAL" clId="{DF783FCC-C35F-4D2C-B134-D1A27E72D448}" dt="2024-01-26T13:49:38.017" v="476" actId="1076"/>
-        <pc:sldMkLst>
-          <pc:docMk/>
-          <pc:sldMk cId="4274413980" sldId="308"/>
-        </pc:sldMkLst>
-        <pc:spChg chg="mod">
-          <ac:chgData name="Ihor Aleksandrov" userId="c3051032-6b87-4db2-b257-777a0106fbd9" providerId="ADAL" clId="{DF783FCC-C35F-4D2C-B134-D1A27E72D448}" dt="2024-01-26T11:17:29.617" v="150" actId="20577"/>
-          <ac:spMkLst>
-            <pc:docMk/>
-            <pc:sldMk cId="4274413980" sldId="308"/>
-            <ac:spMk id="2" creationId="{53C5D828-9666-E312-B574-9FE965A7D6BE}"/>
-          </ac:spMkLst>
-        </pc:spChg>
-        <pc:spChg chg="add del">
-          <ac:chgData name="Ihor Aleksandrov" userId="c3051032-6b87-4db2-b257-777a0106fbd9" providerId="ADAL" clId="{DF783FCC-C35F-4D2C-B134-D1A27E72D448}" dt="2024-01-26T13:49:34.226" v="475" actId="478"/>
-          <ac:spMkLst>
-            <pc:docMk/>
-            <pc:sldMk cId="4274413980" sldId="308"/>
-            <ac:spMk id="4" creationId="{91F87B49-5965-0686-132C-82FF71BF90C4}"/>
-          </ac:spMkLst>
-        </pc:spChg>
-        <pc:picChg chg="add mod">
-          <ac:chgData name="Ihor Aleksandrov" userId="c3051032-6b87-4db2-b257-777a0106fbd9" providerId="ADAL" clId="{DF783FCC-C35F-4D2C-B134-D1A27E72D448}" dt="2024-01-26T13:49:38.017" v="476" actId="1076"/>
-          <ac:picMkLst>
-            <pc:docMk/>
-            <pc:sldMk cId="4274413980" sldId="308"/>
-            <ac:picMk id="5" creationId="{CE7009DE-0262-AC3D-D9CE-67DDCC6CEE93}"/>
-          </ac:picMkLst>
-        </pc:picChg>
-        <pc:picChg chg="del">
-          <ac:chgData name="Ihor Aleksandrov" userId="c3051032-6b87-4db2-b257-777a0106fbd9" providerId="ADAL" clId="{DF783FCC-C35F-4D2C-B134-D1A27E72D448}" dt="2024-01-26T11:14:40.895" v="149" actId="478"/>
-          <ac:picMkLst>
-            <pc:docMk/>
-            <pc:sldMk cId="4274413980" sldId="308"/>
-            <ac:picMk id="6" creationId="{9E283F72-3A1C-C9B6-B2F7-8739C40F746A}"/>
+            <pc:sldMk cId="3216895555" sldId="277"/>
+            <ac:picMk id="6" creationId="{76FE2D85-671A-24B1-C1D7-52F796E16C69}"/>
           </ac:picMkLst>
         </pc:picChg>
       </pc:sldChg>
       <pc:sldChg chg="addSp delSp modSp add mod">
-        <pc:chgData name="Ihor Aleksandrov" userId="c3051032-6b87-4db2-b257-777a0106fbd9" providerId="ADAL" clId="{DF783FCC-C35F-4D2C-B134-D1A27E72D448}" dt="2024-01-26T11:21:29.316" v="167" actId="1076"/>
+        <pc:chgData name="Ihor Aleksandrov" userId="c3051032-6b87-4db2-b257-777a0106fbd9" providerId="ADAL" clId="{D05EAF56-C8F0-4612-806C-93E1C27F1929}" dt="2024-01-25T10:43:44.832" v="99" actId="1076"/>
         <pc:sldMkLst>
           <pc:docMk/>
-          <pc:sldMk cId="3572219502" sldId="309"/>
+          <pc:sldMk cId="1506611494" sldId="278"/>
         </pc:sldMkLst>
         <pc:spChg chg="mod">
-          <ac:chgData name="Ihor Aleksandrov" userId="c3051032-6b87-4db2-b257-777a0106fbd9" providerId="ADAL" clId="{DF783FCC-C35F-4D2C-B134-D1A27E72D448}" dt="2024-01-26T11:20:09.576" v="160" actId="20577"/>
+          <ac:chgData name="Ihor Aleksandrov" userId="c3051032-6b87-4db2-b257-777a0106fbd9" providerId="ADAL" clId="{D05EAF56-C8F0-4612-806C-93E1C27F1929}" dt="2024-01-25T10:40:14.102" v="94"/>
           <ac:spMkLst>
             <pc:docMk/>
-            <pc:sldMk cId="3572219502" sldId="309"/>
+            <pc:sldMk cId="1506611494" sldId="278"/>
+            <ac:spMk id="2" creationId="{53C5D828-9666-E312-B574-9FE965A7D6BE}"/>
+          </ac:spMkLst>
+        </pc:spChg>
+        <pc:picChg chg="del">
+          <ac:chgData name="Ihor Aleksandrov" userId="c3051032-6b87-4db2-b257-777a0106fbd9" providerId="ADAL" clId="{D05EAF56-C8F0-4612-806C-93E1C27F1929}" dt="2024-01-25T10:43:36.501" v="95" actId="478"/>
+          <ac:picMkLst>
+            <pc:docMk/>
+            <pc:sldMk cId="1506611494" sldId="278"/>
+            <ac:picMk id="5" creationId="{523B5826-3FED-E033-7A50-454B720EF960}"/>
+          </ac:picMkLst>
+        </pc:picChg>
+        <pc:picChg chg="add mod">
+          <ac:chgData name="Ihor Aleksandrov" userId="c3051032-6b87-4db2-b257-777a0106fbd9" providerId="ADAL" clId="{D05EAF56-C8F0-4612-806C-93E1C27F1929}" dt="2024-01-25T10:43:44.832" v="99" actId="1076"/>
+          <ac:picMkLst>
+            <pc:docMk/>
+            <pc:sldMk cId="1506611494" sldId="278"/>
+            <ac:picMk id="6" creationId="{F7B4799B-BEB4-BC82-1CD6-CE4E3725E9A6}"/>
+          </ac:picMkLst>
+        </pc:picChg>
+      </pc:sldChg>
+      <pc:sldChg chg="addSp delSp modSp add mod">
+        <pc:chgData name="Ihor Aleksandrov" userId="c3051032-6b87-4db2-b257-777a0106fbd9" providerId="ADAL" clId="{D05EAF56-C8F0-4612-806C-93E1C27F1929}" dt="2024-01-25T10:49:48.310" v="120"/>
+        <pc:sldMkLst>
+          <pc:docMk/>
+          <pc:sldMk cId="3864832451" sldId="279"/>
+        </pc:sldMkLst>
+        <pc:spChg chg="mod">
+          <ac:chgData name="Ihor Aleksandrov" userId="c3051032-6b87-4db2-b257-777a0106fbd9" providerId="ADAL" clId="{D05EAF56-C8F0-4612-806C-93E1C27F1929}" dt="2024-01-25T10:49:48.310" v="120"/>
+          <ac:spMkLst>
+            <pc:docMk/>
+            <pc:sldMk cId="3864832451" sldId="279"/>
+            <ac:spMk id="2" creationId="{53C5D828-9666-E312-B574-9FE965A7D6BE}"/>
+          </ac:spMkLst>
+        </pc:spChg>
+        <pc:picChg chg="add mod">
+          <ac:chgData name="Ihor Aleksandrov" userId="c3051032-6b87-4db2-b257-777a0106fbd9" providerId="ADAL" clId="{D05EAF56-C8F0-4612-806C-93E1C27F1929}" dt="2024-01-25T10:49:09.073" v="117" actId="1076"/>
+          <ac:picMkLst>
+            <pc:docMk/>
+            <pc:sldMk cId="3864832451" sldId="279"/>
+            <ac:picMk id="5" creationId="{C7472C97-E950-C6C2-19AE-07ECFA5C4C69}"/>
+          </ac:picMkLst>
+        </pc:picChg>
+        <pc:picChg chg="del">
+          <ac:chgData name="Ihor Aleksandrov" userId="c3051032-6b87-4db2-b257-777a0106fbd9" providerId="ADAL" clId="{D05EAF56-C8F0-4612-806C-93E1C27F1929}" dt="2024-01-25T10:48:53.887" v="114" actId="478"/>
+          <ac:picMkLst>
+            <pc:docMk/>
+            <pc:sldMk cId="3864832451" sldId="279"/>
+            <ac:picMk id="6" creationId="{F7B4799B-BEB4-BC82-1CD6-CE4E3725E9A6}"/>
+          </ac:picMkLst>
+        </pc:picChg>
+      </pc:sldChg>
+      <pc:sldChg chg="addSp delSp modSp add mod">
+        <pc:chgData name="Ihor Aleksandrov" userId="c3051032-6b87-4db2-b257-777a0106fbd9" providerId="ADAL" clId="{D05EAF56-C8F0-4612-806C-93E1C27F1929}" dt="2024-01-25T10:51:39.984" v="127" actId="1076"/>
+        <pc:sldMkLst>
+          <pc:docMk/>
+          <pc:sldMk cId="2194478224" sldId="280"/>
+        </pc:sldMkLst>
+        <pc:spChg chg="mod">
+          <ac:chgData name="Ihor Aleksandrov" userId="c3051032-6b87-4db2-b257-777a0106fbd9" providerId="ADAL" clId="{D05EAF56-C8F0-4612-806C-93E1C27F1929}" dt="2024-01-25T10:51:25.127" v="124"/>
+          <ac:spMkLst>
+            <pc:docMk/>
+            <pc:sldMk cId="2194478224" sldId="280"/>
+            <ac:spMk id="2" creationId="{53C5D828-9666-E312-B574-9FE965A7D6BE}"/>
+          </ac:spMkLst>
+        </pc:spChg>
+        <pc:picChg chg="add mod">
+          <ac:chgData name="Ihor Aleksandrov" userId="c3051032-6b87-4db2-b257-777a0106fbd9" providerId="ADAL" clId="{D05EAF56-C8F0-4612-806C-93E1C27F1929}" dt="2024-01-25T10:51:39.984" v="127" actId="1076"/>
+          <ac:picMkLst>
+            <pc:docMk/>
+            <pc:sldMk cId="2194478224" sldId="280"/>
+            <ac:picMk id="4" creationId="{8F2E114A-EFDE-8D45-E482-1B0918ACBF79}"/>
+          </ac:picMkLst>
+        </pc:picChg>
+        <pc:picChg chg="del">
+          <ac:chgData name="Ihor Aleksandrov" userId="c3051032-6b87-4db2-b257-777a0106fbd9" providerId="ADAL" clId="{D05EAF56-C8F0-4612-806C-93E1C27F1929}" dt="2024-01-25T10:51:26.612" v="125" actId="478"/>
+          <ac:picMkLst>
+            <pc:docMk/>
+            <pc:sldMk cId="2194478224" sldId="280"/>
+            <ac:picMk id="5" creationId="{C7472C97-E950-C6C2-19AE-07ECFA5C4C69}"/>
+          </ac:picMkLst>
+        </pc:picChg>
+      </pc:sldChg>
+      <pc:sldChg chg="delSp modSp add mod ord">
+        <pc:chgData name="Ihor Aleksandrov" userId="c3051032-6b87-4db2-b257-777a0106fbd9" providerId="ADAL" clId="{D05EAF56-C8F0-4612-806C-93E1C27F1929}" dt="2024-01-25T10:53:57.961" v="142" actId="20577"/>
+        <pc:sldMkLst>
+          <pc:docMk/>
+          <pc:sldMk cId="2205366352" sldId="281"/>
+        </pc:sldMkLst>
+        <pc:spChg chg="mod">
+          <ac:chgData name="Ihor Aleksandrov" userId="c3051032-6b87-4db2-b257-777a0106fbd9" providerId="ADAL" clId="{D05EAF56-C8F0-4612-806C-93E1C27F1929}" dt="2024-01-25T10:53:57.961" v="142" actId="20577"/>
+          <ac:spMkLst>
+            <pc:docMk/>
+            <pc:sldMk cId="2205366352" sldId="281"/>
+            <ac:spMk id="2" creationId="{18C18207-A109-5552-1541-0ABBAA316282}"/>
+          </ac:spMkLst>
+        </pc:spChg>
+        <pc:picChg chg="del">
+          <ac:chgData name="Ihor Aleksandrov" userId="c3051032-6b87-4db2-b257-777a0106fbd9" providerId="ADAL" clId="{D05EAF56-C8F0-4612-806C-93E1C27F1929}" dt="2024-01-25T10:53:50.795" v="134" actId="478"/>
+          <ac:picMkLst>
+            <pc:docMk/>
+            <pc:sldMk cId="2205366352" sldId="281"/>
+            <ac:picMk id="6" creationId="{BA86DDBB-D80D-1005-2EB0-33056830C288}"/>
+          </ac:picMkLst>
+        </pc:picChg>
+      </pc:sldChg>
+      <pc:sldChg chg="delSp add del setBg delDesignElem">
+        <pc:chgData name="Ihor Aleksandrov" userId="c3051032-6b87-4db2-b257-777a0106fbd9" providerId="ADAL" clId="{D05EAF56-C8F0-4612-806C-93E1C27F1929}" dt="2024-01-25T10:53:38.779" v="130" actId="47"/>
+        <pc:sldMkLst>
+          <pc:docMk/>
+          <pc:sldMk cId="2518075034" sldId="281"/>
+        </pc:sldMkLst>
+        <pc:spChg chg="del">
+          <ac:chgData name="Ihor Aleksandrov" userId="c3051032-6b87-4db2-b257-777a0106fbd9" providerId="ADAL" clId="{D05EAF56-C8F0-4612-806C-93E1C27F1929}" dt="2024-01-25T10:53:27.044" v="129"/>
+          <ac:spMkLst>
+            <pc:docMk/>
+            <pc:sldMk cId="2518075034" sldId="281"/>
+            <ac:spMk id="9" creationId="{C3896A03-3945-419A-B66B-4EE266EDD152}"/>
+          </ac:spMkLst>
+        </pc:spChg>
+        <pc:spChg chg="del">
+          <ac:chgData name="Ihor Aleksandrov" userId="c3051032-6b87-4db2-b257-777a0106fbd9" providerId="ADAL" clId="{D05EAF56-C8F0-4612-806C-93E1C27F1929}" dt="2024-01-25T10:53:27.044" v="129"/>
+          <ac:spMkLst>
+            <pc:docMk/>
+            <pc:sldMk cId="2518075034" sldId="281"/>
+            <ac:spMk id="11" creationId="{B34F5AD2-EDBD-4BBD-A55C-EAFFD0C7097A}"/>
+          </ac:spMkLst>
+        </pc:spChg>
+      </pc:sldChg>
+      <pc:sldChg chg="modSp add mod ord">
+        <pc:chgData name="Ihor Aleksandrov" userId="c3051032-6b87-4db2-b257-777a0106fbd9" providerId="ADAL" clId="{D05EAF56-C8F0-4612-806C-93E1C27F1929}" dt="2024-01-25T10:55:39.680" v="152" actId="20577"/>
+        <pc:sldMkLst>
+          <pc:docMk/>
+          <pc:sldMk cId="2028152352" sldId="282"/>
+        </pc:sldMkLst>
+        <pc:spChg chg="mod">
+          <ac:chgData name="Ihor Aleksandrov" userId="c3051032-6b87-4db2-b257-777a0106fbd9" providerId="ADAL" clId="{D05EAF56-C8F0-4612-806C-93E1C27F1929}" dt="2024-01-25T10:55:39.680" v="152" actId="20577"/>
+          <ac:spMkLst>
+            <pc:docMk/>
+            <pc:sldMk cId="2028152352" sldId="282"/>
+            <ac:spMk id="2" creationId="{18C18207-A109-5552-1541-0ABBAA316282}"/>
+          </ac:spMkLst>
+        </pc:spChg>
+      </pc:sldChg>
+      <pc:sldChg chg="modSp add mod ord">
+        <pc:chgData name="Ihor Aleksandrov" userId="c3051032-6b87-4db2-b257-777a0106fbd9" providerId="ADAL" clId="{D05EAF56-C8F0-4612-806C-93E1C27F1929}" dt="2024-01-25T11:01:05.747" v="171"/>
+        <pc:sldMkLst>
+          <pc:docMk/>
+          <pc:sldMk cId="2433051637" sldId="283"/>
+        </pc:sldMkLst>
+        <pc:spChg chg="mod">
+          <ac:chgData name="Ihor Aleksandrov" userId="c3051032-6b87-4db2-b257-777a0106fbd9" providerId="ADAL" clId="{D05EAF56-C8F0-4612-806C-93E1C27F1929}" dt="2024-01-25T11:01:05.747" v="171"/>
+          <ac:spMkLst>
+            <pc:docMk/>
+            <pc:sldMk cId="2433051637" sldId="283"/>
+            <ac:spMk id="2" creationId="{53C5D828-9666-E312-B574-9FE965A7D6BE}"/>
+          </ac:spMkLst>
+        </pc:spChg>
+      </pc:sldChg>
+      <pc:sldChg chg="addSp delSp modSp add mod">
+        <pc:chgData name="Ihor Aleksandrov" userId="c3051032-6b87-4db2-b257-777a0106fbd9" providerId="ADAL" clId="{D05EAF56-C8F0-4612-806C-93E1C27F1929}" dt="2024-01-25T11:22:22.700" v="219" actId="14100"/>
+        <pc:sldMkLst>
+          <pc:docMk/>
+          <pc:sldMk cId="2869825701" sldId="284"/>
+        </pc:sldMkLst>
+        <pc:spChg chg="mod">
+          <ac:chgData name="Ihor Aleksandrov" userId="c3051032-6b87-4db2-b257-777a0106fbd9" providerId="ADAL" clId="{D05EAF56-C8F0-4612-806C-93E1C27F1929}" dt="2024-01-25T11:01:51.992" v="175"/>
+          <ac:spMkLst>
+            <pc:docMk/>
+            <pc:sldMk cId="2869825701" sldId="284"/>
             <ac:spMk id="2" creationId="{53C5D828-9666-E312-B574-9FE965A7D6BE}"/>
           </ac:spMkLst>
         </pc:spChg>
         <pc:spChg chg="del">
-          <ac:chgData name="Ihor Aleksandrov" userId="c3051032-6b87-4db2-b257-777a0106fbd9" providerId="ADAL" clId="{DF783FCC-C35F-4D2C-B134-D1A27E72D448}" dt="2024-01-26T11:21:20.104" v="163" actId="478"/>
+          <ac:chgData name="Ihor Aleksandrov" userId="c3051032-6b87-4db2-b257-777a0106fbd9" providerId="ADAL" clId="{D05EAF56-C8F0-4612-806C-93E1C27F1929}" dt="2024-01-25T11:22:01.808" v="214" actId="478"/>
           <ac:spMkLst>
             <pc:docMk/>
-            <pc:sldMk cId="3572219502" sldId="309"/>
-            <ac:spMk id="4" creationId="{91F87B49-5965-0686-132C-82FF71BF90C4}"/>
+            <pc:sldMk cId="2869825701" sldId="284"/>
+            <ac:spMk id="6" creationId="{E04F08BD-B70E-B1A8-7328-EE29B18E4AA1}"/>
           </ac:spMkLst>
         </pc:spChg>
         <pc:picChg chg="add mod">
-          <ac:chgData name="Ihor Aleksandrov" userId="c3051032-6b87-4db2-b257-777a0106fbd9" providerId="ADAL" clId="{DF783FCC-C35F-4D2C-B134-D1A27E72D448}" dt="2024-01-26T11:21:29.316" v="167" actId="1076"/>
+          <ac:chgData name="Ihor Aleksandrov" userId="c3051032-6b87-4db2-b257-777a0106fbd9" providerId="ADAL" clId="{D05EAF56-C8F0-4612-806C-93E1C27F1929}" dt="2024-01-25T11:22:22.700" v="219" actId="14100"/>
           <ac:picMkLst>
             <pc:docMk/>
-            <pc:sldMk cId="3572219502" sldId="309"/>
-            <ac:picMk id="5" creationId="{7CADBF52-3379-A0DB-C2D3-AD13E50F4810}"/>
+            <pc:sldMk cId="2869825701" sldId="284"/>
+            <ac:picMk id="5" creationId="{0885AC12-A488-3762-3217-E1B0319D46AD}"/>
           </ac:picMkLst>
         </pc:picChg>
       </pc:sldChg>
-      <pc:sldChg chg="addSp delSp modSp add mod">
-        <pc:chgData name="Ihor Aleksandrov" userId="c3051032-6b87-4db2-b257-777a0106fbd9" providerId="ADAL" clId="{DF783FCC-C35F-4D2C-B134-D1A27E72D448}" dt="2024-01-26T11:25:23.338" v="173" actId="1076"/>
+      <pc:sldChg chg="addSp delSp add del setBg delDesignElem">
+        <pc:chgData name="Ihor Aleksandrov" userId="c3051032-6b87-4db2-b257-777a0106fbd9" providerId="ADAL" clId="{D05EAF56-C8F0-4612-806C-93E1C27F1929}" dt="2024-01-25T11:00:55.998" v="168"/>
         <pc:sldMkLst>
           <pc:docMk/>
-          <pc:sldMk cId="2777986827" sldId="310"/>
+          <pc:sldMk cId="3157685417" sldId="284"/>
+        </pc:sldMkLst>
+        <pc:spChg chg="add del">
+          <ac:chgData name="Ihor Aleksandrov" userId="c3051032-6b87-4db2-b257-777a0106fbd9" providerId="ADAL" clId="{D05EAF56-C8F0-4612-806C-93E1C27F1929}" dt="2024-01-25T11:00:55.998" v="168"/>
+          <ac:spMkLst>
+            <pc:docMk/>
+            <pc:sldMk cId="3157685417" sldId="284"/>
+            <ac:spMk id="9" creationId="{D4771268-CB57-404A-9271-370EB28F6090}"/>
+          </ac:spMkLst>
+        </pc:spChg>
+      </pc:sldChg>
+      <pc:sldChg chg="addSp delSp modSp add mod">
+        <pc:chgData name="Ihor Aleksandrov" userId="c3051032-6b87-4db2-b257-777a0106fbd9" providerId="ADAL" clId="{D05EAF56-C8F0-4612-806C-93E1C27F1929}" dt="2024-01-25T11:03:48.850" v="202" actId="1036"/>
+        <pc:sldMkLst>
+          <pc:docMk/>
+          <pc:sldMk cId="856240837" sldId="285"/>
         </pc:sldMkLst>
         <pc:spChg chg="mod">
-          <ac:chgData name="Ihor Aleksandrov" userId="c3051032-6b87-4db2-b257-777a0106fbd9" providerId="ADAL" clId="{DF783FCC-C35F-4D2C-B134-D1A27E72D448}" dt="2024-01-26T11:25:12.797" v="169" actId="20577"/>
+          <ac:chgData name="Ihor Aleksandrov" userId="c3051032-6b87-4db2-b257-777a0106fbd9" providerId="ADAL" clId="{D05EAF56-C8F0-4612-806C-93E1C27F1929}" dt="2024-01-25T11:03:18.596" v="177"/>
           <ac:spMkLst>
             <pc:docMk/>
-            <pc:sldMk cId="2777986827" sldId="310"/>
+            <pc:sldMk cId="856240837" sldId="285"/>
             <ac:spMk id="2" creationId="{53C5D828-9666-E312-B574-9FE965A7D6BE}"/>
           </ac:spMkLst>
         </pc:spChg>
-        <pc:picChg chg="del">
-          <ac:chgData name="Ihor Aleksandrov" userId="c3051032-6b87-4db2-b257-777a0106fbd9" providerId="ADAL" clId="{DF783FCC-C35F-4D2C-B134-D1A27E72D448}" dt="2024-01-26T11:25:15.201" v="170" actId="478"/>
+        <pc:spChg chg="del">
+          <ac:chgData name="Ihor Aleksandrov" userId="c3051032-6b87-4db2-b257-777a0106fbd9" providerId="ADAL" clId="{D05EAF56-C8F0-4612-806C-93E1C27F1929}" dt="2024-01-25T11:03:21.592" v="178" actId="478"/>
+          <ac:spMkLst>
+            <pc:docMk/>
+            <pc:sldMk cId="856240837" sldId="285"/>
+            <ac:spMk id="6" creationId="{E04F08BD-B70E-B1A8-7328-EE29B18E4AA1}"/>
+          </ac:spMkLst>
+        </pc:spChg>
+        <pc:picChg chg="add mod">
+          <ac:chgData name="Ihor Aleksandrov" userId="c3051032-6b87-4db2-b257-777a0106fbd9" providerId="ADAL" clId="{D05EAF56-C8F0-4612-806C-93E1C27F1929}" dt="2024-01-25T11:03:48.850" v="202" actId="1036"/>
           <ac:picMkLst>
             <pc:docMk/>
-            <pc:sldMk cId="2777986827" sldId="310"/>
-            <ac:picMk id="5" creationId="{7CADBF52-3379-A0DB-C2D3-AD13E50F4810}"/>
-          </ac:picMkLst>
-        </pc:picChg>
-        <pc:picChg chg="add mod">
-          <ac:chgData name="Ihor Aleksandrov" userId="c3051032-6b87-4db2-b257-777a0106fbd9" providerId="ADAL" clId="{DF783FCC-C35F-4D2C-B134-D1A27E72D448}" dt="2024-01-26T11:25:23.338" v="173" actId="1076"/>
-          <ac:picMkLst>
-            <pc:docMk/>
-            <pc:sldMk cId="2777986827" sldId="310"/>
-            <ac:picMk id="6" creationId="{0FF2F593-A13B-5DDB-88EB-006260BEE328}"/>
+            <pc:sldMk cId="856240837" sldId="285"/>
+            <ac:picMk id="4" creationId="{A8C20435-8FF0-1341-85C4-558E352F27E5}"/>
           </ac:picMkLst>
         </pc:picChg>
       </pc:sldChg>
       <pc:sldChg chg="modSp add mod ord">
-        <pc:chgData name="Ihor Aleksandrov" userId="c3051032-6b87-4db2-b257-777a0106fbd9" providerId="ADAL" clId="{DF783FCC-C35F-4D2C-B134-D1A27E72D448}" dt="2024-01-26T11:50:15.315" v="188" actId="20577"/>
+        <pc:chgData name="Ihor Aleksandrov" userId="c3051032-6b87-4db2-b257-777a0106fbd9" providerId="ADAL" clId="{D05EAF56-C8F0-4612-806C-93E1C27F1929}" dt="2024-01-25T11:10:32.927" v="210"/>
         <pc:sldMkLst>
           <pc:docMk/>
-          <pc:sldMk cId="484484455" sldId="311"/>
+          <pc:sldMk cId="1586376586" sldId="286"/>
         </pc:sldMkLst>
         <pc:spChg chg="mod">
-          <ac:chgData name="Ihor Aleksandrov" userId="c3051032-6b87-4db2-b257-777a0106fbd9" providerId="ADAL" clId="{DF783FCC-C35F-4D2C-B134-D1A27E72D448}" dt="2024-01-26T11:50:15.315" v="188" actId="20577"/>
+          <ac:chgData name="Ihor Aleksandrov" userId="c3051032-6b87-4db2-b257-777a0106fbd9" providerId="ADAL" clId="{D05EAF56-C8F0-4612-806C-93E1C27F1929}" dt="2024-01-25T11:10:32.927" v="210"/>
           <ac:spMkLst>
             <pc:docMk/>
-            <pc:sldMk cId="484484455" sldId="311"/>
+            <pc:sldMk cId="1586376586" sldId="286"/>
+            <ac:spMk id="2" creationId="{53C5D828-9666-E312-B574-9FE965A7D6BE}"/>
+          </ac:spMkLst>
+        </pc:spChg>
+      </pc:sldChg>
+      <pc:sldChg chg="add del">
+        <pc:chgData name="Ihor Aleksandrov" userId="c3051032-6b87-4db2-b257-777a0106fbd9" providerId="ADAL" clId="{D05EAF56-C8F0-4612-806C-93E1C27F1929}" dt="2024-01-25T11:10:15.704" v="204" actId="2696"/>
+        <pc:sldMkLst>
+          <pc:docMk/>
+          <pc:sldMk cId="2392975250" sldId="286"/>
+        </pc:sldMkLst>
+      </pc:sldChg>
+      <pc:sldChg chg="modSp add mod ord">
+        <pc:chgData name="Ihor Aleksandrov" userId="c3051032-6b87-4db2-b257-777a0106fbd9" providerId="ADAL" clId="{D05EAF56-C8F0-4612-806C-93E1C27F1929}" dt="2024-01-25T11:27:00.546" v="224" actId="20577"/>
+        <pc:sldMkLst>
+          <pc:docMk/>
+          <pc:sldMk cId="2004498921" sldId="287"/>
+        </pc:sldMkLst>
+        <pc:spChg chg="mod">
+          <ac:chgData name="Ihor Aleksandrov" userId="c3051032-6b87-4db2-b257-777a0106fbd9" providerId="ADAL" clId="{D05EAF56-C8F0-4612-806C-93E1C27F1929}" dt="2024-01-25T11:27:00.546" v="224" actId="20577"/>
+          <ac:spMkLst>
+            <pc:docMk/>
+            <pc:sldMk cId="2004498921" sldId="287"/>
             <ac:spMk id="2" creationId="{18C18207-A109-5552-1541-0ABBAA316282}"/>
           </ac:spMkLst>
         </pc:spChg>
       </pc:sldChg>
       <pc:sldChg chg="addSp delSp modSp add mod ord">
-        <pc:chgData name="Ihor Aleksandrov" userId="c3051032-6b87-4db2-b257-777a0106fbd9" providerId="ADAL" clId="{DF783FCC-C35F-4D2C-B134-D1A27E72D448}" dt="2024-01-26T11:59:10.243" v="218" actId="1076"/>
+        <pc:chgData name="Ihor Aleksandrov" userId="c3051032-6b87-4db2-b257-777a0106fbd9" providerId="ADAL" clId="{D05EAF56-C8F0-4612-806C-93E1C27F1929}" dt="2024-01-25T11:28:34.816" v="233" actId="1076"/>
         <pc:sldMkLst>
           <pc:docMk/>
-          <pc:sldMk cId="3071951183" sldId="312"/>
+          <pc:sldMk cId="156474206" sldId="288"/>
         </pc:sldMkLst>
         <pc:spChg chg="mod">
-          <ac:chgData name="Ihor Aleksandrov" userId="c3051032-6b87-4db2-b257-777a0106fbd9" providerId="ADAL" clId="{DF783FCC-C35F-4D2C-B134-D1A27E72D448}" dt="2024-01-26T11:58:37.056" v="212" actId="20577"/>
+          <ac:chgData name="Ihor Aleksandrov" userId="c3051032-6b87-4db2-b257-777a0106fbd9" providerId="ADAL" clId="{D05EAF56-C8F0-4612-806C-93E1C27F1929}" dt="2024-01-25T11:28:25.547" v="230"/>
           <ac:spMkLst>
             <pc:docMk/>
-            <pc:sldMk cId="3071951183" sldId="312"/>
+            <pc:sldMk cId="156474206" sldId="288"/>
             <ac:spMk id="2" creationId="{53C5D828-9666-E312-B574-9FE965A7D6BE}"/>
           </ac:spMkLst>
         </pc:spChg>
+        <pc:spChg chg="del">
+          <ac:chgData name="Ihor Aleksandrov" userId="c3051032-6b87-4db2-b257-777a0106fbd9" providerId="ADAL" clId="{D05EAF56-C8F0-4612-806C-93E1C27F1929}" dt="2024-01-25T11:28:27.105" v="231" actId="478"/>
+          <ac:spMkLst>
+            <pc:docMk/>
+            <pc:sldMk cId="156474206" sldId="288"/>
+            <ac:spMk id="6" creationId="{E04F08BD-B70E-B1A8-7328-EE29B18E4AA1}"/>
+          </ac:spMkLst>
+        </pc:spChg>
         <pc:picChg chg="add mod">
-          <ac:chgData name="Ihor Aleksandrov" userId="c3051032-6b87-4db2-b257-777a0106fbd9" providerId="ADAL" clId="{DF783FCC-C35F-4D2C-B134-D1A27E72D448}" dt="2024-01-26T11:59:10.243" v="218" actId="1076"/>
+          <ac:chgData name="Ihor Aleksandrov" userId="c3051032-6b87-4db2-b257-777a0106fbd9" providerId="ADAL" clId="{D05EAF56-C8F0-4612-806C-93E1C27F1929}" dt="2024-01-25T11:28:34.816" v="233" actId="1076"/>
           <ac:picMkLst>
             <pc:docMk/>
-            <pc:sldMk cId="3071951183" sldId="312"/>
-            <ac:picMk id="5" creationId="{A4BEC793-F7E8-D57E-E495-4A952075089A}"/>
+            <pc:sldMk cId="156474206" sldId="288"/>
+            <ac:picMk id="4" creationId="{0D7416A8-5E31-A6F5-922C-BB434A29C3EE}"/>
           </ac:picMkLst>
         </pc:picChg>
-        <pc:picChg chg="del">
-          <ac:chgData name="Ihor Aleksandrov" userId="c3051032-6b87-4db2-b257-777a0106fbd9" providerId="ADAL" clId="{DF783FCC-C35F-4D2C-B134-D1A27E72D448}" dt="2024-01-26T11:58:39.250" v="213" actId="478"/>
+      </pc:sldChg>
+      <pc:sldChg chg="modSp add mod ord">
+        <pc:chgData name="Ihor Aleksandrov" userId="c3051032-6b87-4db2-b257-777a0106fbd9" providerId="ADAL" clId="{D05EAF56-C8F0-4612-806C-93E1C27F1929}" dt="2024-01-25T11:29:51.583" v="244"/>
+        <pc:sldMkLst>
+          <pc:docMk/>
+          <pc:sldMk cId="2551930029" sldId="289"/>
+        </pc:sldMkLst>
+        <pc:spChg chg="mod">
+          <ac:chgData name="Ihor Aleksandrov" userId="c3051032-6b87-4db2-b257-777a0106fbd9" providerId="ADAL" clId="{D05EAF56-C8F0-4612-806C-93E1C27F1929}" dt="2024-01-25T11:29:47.752" v="242" actId="20577"/>
+          <ac:spMkLst>
+            <pc:docMk/>
+            <pc:sldMk cId="2551930029" sldId="289"/>
+            <ac:spMk id="2" creationId="{18C18207-A109-5552-1541-0ABBAA316282}"/>
+          </ac:spMkLst>
+        </pc:spChg>
+      </pc:sldChg>
+      <pc:sldChg chg="addSp delSp modSp add mod ord">
+        <pc:chgData name="Ihor Aleksandrov" userId="c3051032-6b87-4db2-b257-777a0106fbd9" providerId="ADAL" clId="{D05EAF56-C8F0-4612-806C-93E1C27F1929}" dt="2024-01-25T11:49:38.267" v="257" actId="1076"/>
+        <pc:sldMkLst>
+          <pc:docMk/>
+          <pc:sldMk cId="1939738048" sldId="290"/>
+        </pc:sldMkLst>
+        <pc:spChg chg="mod">
+          <ac:chgData name="Ihor Aleksandrov" userId="c3051032-6b87-4db2-b257-777a0106fbd9" providerId="ADAL" clId="{D05EAF56-C8F0-4612-806C-93E1C27F1929}" dt="2024-01-25T11:49:07.853" v="250"/>
+          <ac:spMkLst>
+            <pc:docMk/>
+            <pc:sldMk cId="1939738048" sldId="290"/>
+            <ac:spMk id="2" creationId="{53C5D828-9666-E312-B574-9FE965A7D6BE}"/>
+          </ac:spMkLst>
+        </pc:spChg>
+        <pc:spChg chg="del">
+          <ac:chgData name="Ihor Aleksandrov" userId="c3051032-6b87-4db2-b257-777a0106fbd9" providerId="ADAL" clId="{D05EAF56-C8F0-4612-806C-93E1C27F1929}" dt="2024-01-25T11:49:20.582" v="251" actId="478"/>
+          <ac:spMkLst>
+            <pc:docMk/>
+            <pc:sldMk cId="1939738048" sldId="290"/>
+            <ac:spMk id="6" creationId="{E04F08BD-B70E-B1A8-7328-EE29B18E4AA1}"/>
+          </ac:spMkLst>
+        </pc:spChg>
+        <pc:picChg chg="add mod">
+          <ac:chgData name="Ihor Aleksandrov" userId="c3051032-6b87-4db2-b257-777a0106fbd9" providerId="ADAL" clId="{D05EAF56-C8F0-4612-806C-93E1C27F1929}" dt="2024-01-25T11:49:38.267" v="257" actId="1076"/>
           <ac:picMkLst>
             <pc:docMk/>
-            <pc:sldMk cId="3071951183" sldId="312"/>
-            <ac:picMk id="6" creationId="{0FF2F593-A13B-5DDB-88EB-006260BEE328}"/>
+            <pc:sldMk cId="1939738048" sldId="290"/>
+            <ac:picMk id="4" creationId="{49B21785-1E7E-8457-4FBF-E3FC2CCADD04}"/>
+          </ac:picMkLst>
+        </pc:picChg>
+      </pc:sldChg>
+      <pc:sldChg chg="modSp add mod ord">
+        <pc:chgData name="Ihor Aleksandrov" userId="c3051032-6b87-4db2-b257-777a0106fbd9" providerId="ADAL" clId="{D05EAF56-C8F0-4612-806C-93E1C27F1929}" dt="2024-01-25T11:51:45.959" v="263"/>
+        <pc:sldMkLst>
+          <pc:docMk/>
+          <pc:sldMk cId="1018496090" sldId="291"/>
+        </pc:sldMkLst>
+        <pc:spChg chg="mod">
+          <ac:chgData name="Ihor Aleksandrov" userId="c3051032-6b87-4db2-b257-777a0106fbd9" providerId="ADAL" clId="{D05EAF56-C8F0-4612-806C-93E1C27F1929}" dt="2024-01-25T11:51:45.959" v="263"/>
+          <ac:spMkLst>
+            <pc:docMk/>
+            <pc:sldMk cId="1018496090" sldId="291"/>
+            <ac:spMk id="2" creationId="{53C5D828-9666-E312-B574-9FE965A7D6BE}"/>
+          </ac:spMkLst>
+        </pc:spChg>
+      </pc:sldChg>
+      <pc:sldChg chg="modSp add mod">
+        <pc:chgData name="Ihor Aleksandrov" userId="c3051032-6b87-4db2-b257-777a0106fbd9" providerId="ADAL" clId="{D05EAF56-C8F0-4612-806C-93E1C27F1929}" dt="2024-01-25T11:53:09.928" v="267"/>
+        <pc:sldMkLst>
+          <pc:docMk/>
+          <pc:sldMk cId="2128635244" sldId="292"/>
+        </pc:sldMkLst>
+        <pc:spChg chg="mod">
+          <ac:chgData name="Ihor Aleksandrov" userId="c3051032-6b87-4db2-b257-777a0106fbd9" providerId="ADAL" clId="{D05EAF56-C8F0-4612-806C-93E1C27F1929}" dt="2024-01-25T11:53:09.928" v="267"/>
+          <ac:spMkLst>
+            <pc:docMk/>
+            <pc:sldMk cId="2128635244" sldId="292"/>
+            <ac:spMk id="2" creationId="{53C5D828-9666-E312-B574-9FE965A7D6BE}"/>
+          </ac:spMkLst>
+        </pc:spChg>
+      </pc:sldChg>
+      <pc:sldChg chg="addSp delSp modSp add mod">
+        <pc:chgData name="Ihor Aleksandrov" userId="c3051032-6b87-4db2-b257-777a0106fbd9" providerId="ADAL" clId="{D05EAF56-C8F0-4612-806C-93E1C27F1929}" dt="2024-01-25T11:55:41.171" v="279" actId="1076"/>
+        <pc:sldMkLst>
+          <pc:docMk/>
+          <pc:sldMk cId="2059493005" sldId="293"/>
+        </pc:sldMkLst>
+        <pc:spChg chg="mod">
+          <ac:chgData name="Ihor Aleksandrov" userId="c3051032-6b87-4db2-b257-777a0106fbd9" providerId="ADAL" clId="{D05EAF56-C8F0-4612-806C-93E1C27F1929}" dt="2024-01-25T11:55:19.618" v="271"/>
+          <ac:spMkLst>
+            <pc:docMk/>
+            <pc:sldMk cId="2059493005" sldId="293"/>
+            <ac:spMk id="2" creationId="{53C5D828-9666-E312-B574-9FE965A7D6BE}"/>
+          </ac:spMkLst>
+        </pc:spChg>
+        <pc:spChg chg="del">
+          <ac:chgData name="Ihor Aleksandrov" userId="c3051032-6b87-4db2-b257-777a0106fbd9" providerId="ADAL" clId="{D05EAF56-C8F0-4612-806C-93E1C27F1929}" dt="2024-01-25T11:55:21.950" v="272" actId="478"/>
+          <ac:spMkLst>
+            <pc:docMk/>
+            <pc:sldMk cId="2059493005" sldId="293"/>
+            <ac:spMk id="6" creationId="{E04F08BD-B70E-B1A8-7328-EE29B18E4AA1}"/>
+          </ac:spMkLst>
+        </pc:spChg>
+        <pc:picChg chg="add mod">
+          <ac:chgData name="Ihor Aleksandrov" userId="c3051032-6b87-4db2-b257-777a0106fbd9" providerId="ADAL" clId="{D05EAF56-C8F0-4612-806C-93E1C27F1929}" dt="2024-01-25T11:55:41.171" v="279" actId="1076"/>
+          <ac:picMkLst>
+            <pc:docMk/>
+            <pc:sldMk cId="2059493005" sldId="293"/>
+            <ac:picMk id="4" creationId="{B4989CAB-F181-BB13-C3CC-7303FC972C04}"/>
           </ac:picMkLst>
         </pc:picChg>
       </pc:sldChg>
       <pc:sldChg chg="addSp delSp modSp add mod">
-        <pc:chgData name="Ihor Aleksandrov" userId="c3051032-6b87-4db2-b257-777a0106fbd9" providerId="ADAL" clId="{DF783FCC-C35F-4D2C-B134-D1A27E72D448}" dt="2024-01-26T12:31:57.105" v="243"/>
+        <pc:chgData name="Ihor Aleksandrov" userId="c3051032-6b87-4db2-b257-777a0106fbd9" providerId="ADAL" clId="{D05EAF56-C8F0-4612-806C-93E1C27F1929}" dt="2024-01-25T11:57:16.812" v="286" actId="1076"/>
         <pc:sldMkLst>
           <pc:docMk/>
-          <pc:sldMk cId="4014532755" sldId="313"/>
+          <pc:sldMk cId="1734173143" sldId="294"/>
         </pc:sldMkLst>
         <pc:spChg chg="mod">
-          <ac:chgData name="Ihor Aleksandrov" userId="c3051032-6b87-4db2-b257-777a0106fbd9" providerId="ADAL" clId="{DF783FCC-C35F-4D2C-B134-D1A27E72D448}" dt="2024-01-26T12:26:21.004" v="225" actId="20577"/>
+          <ac:chgData name="Ihor Aleksandrov" userId="c3051032-6b87-4db2-b257-777a0106fbd9" providerId="ADAL" clId="{D05EAF56-C8F0-4612-806C-93E1C27F1929}" dt="2024-01-25T11:56:59.706" v="281"/>
           <ac:spMkLst>
             <pc:docMk/>
-            <pc:sldMk cId="4014532755" sldId="313"/>
+            <pc:sldMk cId="1734173143" sldId="294"/>
             <ac:spMk id="2" creationId="{53C5D828-9666-E312-B574-9FE965A7D6BE}"/>
           </ac:spMkLst>
         </pc:spChg>
         <pc:picChg chg="del">
-          <ac:chgData name="Ihor Aleksandrov" userId="c3051032-6b87-4db2-b257-777a0106fbd9" providerId="ADAL" clId="{DF783FCC-C35F-4D2C-B134-D1A27E72D448}" dt="2024-01-26T12:26:40.665" v="226" actId="478"/>
+          <ac:chgData name="Ihor Aleksandrov" userId="c3051032-6b87-4db2-b257-777a0106fbd9" providerId="ADAL" clId="{D05EAF56-C8F0-4612-806C-93E1C27F1929}" dt="2024-01-25T11:57:02.563" v="282" actId="478"/>
           <ac:picMkLst>
             <pc:docMk/>
-            <pc:sldMk cId="4014532755" sldId="313"/>
-            <ac:picMk id="5" creationId="{A4BEC793-F7E8-D57E-E495-4A952075089A}"/>
+            <pc:sldMk cId="1734173143" sldId="294"/>
+            <ac:picMk id="4" creationId="{B4989CAB-F181-BB13-C3CC-7303FC972C04}"/>
           </ac:picMkLst>
         </pc:picChg>
         <pc:picChg chg="add mod">
-          <ac:chgData name="Ihor Aleksandrov" userId="c3051032-6b87-4db2-b257-777a0106fbd9" providerId="ADAL" clId="{DF783FCC-C35F-4D2C-B134-D1A27E72D448}" dt="2024-01-26T12:26:48.160" v="230" actId="1076"/>
+          <ac:chgData name="Ihor Aleksandrov" userId="c3051032-6b87-4db2-b257-777a0106fbd9" providerId="ADAL" clId="{D05EAF56-C8F0-4612-806C-93E1C27F1929}" dt="2024-01-25T11:57:16.812" v="286" actId="1076"/>
           <ac:picMkLst>
             <pc:docMk/>
-            <pc:sldMk cId="4014532755" sldId="313"/>
-            <ac:picMk id="6" creationId="{B022E9A4-52AD-1F66-AC22-B0AE53D1145C}"/>
-          </ac:picMkLst>
-        </pc:picChg>
-        <pc:picChg chg="add mod">
-          <ac:chgData name="Ihor Aleksandrov" userId="c3051032-6b87-4db2-b257-777a0106fbd9" providerId="ADAL" clId="{DF783FCC-C35F-4D2C-B134-D1A27E72D448}" dt="2024-01-26T12:31:57.105" v="243"/>
-          <ac:picMkLst>
-            <pc:docMk/>
-            <pc:sldMk cId="4014532755" sldId="313"/>
-            <ac:picMk id="8" creationId="{C31A8AEA-045D-CA8D-2F87-86C7BC7F2140}"/>
+            <pc:sldMk cId="1734173143" sldId="294"/>
+            <ac:picMk id="5" creationId="{EFB4AF76-9D94-7721-E2C8-2472D164A060}"/>
           </ac:picMkLst>
         </pc:picChg>
       </pc:sldChg>
-      <pc:sldChg chg="addSp delSp modSp add mod">
-        <pc:chgData name="Ihor Aleksandrov" userId="c3051032-6b87-4db2-b257-777a0106fbd9" providerId="ADAL" clId="{DF783FCC-C35F-4D2C-B134-D1A27E72D448}" dt="2024-01-26T12:32:51.622" v="251" actId="1076"/>
+      <pc:sldChg chg="addSp modSp add mod ord">
+        <pc:chgData name="Ihor Aleksandrov" userId="c3051032-6b87-4db2-b257-777a0106fbd9" providerId="ADAL" clId="{D05EAF56-C8F0-4612-806C-93E1C27F1929}" dt="2024-01-25T12:00:46.169" v="306" actId="1076"/>
         <pc:sldMkLst>
           <pc:docMk/>
-          <pc:sldMk cId="2667496052" sldId="314"/>
+          <pc:sldMk cId="3102755718" sldId="295"/>
         </pc:sldMkLst>
         <pc:spChg chg="mod">
-          <ac:chgData name="Ihor Aleksandrov" userId="c3051032-6b87-4db2-b257-777a0106fbd9" providerId="ADAL" clId="{DF783FCC-C35F-4D2C-B134-D1A27E72D448}" dt="2024-01-26T12:31:25.149" v="239" actId="20577"/>
+          <ac:chgData name="Ihor Aleksandrov" userId="c3051032-6b87-4db2-b257-777a0106fbd9" providerId="ADAL" clId="{D05EAF56-C8F0-4612-806C-93E1C27F1929}" dt="2024-01-25T12:00:14.709" v="300" actId="20577"/>
           <ac:spMkLst>
             <pc:docMk/>
-            <pc:sldMk cId="2667496052" sldId="314"/>
+            <pc:sldMk cId="3102755718" sldId="295"/>
+            <ac:spMk id="2" creationId="{18C18207-A109-5552-1541-0ABBAA316282}"/>
+          </ac:spMkLst>
+        </pc:spChg>
+        <pc:picChg chg="add mod">
+          <ac:chgData name="Ihor Aleksandrov" userId="c3051032-6b87-4db2-b257-777a0106fbd9" providerId="ADAL" clId="{D05EAF56-C8F0-4612-806C-93E1C27F1929}" dt="2024-01-25T12:00:46.169" v="306" actId="1076"/>
+          <ac:picMkLst>
+            <pc:docMk/>
+            <pc:sldMk cId="3102755718" sldId="295"/>
+            <ac:picMk id="5" creationId="{BD0CE974-8524-11E7-B97F-A86834867985}"/>
+          </ac:picMkLst>
+        </pc:picChg>
+      </pc:sldChg>
+      <pc:sldChg chg="modSp add mod ord">
+        <pc:chgData name="Ihor Aleksandrov" userId="c3051032-6b87-4db2-b257-777a0106fbd9" providerId="ADAL" clId="{D05EAF56-C8F0-4612-806C-93E1C27F1929}" dt="2024-01-25T12:02:45.112" v="310"/>
+        <pc:sldMkLst>
+          <pc:docMk/>
+          <pc:sldMk cId="2389832786" sldId="296"/>
+        </pc:sldMkLst>
+        <pc:spChg chg="mod">
+          <ac:chgData name="Ihor Aleksandrov" userId="c3051032-6b87-4db2-b257-777a0106fbd9" providerId="ADAL" clId="{D05EAF56-C8F0-4612-806C-93E1C27F1929}" dt="2024-01-25T12:02:45.112" v="310"/>
+          <ac:spMkLst>
+            <pc:docMk/>
+            <pc:sldMk cId="2389832786" sldId="296"/>
             <ac:spMk id="2" creationId="{53C5D828-9666-E312-B574-9FE965A7D6BE}"/>
           </ac:spMkLst>
         </pc:spChg>
-        <pc:picChg chg="add mod">
-          <ac:chgData name="Ihor Aleksandrov" userId="c3051032-6b87-4db2-b257-777a0106fbd9" providerId="ADAL" clId="{DF783FCC-C35F-4D2C-B134-D1A27E72D448}" dt="2024-01-26T12:32:22.536" v="247" actId="1076"/>
-          <ac:picMkLst>
-            <pc:docMk/>
-            <pc:sldMk cId="2667496052" sldId="314"/>
-            <ac:picMk id="5" creationId="{2A84FB53-5035-A5A9-7433-F22FB7E72F74}"/>
-          </ac:picMkLst>
-        </pc:picChg>
-        <pc:picChg chg="del">
-          <ac:chgData name="Ihor Aleksandrov" userId="c3051032-6b87-4db2-b257-777a0106fbd9" providerId="ADAL" clId="{DF783FCC-C35F-4D2C-B134-D1A27E72D448}" dt="2024-01-26T12:31:28.180" v="240" actId="478"/>
-          <ac:picMkLst>
-            <pc:docMk/>
-            <pc:sldMk cId="2667496052" sldId="314"/>
-            <ac:picMk id="6" creationId="{B022E9A4-52AD-1F66-AC22-B0AE53D1145C}"/>
-          </ac:picMkLst>
-        </pc:picChg>
-        <pc:picChg chg="add mod">
-          <ac:chgData name="Ihor Aleksandrov" userId="c3051032-6b87-4db2-b257-777a0106fbd9" providerId="ADAL" clId="{DF783FCC-C35F-4D2C-B134-D1A27E72D448}" dt="2024-01-26T12:32:51.622" v="251" actId="1076"/>
-          <ac:picMkLst>
-            <pc:docMk/>
-            <pc:sldMk cId="2667496052" sldId="314"/>
-            <ac:picMk id="8" creationId="{788EF69A-41E4-9FC3-E1EB-9468A0CB8CE3}"/>
-          </ac:picMkLst>
-        </pc:picChg>
       </pc:sldChg>
-      <pc:sldChg chg="addSp delSp modSp add mod">
-        <pc:chgData name="Ihor Aleksandrov" userId="c3051032-6b87-4db2-b257-777a0106fbd9" providerId="ADAL" clId="{DF783FCC-C35F-4D2C-B134-D1A27E72D448}" dt="2024-01-26T12:35:46.374" v="267" actId="14100"/>
+      <pc:sldChg chg="modSp add mod">
+        <pc:chgData name="Ihor Aleksandrov" userId="c3051032-6b87-4db2-b257-777a0106fbd9" providerId="ADAL" clId="{D05EAF56-C8F0-4612-806C-93E1C27F1929}" dt="2024-01-25T12:04:01.736" v="312"/>
         <pc:sldMkLst>
           <pc:docMk/>
-          <pc:sldMk cId="2503154780" sldId="315"/>
+          <pc:sldMk cId="2189799752" sldId="297"/>
         </pc:sldMkLst>
         <pc:spChg chg="mod">
-          <ac:chgData name="Ihor Aleksandrov" userId="c3051032-6b87-4db2-b257-777a0106fbd9" providerId="ADAL" clId="{DF783FCC-C35F-4D2C-B134-D1A27E72D448}" dt="2024-01-26T12:35:02.030" v="257" actId="20577"/>
+          <ac:chgData name="Ihor Aleksandrov" userId="c3051032-6b87-4db2-b257-777a0106fbd9" providerId="ADAL" clId="{D05EAF56-C8F0-4612-806C-93E1C27F1929}" dt="2024-01-25T12:04:01.736" v="312"/>
           <ac:spMkLst>
             <pc:docMk/>
-            <pc:sldMk cId="2503154780" sldId="315"/>
+            <pc:sldMk cId="2189799752" sldId="297"/>
             <ac:spMk id="2" creationId="{53C5D828-9666-E312-B574-9FE965A7D6BE}"/>
           </ac:spMkLst>
         </pc:spChg>
-        <pc:picChg chg="del">
-          <ac:chgData name="Ihor Aleksandrov" userId="c3051032-6b87-4db2-b257-777a0106fbd9" providerId="ADAL" clId="{DF783FCC-C35F-4D2C-B134-D1A27E72D448}" dt="2024-01-26T12:35:05.874" v="258" actId="478"/>
-          <ac:picMkLst>
-            <pc:docMk/>
-            <pc:sldMk cId="2503154780" sldId="315"/>
-            <ac:picMk id="5" creationId="{2A84FB53-5035-A5A9-7433-F22FB7E72F74}"/>
-          </ac:picMkLst>
-        </pc:picChg>
-        <pc:picChg chg="add mod">
-          <ac:chgData name="Ihor Aleksandrov" userId="c3051032-6b87-4db2-b257-777a0106fbd9" providerId="ADAL" clId="{DF783FCC-C35F-4D2C-B134-D1A27E72D448}" dt="2024-01-26T12:35:23.497" v="262" actId="1076"/>
-          <ac:picMkLst>
-            <pc:docMk/>
-            <pc:sldMk cId="2503154780" sldId="315"/>
-            <ac:picMk id="6" creationId="{9A2F53BF-A25F-C5EF-07AB-3F824C4EA8C5}"/>
-          </ac:picMkLst>
-        </pc:picChg>
-        <pc:picChg chg="del">
-          <ac:chgData name="Ihor Aleksandrov" userId="c3051032-6b87-4db2-b257-777a0106fbd9" providerId="ADAL" clId="{DF783FCC-C35F-4D2C-B134-D1A27E72D448}" dt="2024-01-26T12:35:07.679" v="259" actId="478"/>
-          <ac:picMkLst>
-            <pc:docMk/>
-            <pc:sldMk cId="2503154780" sldId="315"/>
-            <ac:picMk id="8" creationId="{788EF69A-41E4-9FC3-E1EB-9468A0CB8CE3}"/>
-          </ac:picMkLst>
-        </pc:picChg>
-        <pc:picChg chg="add mod">
-          <ac:chgData name="Ihor Aleksandrov" userId="c3051032-6b87-4db2-b257-777a0106fbd9" providerId="ADAL" clId="{DF783FCC-C35F-4D2C-B134-D1A27E72D448}" dt="2024-01-26T12:35:46.374" v="267" actId="14100"/>
-          <ac:picMkLst>
-            <pc:docMk/>
-            <pc:sldMk cId="2503154780" sldId="315"/>
-            <ac:picMk id="9" creationId="{34F80E18-578A-16A9-85C5-532F9FD4B0B9}"/>
-          </ac:picMkLst>
-        </pc:picChg>
       </pc:sldChg>
-      <pc:sldChg chg="addSp delSp modSp add mod">
-        <pc:chgData name="Ihor Aleksandrov" userId="c3051032-6b87-4db2-b257-777a0106fbd9" providerId="ADAL" clId="{DF783FCC-C35F-4D2C-B134-D1A27E72D448}" dt="2024-01-26T12:38:40.524" v="289"/>
+      <pc:sldChg chg="modSp add mod">
+        <pc:chgData name="Ihor Aleksandrov" userId="c3051032-6b87-4db2-b257-777a0106fbd9" providerId="ADAL" clId="{D05EAF56-C8F0-4612-806C-93E1C27F1929}" dt="2024-01-25T12:05:00.878" v="314"/>
         <pc:sldMkLst>
           <pc:docMk/>
-          <pc:sldMk cId="4210310787" sldId="316"/>
+          <pc:sldMk cId="3592285454" sldId="298"/>
         </pc:sldMkLst>
         <pc:spChg chg="mod">
-          <ac:chgData name="Ihor Aleksandrov" userId="c3051032-6b87-4db2-b257-777a0106fbd9" providerId="ADAL" clId="{DF783FCC-C35F-4D2C-B134-D1A27E72D448}" dt="2024-01-26T12:37:58.438" v="279" actId="20577"/>
+          <ac:chgData name="Ihor Aleksandrov" userId="c3051032-6b87-4db2-b257-777a0106fbd9" providerId="ADAL" clId="{D05EAF56-C8F0-4612-806C-93E1C27F1929}" dt="2024-01-25T12:05:00.878" v="314"/>
           <ac:spMkLst>
             <pc:docMk/>
-            <pc:sldMk cId="4210310787" sldId="316"/>
+            <pc:sldMk cId="3592285454" sldId="298"/>
             <ac:spMk id="2" creationId="{53C5D828-9666-E312-B574-9FE965A7D6BE}"/>
           </ac:spMkLst>
         </pc:spChg>
-        <pc:picChg chg="add mod">
-          <ac:chgData name="Ihor Aleksandrov" userId="c3051032-6b87-4db2-b257-777a0106fbd9" providerId="ADAL" clId="{DF783FCC-C35F-4D2C-B134-D1A27E72D448}" dt="2024-01-26T12:38:18.643" v="284" actId="1076"/>
-          <ac:picMkLst>
-            <pc:docMk/>
-            <pc:sldMk cId="4210310787" sldId="316"/>
-            <ac:picMk id="5" creationId="{8E7A6064-484E-B30C-7E3A-19B2D5316902}"/>
-          </ac:picMkLst>
-        </pc:picChg>
-        <pc:picChg chg="del">
-          <ac:chgData name="Ihor Aleksandrov" userId="c3051032-6b87-4db2-b257-777a0106fbd9" providerId="ADAL" clId="{DF783FCC-C35F-4D2C-B134-D1A27E72D448}" dt="2024-01-26T12:37:50.476" v="269" actId="478"/>
-          <ac:picMkLst>
-            <pc:docMk/>
-            <pc:sldMk cId="4210310787" sldId="316"/>
-            <ac:picMk id="6" creationId="{9A2F53BF-A25F-C5EF-07AB-3F824C4EA8C5}"/>
-          </ac:picMkLst>
-        </pc:picChg>
-        <pc:picChg chg="add mod">
-          <ac:chgData name="Ihor Aleksandrov" userId="c3051032-6b87-4db2-b257-777a0106fbd9" providerId="ADAL" clId="{DF783FCC-C35F-4D2C-B134-D1A27E72D448}" dt="2024-01-26T12:38:40.524" v="289"/>
-          <ac:picMkLst>
-            <pc:docMk/>
-            <pc:sldMk cId="4210310787" sldId="316"/>
-            <ac:picMk id="8" creationId="{5275D103-485B-C43F-327E-ED0BECCAB575}"/>
-          </ac:picMkLst>
-        </pc:picChg>
-        <pc:picChg chg="del">
-          <ac:chgData name="Ihor Aleksandrov" userId="c3051032-6b87-4db2-b257-777a0106fbd9" providerId="ADAL" clId="{DF783FCC-C35F-4D2C-B134-D1A27E72D448}" dt="2024-01-26T12:38:02.286" v="280" actId="478"/>
-          <ac:picMkLst>
-            <pc:docMk/>
-            <pc:sldMk cId="4210310787" sldId="316"/>
-            <ac:picMk id="9" creationId="{34F80E18-578A-16A9-85C5-532F9FD4B0B9}"/>
-          </ac:picMkLst>
-        </pc:picChg>
       </pc:sldChg>
-      <pc:sldChg chg="addSp delSp modSp add mod">
-        <pc:chgData name="Ihor Aleksandrov" userId="c3051032-6b87-4db2-b257-777a0106fbd9" providerId="ADAL" clId="{DF783FCC-C35F-4D2C-B134-D1A27E72D448}" dt="2024-01-26T12:40:46.440" v="310" actId="1076"/>
+      <pc:sldChg chg="modSp add mod">
+        <pc:chgData name="Ihor Aleksandrov" userId="c3051032-6b87-4db2-b257-777a0106fbd9" providerId="ADAL" clId="{D05EAF56-C8F0-4612-806C-93E1C27F1929}" dt="2024-01-25T12:08:02.278" v="316"/>
         <pc:sldMkLst>
           <pc:docMk/>
-          <pc:sldMk cId="1401046882" sldId="317"/>
+          <pc:sldMk cId="4186553512" sldId="299"/>
         </pc:sldMkLst>
         <pc:spChg chg="mod">
-          <ac:chgData name="Ihor Aleksandrov" userId="c3051032-6b87-4db2-b257-777a0106fbd9" providerId="ADAL" clId="{DF783FCC-C35F-4D2C-B134-D1A27E72D448}" dt="2024-01-26T12:39:56.941" v="299" actId="20577"/>
+          <ac:chgData name="Ihor Aleksandrov" userId="c3051032-6b87-4db2-b257-777a0106fbd9" providerId="ADAL" clId="{D05EAF56-C8F0-4612-806C-93E1C27F1929}" dt="2024-01-25T12:08:02.278" v="316"/>
           <ac:spMkLst>
             <pc:docMk/>
-            <pc:sldMk cId="1401046882" sldId="317"/>
+            <pc:sldMk cId="4186553512" sldId="299"/>
             <ac:spMk id="2" creationId="{53C5D828-9666-E312-B574-9FE965A7D6BE}"/>
           </ac:spMkLst>
         </pc:spChg>
-        <pc:picChg chg="del">
-          <ac:chgData name="Ihor Aleksandrov" userId="c3051032-6b87-4db2-b257-777a0106fbd9" providerId="ADAL" clId="{DF783FCC-C35F-4D2C-B134-D1A27E72D448}" dt="2024-01-26T12:40:00.564" v="300" actId="478"/>
-          <ac:picMkLst>
-            <pc:docMk/>
-            <pc:sldMk cId="1401046882" sldId="317"/>
-            <ac:picMk id="5" creationId="{8E7A6064-484E-B30C-7E3A-19B2D5316902}"/>
-          </ac:picMkLst>
-        </pc:picChg>
-        <pc:picChg chg="add mod">
-          <ac:chgData name="Ihor Aleksandrov" userId="c3051032-6b87-4db2-b257-777a0106fbd9" providerId="ADAL" clId="{DF783FCC-C35F-4D2C-B134-D1A27E72D448}" dt="2024-01-26T12:40:42.603" v="309" actId="1076"/>
-          <ac:picMkLst>
-            <pc:docMk/>
-            <pc:sldMk cId="1401046882" sldId="317"/>
-            <ac:picMk id="6" creationId="{C1BEC785-1A5C-BC57-8AF1-75EF2EF4F5B0}"/>
-          </ac:picMkLst>
-        </pc:picChg>
-        <pc:picChg chg="del">
-          <ac:chgData name="Ihor Aleksandrov" userId="c3051032-6b87-4db2-b257-777a0106fbd9" providerId="ADAL" clId="{DF783FCC-C35F-4D2C-B134-D1A27E72D448}" dt="2024-01-26T12:40:02.322" v="301" actId="478"/>
-          <ac:picMkLst>
-            <pc:docMk/>
-            <pc:sldMk cId="1401046882" sldId="317"/>
-            <ac:picMk id="8" creationId="{5275D103-485B-C43F-327E-ED0BECCAB575}"/>
-          </ac:picMkLst>
-        </pc:picChg>
-        <pc:picChg chg="add mod">
-          <ac:chgData name="Ihor Aleksandrov" userId="c3051032-6b87-4db2-b257-777a0106fbd9" providerId="ADAL" clId="{DF783FCC-C35F-4D2C-B134-D1A27E72D448}" dt="2024-01-26T12:40:46.440" v="310" actId="1076"/>
-          <ac:picMkLst>
-            <pc:docMk/>
-            <pc:sldMk cId="1401046882" sldId="317"/>
-            <ac:picMk id="9" creationId="{25716AD4-AC61-DD67-E0EB-5B1D649196E5}"/>
-          </ac:picMkLst>
-        </pc:picChg>
       </pc:sldChg>
-      <pc:sldChg chg="addSp delSp modSp add mod">
-        <pc:chgData name="Ihor Aleksandrov" userId="c3051032-6b87-4db2-b257-777a0106fbd9" providerId="ADAL" clId="{DF783FCC-C35F-4D2C-B134-D1A27E72D448}" dt="2024-01-26T12:43:27.844" v="342" actId="1076"/>
+      <pc:sldChg chg="modSp add mod">
+        <pc:chgData name="Ihor Aleksandrov" userId="c3051032-6b87-4db2-b257-777a0106fbd9" providerId="ADAL" clId="{D05EAF56-C8F0-4612-806C-93E1C27F1929}" dt="2024-01-25T12:09:53.445" v="318"/>
         <pc:sldMkLst>
           <pc:docMk/>
-          <pc:sldMk cId="701027107" sldId="318"/>
+          <pc:sldMk cId="834159653" sldId="300"/>
         </pc:sldMkLst>
         <pc:spChg chg="mod">
-          <ac:chgData name="Ihor Aleksandrov" userId="c3051032-6b87-4db2-b257-777a0106fbd9" providerId="ADAL" clId="{DF783FCC-C35F-4D2C-B134-D1A27E72D448}" dt="2024-01-26T12:42:31.864" v="330" actId="20577"/>
+          <ac:chgData name="Ihor Aleksandrov" userId="c3051032-6b87-4db2-b257-777a0106fbd9" providerId="ADAL" clId="{D05EAF56-C8F0-4612-806C-93E1C27F1929}" dt="2024-01-25T12:09:53.445" v="318"/>
           <ac:spMkLst>
             <pc:docMk/>
-            <pc:sldMk cId="701027107" sldId="318"/>
+            <pc:sldMk cId="834159653" sldId="300"/>
             <ac:spMk id="2" creationId="{53C5D828-9666-E312-B574-9FE965A7D6BE}"/>
           </ac:spMkLst>
         </pc:spChg>
-        <pc:picChg chg="add mod">
-          <ac:chgData name="Ihor Aleksandrov" userId="c3051032-6b87-4db2-b257-777a0106fbd9" providerId="ADAL" clId="{DF783FCC-C35F-4D2C-B134-D1A27E72D448}" dt="2024-01-26T12:43:04.267" v="336" actId="1076"/>
-          <ac:picMkLst>
-            <pc:docMk/>
-            <pc:sldMk cId="701027107" sldId="318"/>
-            <ac:picMk id="5" creationId="{C9E7A61D-7A9F-90BF-2073-99800DC02183}"/>
-          </ac:picMkLst>
-        </pc:picChg>
-        <pc:picChg chg="del">
-          <ac:chgData name="Ihor Aleksandrov" userId="c3051032-6b87-4db2-b257-777a0106fbd9" providerId="ADAL" clId="{DF783FCC-C35F-4D2C-B134-D1A27E72D448}" dt="2024-01-26T12:42:35.321" v="331" actId="478"/>
-          <ac:picMkLst>
-            <pc:docMk/>
-            <pc:sldMk cId="701027107" sldId="318"/>
-            <ac:picMk id="6" creationId="{C1BEC785-1A5C-BC57-8AF1-75EF2EF4F5B0}"/>
-          </ac:picMkLst>
-        </pc:picChg>
-        <pc:picChg chg="add mod">
-          <ac:chgData name="Ihor Aleksandrov" userId="c3051032-6b87-4db2-b257-777a0106fbd9" providerId="ADAL" clId="{DF783FCC-C35F-4D2C-B134-D1A27E72D448}" dt="2024-01-26T12:43:27.844" v="342" actId="1076"/>
-          <ac:picMkLst>
-            <pc:docMk/>
-            <pc:sldMk cId="701027107" sldId="318"/>
-            <ac:picMk id="8" creationId="{38F011CA-CFEE-3631-F749-FEC935A4A03A}"/>
-          </ac:picMkLst>
-        </pc:picChg>
-        <pc:picChg chg="del">
-          <ac:chgData name="Ihor Aleksandrov" userId="c3051032-6b87-4db2-b257-777a0106fbd9" providerId="ADAL" clId="{DF783FCC-C35F-4D2C-B134-D1A27E72D448}" dt="2024-01-26T12:42:37.555" v="332" actId="478"/>
-          <ac:picMkLst>
-            <pc:docMk/>
-            <pc:sldMk cId="701027107" sldId="318"/>
-            <ac:picMk id="9" creationId="{25716AD4-AC61-DD67-E0EB-5B1D649196E5}"/>
-          </ac:picMkLst>
-        </pc:picChg>
       </pc:sldChg>
-      <pc:sldChg chg="addSp delSp modSp add mod">
-        <pc:chgData name="Ihor Aleksandrov" userId="c3051032-6b87-4db2-b257-777a0106fbd9" providerId="ADAL" clId="{DF783FCC-C35F-4D2C-B134-D1A27E72D448}" dt="2024-01-26T12:57:35.107" v="378" actId="1076"/>
+      <pc:sldChg chg="modSp add mod">
+        <pc:chgData name="Ihor Aleksandrov" userId="c3051032-6b87-4db2-b257-777a0106fbd9" providerId="ADAL" clId="{D05EAF56-C8F0-4612-806C-93E1C27F1929}" dt="2024-01-25T12:10:57.045" v="321" actId="27636"/>
         <pc:sldMkLst>
           <pc:docMk/>
-          <pc:sldMk cId="166848246" sldId="319"/>
+          <pc:sldMk cId="324410250" sldId="301"/>
         </pc:sldMkLst>
         <pc:spChg chg="mod">
-          <ac:chgData name="Ihor Aleksandrov" userId="c3051032-6b87-4db2-b257-777a0106fbd9" providerId="ADAL" clId="{DF783FCC-C35F-4D2C-B134-D1A27E72D448}" dt="2024-01-26T12:52:25.573" v="373" actId="20577"/>
+          <ac:chgData name="Ihor Aleksandrov" userId="c3051032-6b87-4db2-b257-777a0106fbd9" providerId="ADAL" clId="{D05EAF56-C8F0-4612-806C-93E1C27F1929}" dt="2024-01-25T12:10:57.045" v="321" actId="27636"/>
           <ac:spMkLst>
             <pc:docMk/>
-            <pc:sldMk cId="166848246" sldId="319"/>
+            <pc:sldMk cId="324410250" sldId="301"/>
             <ac:spMk id="2" creationId="{53C5D828-9666-E312-B574-9FE965A7D6BE}"/>
           </ac:spMkLst>
         </pc:spChg>
-        <pc:picChg chg="del">
-          <ac:chgData name="Ihor Aleksandrov" userId="c3051032-6b87-4db2-b257-777a0106fbd9" providerId="ADAL" clId="{DF783FCC-C35F-4D2C-B134-D1A27E72D448}" dt="2024-01-26T12:52:30.351" v="374" actId="478"/>
-          <ac:picMkLst>
-            <pc:docMk/>
-            <pc:sldMk cId="166848246" sldId="319"/>
-            <ac:picMk id="5" creationId="{C9E7A61D-7A9F-90BF-2073-99800DC02183}"/>
-          </ac:picMkLst>
-        </pc:picChg>
-        <pc:picChg chg="add mod">
-          <ac:chgData name="Ihor Aleksandrov" userId="c3051032-6b87-4db2-b257-777a0106fbd9" providerId="ADAL" clId="{DF783FCC-C35F-4D2C-B134-D1A27E72D448}" dt="2024-01-26T12:57:35.107" v="378" actId="1076"/>
-          <ac:picMkLst>
-            <pc:docMk/>
-            <pc:sldMk cId="166848246" sldId="319"/>
-            <ac:picMk id="6" creationId="{A6296786-68CA-315E-9A7E-1157749A9EE6}"/>
-          </ac:picMkLst>
-        </pc:picChg>
-        <pc:picChg chg="del">
-          <ac:chgData name="Ihor Aleksandrov" userId="c3051032-6b87-4db2-b257-777a0106fbd9" providerId="ADAL" clId="{DF783FCC-C35F-4D2C-B134-D1A27E72D448}" dt="2024-01-26T12:52:32.169" v="375" actId="478"/>
-          <ac:picMkLst>
-            <pc:docMk/>
-            <pc:sldMk cId="166848246" sldId="319"/>
-            <ac:picMk id="8" creationId="{38F011CA-CFEE-3631-F749-FEC935A4A03A}"/>
-          </ac:picMkLst>
-        </pc:picChg>
       </pc:sldChg>
-      <pc:sldChg chg="addSp delSp modSp add mod">
-        <pc:chgData name="Ihor Aleksandrov" userId="c3051032-6b87-4db2-b257-777a0106fbd9" providerId="ADAL" clId="{DF783FCC-C35F-4D2C-B134-D1A27E72D448}" dt="2024-01-26T13:05:10.980" v="418" actId="22"/>
+      <pc:sldChg chg="add">
+        <pc:chgData name="Ihor Aleksandrov" userId="c3051032-6b87-4db2-b257-777a0106fbd9" providerId="ADAL" clId="{D05EAF56-C8F0-4612-806C-93E1C27F1929}" dt="2024-01-25T12:18:40.426" v="323"/>
         <pc:sldMkLst>
           <pc:docMk/>
-          <pc:sldMk cId="2292472459" sldId="320"/>
+          <pc:sldMk cId="2052164358" sldId="302"/>
         </pc:sldMkLst>
-        <pc:spChg chg="mod">
-          <ac:chgData name="Ihor Aleksandrov" userId="c3051032-6b87-4db2-b257-777a0106fbd9" providerId="ADAL" clId="{DF783FCC-C35F-4D2C-B134-D1A27E72D448}" dt="2024-01-26T13:05:00.672" v="415" actId="20577"/>
-          <ac:spMkLst>
-            <pc:docMk/>
-            <pc:sldMk cId="2292472459" sldId="320"/>
-            <ac:spMk id="2" creationId="{53C5D828-9666-E312-B574-9FE965A7D6BE}"/>
-          </ac:spMkLst>
-        </pc:spChg>
-        <pc:picChg chg="add mod">
-          <ac:chgData name="Ihor Aleksandrov" userId="c3051032-6b87-4db2-b257-777a0106fbd9" providerId="ADAL" clId="{DF783FCC-C35F-4D2C-B134-D1A27E72D448}" dt="2024-01-26T13:05:03.560" v="416" actId="1076"/>
-          <ac:picMkLst>
-            <pc:docMk/>
-            <pc:sldMk cId="2292472459" sldId="320"/>
-            <ac:picMk id="5" creationId="{96D28E5B-C3E7-BFA3-AAE0-7B1931753B37}"/>
-          </ac:picMkLst>
-        </pc:picChg>
-        <pc:picChg chg="del">
-          <ac:chgData name="Ihor Aleksandrov" userId="c3051032-6b87-4db2-b257-777a0106fbd9" providerId="ADAL" clId="{DF783FCC-C35F-4D2C-B134-D1A27E72D448}" dt="2024-01-26T13:04:28.153" v="405" actId="478"/>
-          <ac:picMkLst>
-            <pc:docMk/>
-            <pc:sldMk cId="2292472459" sldId="320"/>
-            <ac:picMk id="6" creationId="{A6296786-68CA-315E-9A7E-1157749A9EE6}"/>
-          </ac:picMkLst>
-        </pc:picChg>
-        <pc:picChg chg="add del">
-          <ac:chgData name="Ihor Aleksandrov" userId="c3051032-6b87-4db2-b257-777a0106fbd9" providerId="ADAL" clId="{DF783FCC-C35F-4D2C-B134-D1A27E72D448}" dt="2024-01-26T13:05:10.980" v="418" actId="22"/>
-          <ac:picMkLst>
-            <pc:docMk/>
-            <pc:sldMk cId="2292472459" sldId="320"/>
-            <ac:picMk id="8" creationId="{554A2027-36D0-B7EA-D3DD-F719AF23123B}"/>
-          </ac:picMkLst>
-        </pc:picChg>
       </pc:sldChg>
-      <pc:sldChg chg="addSp delSp modSp add mod">
-        <pc:chgData name="Ihor Aleksandrov" userId="c3051032-6b87-4db2-b257-777a0106fbd9" providerId="ADAL" clId="{DF783FCC-C35F-4D2C-B134-D1A27E72D448}" dt="2024-01-26T13:05:24.717" v="423" actId="1076"/>
+      <pc:sldChg chg="add">
+        <pc:chgData name="Ihor Aleksandrov" userId="c3051032-6b87-4db2-b257-777a0106fbd9" providerId="ADAL" clId="{D05EAF56-C8F0-4612-806C-93E1C27F1929}" dt="2024-01-25T12:18:42.706" v="325"/>
         <pc:sldMkLst>
           <pc:docMk/>
-          <pc:sldMk cId="1322111015" sldId="321"/>
+          <pc:sldMk cId="2972731808" sldId="303"/>
         </pc:sldMkLst>
-        <pc:picChg chg="del">
-          <ac:chgData name="Ihor Aleksandrov" userId="c3051032-6b87-4db2-b257-777a0106fbd9" providerId="ADAL" clId="{DF783FCC-C35F-4D2C-B134-D1A27E72D448}" dt="2024-01-26T13:05:21.645" v="422" actId="478"/>
-          <ac:picMkLst>
-            <pc:docMk/>
-            <pc:sldMk cId="1322111015" sldId="321"/>
-            <ac:picMk id="5" creationId="{96D28E5B-C3E7-BFA3-AAE0-7B1931753B37}"/>
-          </ac:picMkLst>
-        </pc:picChg>
-        <pc:picChg chg="add mod">
-          <ac:chgData name="Ihor Aleksandrov" userId="c3051032-6b87-4db2-b257-777a0106fbd9" providerId="ADAL" clId="{DF783FCC-C35F-4D2C-B134-D1A27E72D448}" dt="2024-01-26T13:05:24.717" v="423" actId="1076"/>
-          <ac:picMkLst>
-            <pc:docMk/>
-            <pc:sldMk cId="1322111015" sldId="321"/>
-            <ac:picMk id="6" creationId="{04B218F6-449B-2F93-DB6F-C091B7A2D68D}"/>
-          </ac:picMkLst>
-        </pc:picChg>
       </pc:sldChg>
-      <pc:sldChg chg="addSp delSp modSp add mod">
-        <pc:chgData name="Ihor Aleksandrov" userId="c3051032-6b87-4db2-b257-777a0106fbd9" providerId="ADAL" clId="{DF783FCC-C35F-4D2C-B134-D1A27E72D448}" dt="2024-01-26T13:06:32.202" v="432" actId="1076"/>
-        <pc:sldMkLst>
-          <pc:docMk/>
-          <pc:sldMk cId="3503328695" sldId="322"/>
-        </pc:sldMkLst>
-        <pc:picChg chg="add mod">
-          <ac:chgData name="Ihor Aleksandrov" userId="c3051032-6b87-4db2-b257-777a0106fbd9" providerId="ADAL" clId="{DF783FCC-C35F-4D2C-B134-D1A27E72D448}" dt="2024-01-26T13:06:25.597" v="429" actId="1076"/>
-          <ac:picMkLst>
-            <pc:docMk/>
-            <pc:sldMk cId="3503328695" sldId="322"/>
-            <ac:picMk id="5" creationId="{9C4BF8C2-EC18-9A18-0A44-8EB1C9CE1208}"/>
-          </ac:picMkLst>
-        </pc:picChg>
-        <pc:picChg chg="del">
-          <ac:chgData name="Ihor Aleksandrov" userId="c3051032-6b87-4db2-b257-777a0106fbd9" providerId="ADAL" clId="{DF783FCC-C35F-4D2C-B134-D1A27E72D448}" dt="2024-01-26T13:05:58.351" v="425" actId="478"/>
-          <ac:picMkLst>
-            <pc:docMk/>
-            <pc:sldMk cId="3503328695" sldId="322"/>
-            <ac:picMk id="6" creationId="{04B218F6-449B-2F93-DB6F-C091B7A2D68D}"/>
-          </ac:picMkLst>
-        </pc:picChg>
-        <pc:picChg chg="add mod">
-          <ac:chgData name="Ihor Aleksandrov" userId="c3051032-6b87-4db2-b257-777a0106fbd9" providerId="ADAL" clId="{DF783FCC-C35F-4D2C-B134-D1A27E72D448}" dt="2024-01-26T13:06:32.202" v="432" actId="1076"/>
-          <ac:picMkLst>
-            <pc:docMk/>
-            <pc:sldMk cId="3503328695" sldId="322"/>
-            <ac:picMk id="8" creationId="{70532B56-37B8-7540-3150-B8251ACB964C}"/>
-          </ac:picMkLst>
-        </pc:picChg>
-      </pc:sldChg>
-      <pc:sldChg chg="addSp delSp modSp add mod">
-        <pc:chgData name="Ihor Aleksandrov" userId="c3051032-6b87-4db2-b257-777a0106fbd9" providerId="ADAL" clId="{DF783FCC-C35F-4D2C-B134-D1A27E72D448}" dt="2024-01-26T13:08:01.330" v="440" actId="1076"/>
-        <pc:sldMkLst>
-          <pc:docMk/>
-          <pc:sldMk cId="362375175" sldId="323"/>
-        </pc:sldMkLst>
-        <pc:picChg chg="del">
-          <ac:chgData name="Ihor Aleksandrov" userId="c3051032-6b87-4db2-b257-777a0106fbd9" providerId="ADAL" clId="{DF783FCC-C35F-4D2C-B134-D1A27E72D448}" dt="2024-01-26T13:07:52.593" v="435" actId="478"/>
-          <ac:picMkLst>
-            <pc:docMk/>
-            <pc:sldMk cId="362375175" sldId="323"/>
-            <ac:picMk id="5" creationId="{9C4BF8C2-EC18-9A18-0A44-8EB1C9CE1208}"/>
-          </ac:picMkLst>
-        </pc:picChg>
-        <pc:picChg chg="add mod">
-          <ac:chgData name="Ihor Aleksandrov" userId="c3051032-6b87-4db2-b257-777a0106fbd9" providerId="ADAL" clId="{DF783FCC-C35F-4D2C-B134-D1A27E72D448}" dt="2024-01-26T13:08:01.330" v="440" actId="1076"/>
-          <ac:picMkLst>
-            <pc:docMk/>
-            <pc:sldMk cId="362375175" sldId="323"/>
-            <ac:picMk id="6" creationId="{BB101808-A913-0FD5-1B8C-DA75C36C2155}"/>
-          </ac:picMkLst>
-        </pc:picChg>
-        <pc:picChg chg="del">
-          <ac:chgData name="Ihor Aleksandrov" userId="c3051032-6b87-4db2-b257-777a0106fbd9" providerId="ADAL" clId="{DF783FCC-C35F-4D2C-B134-D1A27E72D448}" dt="2024-01-26T13:07:49.273" v="434" actId="478"/>
-          <ac:picMkLst>
-            <pc:docMk/>
-            <pc:sldMk cId="362375175" sldId="323"/>
-            <ac:picMk id="8" creationId="{70532B56-37B8-7540-3150-B8251ACB964C}"/>
-          </ac:picMkLst>
-        </pc:picChg>
-      </pc:sldChg>
-      <pc:sldMasterChg chg="add del addSldLayout delSldLayout">
-        <pc:chgData name="Ihor Aleksandrov" userId="c3051032-6b87-4db2-b257-777a0106fbd9" providerId="ADAL" clId="{DF783FCC-C35F-4D2C-B134-D1A27E72D448}" dt="2024-01-26T09:36:25.550" v="6" actId="2696"/>
+      <pc:sldMasterChg chg="add addSldLayout">
+        <pc:chgData name="Ihor Aleksandrov" userId="c3051032-6b87-4db2-b257-777a0106fbd9" providerId="ADAL" clId="{D05EAF56-C8F0-4612-806C-93E1C27F1929}" dt="2024-01-25T12:18:42.701" v="324" actId="27028"/>
         <pc:sldMasterMkLst>
           <pc:docMk/>
-          <pc:sldMasterMk cId="1579723609" sldId="2147483660"/>
+          <pc:sldMasterMk cId="1185679814" sldId="2147483648"/>
         </pc:sldMasterMkLst>
-        <pc:sldLayoutChg chg="add del">
-          <pc:chgData name="Ihor Aleksandrov" userId="c3051032-6b87-4db2-b257-777a0106fbd9" providerId="ADAL" clId="{DF783FCC-C35F-4D2C-B134-D1A27E72D448}" dt="2024-01-26T09:36:25.550" v="6" actId="2696"/>
+        <pc:sldLayoutChg chg="add">
+          <pc:chgData name="Ihor Aleksandrov" userId="c3051032-6b87-4db2-b257-777a0106fbd9" providerId="ADAL" clId="{D05EAF56-C8F0-4612-806C-93E1C27F1929}" dt="2024-01-25T12:18:40.421" v="322" actId="27028"/>
           <pc:sldLayoutMkLst>
             <pc:docMk/>
-            <pc:sldMasterMk cId="1579723609" sldId="2147483660"/>
-            <pc:sldLayoutMk cId="3357226012" sldId="2147483651"/>
+            <pc:sldMasterMk cId="1185679814" sldId="2147483648"/>
+            <pc:sldLayoutMk cId="2257280135" sldId="2147483649"/>
           </pc:sldLayoutMkLst>
         </pc:sldLayoutChg>
-        <pc:sldLayoutChg chg="add del">
-          <pc:chgData name="Ihor Aleksandrov" userId="c3051032-6b87-4db2-b257-777a0106fbd9" providerId="ADAL" clId="{DF783FCC-C35F-4D2C-B134-D1A27E72D448}" dt="2024-01-26T09:36:25.550" v="6" actId="2696"/>
+        <pc:sldLayoutChg chg="add">
+          <pc:chgData name="Ihor Aleksandrov" userId="c3051032-6b87-4db2-b257-777a0106fbd9" providerId="ADAL" clId="{D05EAF56-C8F0-4612-806C-93E1C27F1929}" dt="2024-01-25T12:18:42.701" v="324" actId="27028"/>
           <pc:sldLayoutMkLst>
             <pc:docMk/>
-            <pc:sldMasterMk cId="1579723609" sldId="2147483660"/>
-            <pc:sldLayoutMk cId="2416164443" sldId="2147483652"/>
-          </pc:sldLayoutMkLst>
-        </pc:sldLayoutChg>
-        <pc:sldLayoutChg chg="add del">
-          <pc:chgData name="Ihor Aleksandrov" userId="c3051032-6b87-4db2-b257-777a0106fbd9" providerId="ADAL" clId="{DF783FCC-C35F-4D2C-B134-D1A27E72D448}" dt="2024-01-26T09:36:25.550" v="6" actId="2696"/>
-          <pc:sldLayoutMkLst>
-            <pc:docMk/>
-            <pc:sldMasterMk cId="1579723609" sldId="2147483660"/>
-            <pc:sldLayoutMk cId="1566824437" sldId="2147483653"/>
-          </pc:sldLayoutMkLst>
-        </pc:sldLayoutChg>
-        <pc:sldLayoutChg chg="add del">
-          <pc:chgData name="Ihor Aleksandrov" userId="c3051032-6b87-4db2-b257-777a0106fbd9" providerId="ADAL" clId="{DF783FCC-C35F-4D2C-B134-D1A27E72D448}" dt="2024-01-26T09:36:25.550" v="6" actId="2696"/>
-          <pc:sldLayoutMkLst>
-            <pc:docMk/>
-            <pc:sldMasterMk cId="1579723609" sldId="2147483660"/>
-            <pc:sldLayoutMk cId="2529685914" sldId="2147483654"/>
-          </pc:sldLayoutMkLst>
-        </pc:sldLayoutChg>
-        <pc:sldLayoutChg chg="add del">
-          <pc:chgData name="Ihor Aleksandrov" userId="c3051032-6b87-4db2-b257-777a0106fbd9" providerId="ADAL" clId="{DF783FCC-C35F-4D2C-B134-D1A27E72D448}" dt="2024-01-26T09:36:25.550" v="6" actId="2696"/>
-          <pc:sldLayoutMkLst>
-            <pc:docMk/>
-            <pc:sldMasterMk cId="1579723609" sldId="2147483660"/>
-            <pc:sldLayoutMk cId="1471059010" sldId="2147483655"/>
-          </pc:sldLayoutMkLst>
-        </pc:sldLayoutChg>
-        <pc:sldLayoutChg chg="add del">
-          <pc:chgData name="Ihor Aleksandrov" userId="c3051032-6b87-4db2-b257-777a0106fbd9" providerId="ADAL" clId="{DF783FCC-C35F-4D2C-B134-D1A27E72D448}" dt="2024-01-26T09:36:25.550" v="6" actId="2696"/>
-          <pc:sldLayoutMkLst>
-            <pc:docMk/>
-            <pc:sldMasterMk cId="1579723609" sldId="2147483660"/>
-            <pc:sldLayoutMk cId="583042130" sldId="2147483656"/>
-          </pc:sldLayoutMkLst>
-        </pc:sldLayoutChg>
-        <pc:sldLayoutChg chg="add del">
-          <pc:chgData name="Ihor Aleksandrov" userId="c3051032-6b87-4db2-b257-777a0106fbd9" providerId="ADAL" clId="{DF783FCC-C35F-4D2C-B134-D1A27E72D448}" dt="2024-01-26T09:36:25.550" v="6" actId="2696"/>
-          <pc:sldLayoutMkLst>
-            <pc:docMk/>
-            <pc:sldMasterMk cId="1579723609" sldId="2147483660"/>
-            <pc:sldLayoutMk cId="141902003" sldId="2147483657"/>
-          </pc:sldLayoutMkLst>
-        </pc:sldLayoutChg>
-        <pc:sldLayoutChg chg="add del">
-          <pc:chgData name="Ihor Aleksandrov" userId="c3051032-6b87-4db2-b257-777a0106fbd9" providerId="ADAL" clId="{DF783FCC-C35F-4D2C-B134-D1A27E72D448}" dt="2024-01-26T09:36:25.550" v="6" actId="2696"/>
-          <pc:sldLayoutMkLst>
-            <pc:docMk/>
-            <pc:sldMasterMk cId="1579723609" sldId="2147483660"/>
-            <pc:sldLayoutMk cId="454445818" sldId="2147483658"/>
-          </pc:sldLayoutMkLst>
-        </pc:sldLayoutChg>
-        <pc:sldLayoutChg chg="add del">
-          <pc:chgData name="Ihor Aleksandrov" userId="c3051032-6b87-4db2-b257-777a0106fbd9" providerId="ADAL" clId="{DF783FCC-C35F-4D2C-B134-D1A27E72D448}" dt="2024-01-26T09:36:25.550" v="6" actId="2696"/>
-          <pc:sldLayoutMkLst>
-            <pc:docMk/>
-            <pc:sldMasterMk cId="1579723609" sldId="2147483660"/>
-            <pc:sldLayoutMk cId="3042422475" sldId="2147483659"/>
-          </pc:sldLayoutMkLst>
-        </pc:sldLayoutChg>
-        <pc:sldLayoutChg chg="add del">
-          <pc:chgData name="Ihor Aleksandrov" userId="c3051032-6b87-4db2-b257-777a0106fbd9" providerId="ADAL" clId="{DF783FCC-C35F-4D2C-B134-D1A27E72D448}" dt="2024-01-26T09:36:25.550" v="6" actId="2696"/>
-          <pc:sldLayoutMkLst>
-            <pc:docMk/>
-            <pc:sldMasterMk cId="1579723609" sldId="2147483660"/>
-            <pc:sldLayoutMk cId="639927661" sldId="2147483661"/>
-          </pc:sldLayoutMkLst>
-        </pc:sldLayoutChg>
-        <pc:sldLayoutChg chg="add del">
-          <pc:chgData name="Ihor Aleksandrov" userId="c3051032-6b87-4db2-b257-777a0106fbd9" providerId="ADAL" clId="{DF783FCC-C35F-4D2C-B134-D1A27E72D448}" dt="2024-01-26T09:36:25.550" v="6" actId="2696"/>
-          <pc:sldLayoutMkLst>
-            <pc:docMk/>
-            <pc:sldMasterMk cId="1579723609" sldId="2147483660"/>
-            <pc:sldLayoutMk cId="1498987355" sldId="2147483662"/>
+            <pc:sldMasterMk cId="1185679814" sldId="2147483648"/>
+            <pc:sldLayoutMk cId="1044916995" sldId="2147483650"/>
           </pc:sldLayoutMkLst>
         </pc:sldLayoutChg>
       </pc:sldMasterChg>
@@ -10103,39 +10103,6 @@
       </p:sp>
       <p:sp>
         <p:nvSpPr>
-          <p:cNvPr id="3" name="Subtitle 2">
-            <a:extLst>
-              <a:ext uri="{FF2B5EF4-FFF2-40B4-BE49-F238E27FC236}">
-                <a16:creationId xmlns:a16="http://schemas.microsoft.com/office/drawing/2014/main" id="{CC0591DF-C2F9-838D-FBD9-6ECAF8229E69}"/>
-              </a:ext>
-            </a:extLst>
-          </p:cNvPr>
-          <p:cNvSpPr>
-            <a:spLocks noGrp="1"/>
-          </p:cNvSpPr>
-          <p:nvPr>
-            <p:ph type="subTitle" idx="1"/>
-          </p:nvPr>
-        </p:nvSpPr>
-        <p:spPr>
-          <a:xfrm>
-            <a:off x="1155558" y="4307684"/>
-            <a:ext cx="9544153" cy="1906846"/>
-          </a:xfrm>
-        </p:spPr>
-        <p:txBody>
-          <a:bodyPr anchor="t">
-            <a:normAutofit/>
-          </a:bodyPr>
-          <a:lstStyle/>
-          <a:p>
-            <a:pPr algn="l"/>
-            <a:endParaRPr lang="ru-UA" sz="3200"/>
-          </a:p>
-        </p:txBody>
-      </p:sp>
-      <p:sp>
-        <p:nvSpPr>
           <p:cNvPr id="13" name="Rectangle 12">
             <a:extLst>
               <a:ext uri="{FF2B5EF4-FFF2-40B4-BE49-F238E27FC236}">
@@ -10871,39 +10838,6 @@
           <a:p>
             <a:pPr algn="ctr"/>
             <a:endParaRPr lang="en-US"/>
-          </a:p>
-        </p:txBody>
-      </p:sp>
-      <p:sp>
-        <p:nvSpPr>
-          <p:cNvPr id="3" name="Subtitle 2">
-            <a:extLst>
-              <a:ext uri="{FF2B5EF4-FFF2-40B4-BE49-F238E27FC236}">
-                <a16:creationId xmlns:a16="http://schemas.microsoft.com/office/drawing/2014/main" id="{3473E1D3-7401-AD94-5C7A-49912FA8005A}"/>
-              </a:ext>
-            </a:extLst>
-          </p:cNvPr>
-          <p:cNvSpPr>
-            <a:spLocks noGrp="1"/>
-          </p:cNvSpPr>
-          <p:nvPr>
-            <p:ph type="subTitle" idx="1"/>
-          </p:nvPr>
-        </p:nvSpPr>
-        <p:spPr>
-          <a:xfrm>
-            <a:off x="6739464" y="637762"/>
-            <a:ext cx="4305881" cy="5860946"/>
-          </a:xfrm>
-        </p:spPr>
-        <p:txBody>
-          <a:bodyPr anchor="ctr">
-            <a:normAutofit/>
-          </a:bodyPr>
-          <a:lstStyle/>
-          <a:p>
-            <a:pPr algn="l"/>
-            <a:endParaRPr lang="ru-UA" sz="4000"/>
           </a:p>
         </p:txBody>
       </p:sp>
@@ -14365,39 +14299,6 @@
           <a:p>
             <a:pPr algn="ctr"/>
             <a:endParaRPr lang="en-US"/>
-          </a:p>
-        </p:txBody>
-      </p:sp>
-      <p:sp>
-        <p:nvSpPr>
-          <p:cNvPr id="3" name="Subtitle 2">
-            <a:extLst>
-              <a:ext uri="{FF2B5EF4-FFF2-40B4-BE49-F238E27FC236}">
-                <a16:creationId xmlns:a16="http://schemas.microsoft.com/office/drawing/2014/main" id="{3473E1D3-7401-AD94-5C7A-49912FA8005A}"/>
-              </a:ext>
-            </a:extLst>
-          </p:cNvPr>
-          <p:cNvSpPr>
-            <a:spLocks noGrp="1"/>
-          </p:cNvSpPr>
-          <p:nvPr>
-            <p:ph type="subTitle" idx="1"/>
-          </p:nvPr>
-        </p:nvSpPr>
-        <p:spPr>
-          <a:xfrm>
-            <a:off x="6739464" y="637762"/>
-            <a:ext cx="4305881" cy="5860946"/>
-          </a:xfrm>
-        </p:spPr>
-        <p:txBody>
-          <a:bodyPr anchor="ctr">
-            <a:normAutofit/>
-          </a:bodyPr>
-          <a:lstStyle/>
-          <a:p>
-            <a:pPr algn="l"/>
-            <a:endParaRPr lang="ru-UA" sz="4000"/>
           </a:p>
         </p:txBody>
       </p:sp>

--- a/Step03-Deployment_Automatization_presentation.pptx
+++ b/Step03-Deployment_Automatization_presentation.pptx
@@ -5369,7 +5369,7 @@
           <a:p>
             <a:fld id="{14FB1113-EC1E-4052-ADC3-711A8186C8F9}" type="datetimeFigureOut">
               <a:rPr lang="ru-UA" smtClean="0"/>
-              <a:t>26.01.2024</a:t>
+              <a:t>03.02.2024</a:t>
             </a:fld>
             <a:endParaRPr lang="ru-UA"/>
           </a:p>
@@ -5784,9 +5784,9 @@
           <a:bodyPr/>
           <a:lstStyle/>
           <a:p>
-            <a:fld id="{0B8962EF-F649-4BF0-B0CB-D71423952154}" type="datetime1">
+            <a:fld id="{F6031329-C34F-4162-B0EE-6A600ABAE6A5}" type="datetime1">
               <a:rPr lang="ru-UA" smtClean="0"/>
-              <a:t>26.01.2024</a:t>
+              <a:t>03.02.2024</a:t>
             </a:fld>
             <a:endParaRPr lang="ru-UA"/>
           </a:p>
@@ -5814,8 +5814,8 @@
           <a:lstStyle/>
           <a:p>
             <a:r>
-              <a:rPr lang="es-ES"/>
-              <a:t>Step 1 - Model - ver. 1</a:t>
+              <a:rPr lang="en-US"/>
+              <a:t>Step 3. Deployment Automatization- ver. 1</a:t>
             </a:r>
             <a:endParaRPr lang="ru-UA"/>
           </a:p>
@@ -5988,9 +5988,9 @@
           <a:bodyPr/>
           <a:lstStyle/>
           <a:p>
-            <a:fld id="{52B04991-4203-48C2-B120-290746D8BC41}" type="datetime1">
+            <a:fld id="{2C5253B5-2E9C-4BD9-B483-441FB5BF86F9}" type="datetime1">
               <a:rPr lang="ru-UA" smtClean="0"/>
-              <a:t>26.01.2024</a:t>
+              <a:t>03.02.2024</a:t>
             </a:fld>
             <a:endParaRPr lang="ru-UA"/>
           </a:p>
@@ -6018,8 +6018,8 @@
           <a:lstStyle/>
           <a:p>
             <a:r>
-              <a:rPr lang="es-ES"/>
-              <a:t>Step 1 - Model - ver. 1</a:t>
+              <a:rPr lang="en-US"/>
+              <a:t>Step 3. Deployment Automatization- ver. 1</a:t>
             </a:r>
             <a:endParaRPr lang="ru-UA"/>
           </a:p>
@@ -6202,9 +6202,9 @@
           <a:bodyPr/>
           <a:lstStyle/>
           <a:p>
-            <a:fld id="{207AB121-CB86-4DCF-9E3D-2A0553392796}" type="datetime1">
+            <a:fld id="{F1F32FF1-CDB3-4150-8110-445055335040}" type="datetime1">
               <a:rPr lang="ru-UA" smtClean="0"/>
-              <a:t>26.01.2024</a:t>
+              <a:t>03.02.2024</a:t>
             </a:fld>
             <a:endParaRPr lang="ru-UA"/>
           </a:p>
@@ -6232,8 +6232,8 @@
           <a:lstStyle/>
           <a:p>
             <a:r>
-              <a:rPr lang="es-ES"/>
-              <a:t>Step 1 - Model - ver. 1</a:t>
+              <a:rPr lang="en-US"/>
+              <a:t>Step 3. Deployment Automatization- ver. 1</a:t>
             </a:r>
             <a:endParaRPr lang="ru-UA"/>
           </a:p>
@@ -6406,9 +6406,9 @@
           <a:bodyPr/>
           <a:lstStyle/>
           <a:p>
-            <a:fld id="{8467C913-2051-48A1-86F2-D1DABB2E6F13}" type="datetime1">
+            <a:fld id="{93830A96-44DB-40FC-9E58-66C295C5B998}" type="datetime1">
               <a:rPr lang="ru-UA" smtClean="0"/>
-              <a:t>26.01.2024</a:t>
+              <a:t>03.02.2024</a:t>
             </a:fld>
             <a:endParaRPr lang="ru-UA"/>
           </a:p>
@@ -6436,8 +6436,8 @@
           <a:lstStyle/>
           <a:p>
             <a:r>
-              <a:rPr lang="es-ES"/>
-              <a:t>Step 1 - Model - ver. 1</a:t>
+              <a:rPr lang="en-US"/>
+              <a:t>Step 3. Deployment Automatization- ver. 1</a:t>
             </a:r>
             <a:endParaRPr lang="ru-UA"/>
           </a:p>
@@ -6632,9 +6632,9 @@
           <a:bodyPr/>
           <a:lstStyle/>
           <a:p>
-            <a:fld id="{C75B975F-BA21-4E1C-99B6-ABED30F89540}" type="datetime1">
+            <a:fld id="{18C50DBA-E9E5-4B1D-8F39-938613CB5E60}" type="datetime1">
               <a:rPr lang="ru-UA" smtClean="0"/>
-              <a:t>26.01.2024</a:t>
+              <a:t>03.02.2024</a:t>
             </a:fld>
             <a:endParaRPr lang="ru-UA"/>
           </a:p>
@@ -6662,8 +6662,8 @@
           <a:lstStyle/>
           <a:p>
             <a:r>
-              <a:rPr lang="es-ES"/>
-              <a:t>Step 1 - Model - ver. 1</a:t>
+              <a:rPr lang="en-US"/>
+              <a:t>Step 3. Deployment Automatization- ver. 1</a:t>
             </a:r>
             <a:endParaRPr lang="ru-UA"/>
           </a:p>
@@ -6836,9 +6836,9 @@
           <a:bodyPr/>
           <a:lstStyle/>
           <a:p>
-            <a:fld id="{649A85F2-FE43-4F23-9D2D-558360D289A8}" type="datetime1">
+            <a:fld id="{98EFF5C7-395C-4240-85BD-1226A7D0B2AA}" type="datetime1">
               <a:rPr lang="ru-UA" smtClean="0"/>
-              <a:t>26.01.2024</a:t>
+              <a:t>03.02.2024</a:t>
             </a:fld>
             <a:endParaRPr lang="ru-UA"/>
           </a:p>
@@ -6866,8 +6866,8 @@
           <a:lstStyle/>
           <a:p>
             <a:r>
-              <a:rPr lang="es-ES"/>
-              <a:t>Step 1 - Model - ver. 1</a:t>
+              <a:rPr lang="en-US"/>
+              <a:t>Step 3. Deployment Automatization- ver. 1</a:t>
             </a:r>
             <a:endParaRPr lang="ru-UA"/>
           </a:p>
@@ -7116,9 +7116,9 @@
           <a:bodyPr/>
           <a:lstStyle/>
           <a:p>
-            <a:fld id="{3C823F1E-25D4-4C19-9C16-57D27B598CE0}" type="datetime1">
+            <a:fld id="{98F5AD9B-7021-473F-93FB-1248981EC8A1}" type="datetime1">
               <a:rPr lang="ru-UA" smtClean="0"/>
-              <a:t>26.01.2024</a:t>
+              <a:t>03.02.2024</a:t>
             </a:fld>
             <a:endParaRPr lang="ru-UA"/>
           </a:p>
@@ -7146,8 +7146,8 @@
           <a:lstStyle/>
           <a:p>
             <a:r>
-              <a:rPr lang="es-ES"/>
-              <a:t>Step 1 - Model - ver. 1</a:t>
+              <a:rPr lang="en-US"/>
+              <a:t>Step 3. Deployment Automatization- ver. 1</a:t>
             </a:r>
             <a:endParaRPr lang="ru-UA"/>
           </a:p>
@@ -7388,9 +7388,9 @@
           <a:bodyPr/>
           <a:lstStyle/>
           <a:p>
-            <a:fld id="{0FCE2DAB-FCC6-443D-91B5-F43A7B78C6B9}" type="datetime1">
+            <a:fld id="{517A198D-2C19-4931-A10A-682FAEF53DB3}" type="datetime1">
               <a:rPr lang="ru-UA" smtClean="0"/>
-              <a:t>26.01.2024</a:t>
+              <a:t>03.02.2024</a:t>
             </a:fld>
             <a:endParaRPr lang="ru-UA"/>
           </a:p>
@@ -7418,8 +7418,8 @@
           <a:lstStyle/>
           <a:p>
             <a:r>
-              <a:rPr lang="es-ES"/>
-              <a:t>Step 1 - Model - ver. 1</a:t>
+              <a:rPr lang="en-US"/>
+              <a:t>Step 3. Deployment Automatization- ver. 1</a:t>
             </a:r>
             <a:endParaRPr lang="ru-UA"/>
           </a:p>
@@ -7807,9 +7807,9 @@
           <a:bodyPr/>
           <a:lstStyle/>
           <a:p>
-            <a:fld id="{B647925C-949E-4C3F-B87F-94A502A4557F}" type="datetime1">
+            <a:fld id="{668F6822-4F62-44FE-9E68-D78EE3FF592B}" type="datetime1">
               <a:rPr lang="ru-UA" smtClean="0"/>
-              <a:t>26.01.2024</a:t>
+              <a:t>03.02.2024</a:t>
             </a:fld>
             <a:endParaRPr lang="ru-UA"/>
           </a:p>
@@ -7837,8 +7837,8 @@
           <a:lstStyle/>
           <a:p>
             <a:r>
-              <a:rPr lang="es-ES"/>
-              <a:t>Step 1 - Model - ver. 1</a:t>
+              <a:rPr lang="en-US"/>
+              <a:t>Step 3. Deployment Automatization- ver. 1</a:t>
             </a:r>
             <a:endParaRPr lang="ru-UA"/>
           </a:p>
@@ -7953,9 +7953,9 @@
           <a:bodyPr/>
           <a:lstStyle/>
           <a:p>
-            <a:fld id="{9CE8CD01-0F29-4954-897C-1CC212183DBB}" type="datetime1">
+            <a:fld id="{6529A9D3-5F79-4B19-A89B-DD808C1265FF}" type="datetime1">
               <a:rPr lang="ru-UA" smtClean="0"/>
-              <a:t>26.01.2024</a:t>
+              <a:t>03.02.2024</a:t>
             </a:fld>
             <a:endParaRPr lang="ru-UA"/>
           </a:p>
@@ -7983,8 +7983,8 @@
           <a:lstStyle/>
           <a:p>
             <a:r>
-              <a:rPr lang="es-ES"/>
-              <a:t>Step 1 - Model - ver. 1</a:t>
+              <a:rPr lang="en-US"/>
+              <a:t>Step 3. Deployment Automatization- ver. 1</a:t>
             </a:r>
             <a:endParaRPr lang="ru-UA"/>
           </a:p>
@@ -8070,9 +8070,9 @@
           <a:bodyPr/>
           <a:lstStyle/>
           <a:p>
-            <a:fld id="{150095DC-0E76-47E5-A99D-2467BE30280E}" type="datetime1">
+            <a:fld id="{5B9C9721-F7AD-4BC7-A7E3-6F751B2ED876}" type="datetime1">
               <a:rPr lang="ru-UA" smtClean="0"/>
-              <a:t>26.01.2024</a:t>
+              <a:t>03.02.2024</a:t>
             </a:fld>
             <a:endParaRPr lang="ru-UA"/>
           </a:p>
@@ -8100,8 +8100,8 @@
           <a:lstStyle/>
           <a:p>
             <a:r>
-              <a:rPr lang="es-ES"/>
-              <a:t>Step 1 - Model - ver. 1</a:t>
+              <a:rPr lang="en-US"/>
+              <a:t>Step 3. Deployment Automatization- ver. 1</a:t>
             </a:r>
             <a:endParaRPr lang="ru-UA"/>
           </a:p>
@@ -8387,9 +8387,9 @@
           <a:bodyPr/>
           <a:lstStyle/>
           <a:p>
-            <a:fld id="{CC7126BF-809C-4659-95F5-CCF148063973}" type="datetime1">
+            <a:fld id="{508AD847-E93D-4D8F-ACE8-9D0033B0D40A}" type="datetime1">
               <a:rPr lang="ru-UA" smtClean="0"/>
-              <a:t>26.01.2024</a:t>
+              <a:t>03.02.2024</a:t>
             </a:fld>
             <a:endParaRPr lang="ru-UA"/>
           </a:p>
@@ -8417,8 +8417,8 @@
           <a:lstStyle/>
           <a:p>
             <a:r>
-              <a:rPr lang="es-ES"/>
-              <a:t>Step 1 - Model - ver. 1</a:t>
+              <a:rPr lang="en-US"/>
+              <a:t>Step 3. Deployment Automatization- ver. 1</a:t>
             </a:r>
             <a:endParaRPr lang="ru-UA"/>
           </a:p>
@@ -8680,9 +8680,9 @@
           <a:bodyPr/>
           <a:lstStyle/>
           <a:p>
-            <a:fld id="{D2EFC65D-56A3-455E-BFA5-3848A656380B}" type="datetime1">
+            <a:fld id="{D58E8206-B62B-4B65-8FFF-9758E919C6C0}" type="datetime1">
               <a:rPr lang="ru-UA" smtClean="0"/>
-              <a:t>26.01.2024</a:t>
+              <a:t>03.02.2024</a:t>
             </a:fld>
             <a:endParaRPr lang="ru-UA"/>
           </a:p>
@@ -8710,8 +8710,8 @@
           <a:lstStyle/>
           <a:p>
             <a:r>
-              <a:rPr lang="es-ES"/>
-              <a:t>Step 1 - Model - ver. 1</a:t>
+              <a:rPr lang="en-US"/>
+              <a:t>Step 3. Deployment Automatization- ver. 1</a:t>
             </a:r>
             <a:endParaRPr lang="ru-UA"/>
           </a:p>
@@ -8927,9 +8927,9 @@
             </a:lvl1pPr>
           </a:lstStyle>
           <a:p>
-            <a:fld id="{5E1B79E6-2B08-45F0-89F7-F914E581FDE2}" type="datetime1">
+            <a:fld id="{56AC63FB-68CC-4DE4-8AC5-A22C2CE46E99}" type="datetime1">
               <a:rPr lang="ru-UA" smtClean="0"/>
-              <a:t>26.01.2024</a:t>
+              <a:t>03.02.2024</a:t>
             </a:fld>
             <a:endParaRPr lang="ru-UA"/>
           </a:p>
@@ -8975,8 +8975,8 @@
           </a:lstStyle>
           <a:p>
             <a:r>
-              <a:rPr lang="es-ES"/>
-              <a:t>Step 1 - Model - ver. 1</a:t>
+              <a:rPr lang="en-US"/>
+              <a:t>Step 3. Deployment Automatization- ver. 1</a:t>
             </a:r>
             <a:endParaRPr lang="ru-UA"/>
           </a:p>
@@ -9502,9 +9502,9 @@
             </a:lvl1pPr>
           </a:lstStyle>
           <a:p>
-            <a:fld id="{50344D1B-5235-486F-A999-CD74520911B6}" type="datetime1">
+            <a:fld id="{44D25214-863C-40C4-AD4F-C9B28710250C}" type="datetime1">
               <a:rPr lang="ru-UA" smtClean="0"/>
-              <a:t>26.01.2024</a:t>
+              <a:t>03.02.2024</a:t>
             </a:fld>
             <a:endParaRPr lang="ru-UA"/>
           </a:p>
@@ -9550,8 +9550,8 @@
           </a:lstStyle>
           <a:p>
             <a:r>
-              <a:rPr lang="es-ES"/>
-              <a:t>Step 1 - Model - ver. 1</a:t>
+              <a:rPr lang="en-US"/>
+              <a:t>Step 3. Deployment Automatization- ver. 1</a:t>
             </a:r>
             <a:endParaRPr lang="ru-UA"/>
           </a:p>
@@ -10188,7 +10188,7 @@
         </p:spPr>
         <p:txBody>
           <a:bodyPr anchor="ctr">
-            <a:normAutofit/>
+            <a:normAutofit fontScale="92500" lnSpcReduction="10000"/>
           </a:bodyPr>
           <a:lstStyle/>
           <a:p>
@@ -10198,14 +10198,14 @@
               </a:spcAft>
             </a:pPr>
             <a:r>
-              <a:rPr lang="es-ES" sz="900">
+              <a:rPr lang="en-US" sz="900">
                 <a:solidFill>
                   <a:schemeClr val="tx1"/>
                 </a:solidFill>
               </a:rPr>
-              <a:t>Step 1 - Model - ver. 1</a:t>
+              <a:t>Step 3. Deployment Automatization- ver. 1</a:t>
             </a:r>
-            <a:endParaRPr lang="ru-UA" sz="900">
+            <a:endParaRPr lang="ru-UA" sz="900" dirty="0">
               <a:solidFill>
                 <a:schemeClr val="tx1"/>
               </a:solidFill>
@@ -10383,8 +10383,8 @@
           <a:lstStyle/>
           <a:p>
             <a:r>
-              <a:rPr lang="es-ES"/>
-              <a:t>Step 1 - Model - ver. 1</a:t>
+              <a:rPr lang="en-US"/>
+              <a:t>Step 3. Deployment Automatization- ver. 1</a:t>
             </a:r>
             <a:endParaRPr lang="ru-UA"/>
           </a:p>
@@ -10590,8 +10590,8 @@
           <a:lstStyle/>
           <a:p>
             <a:r>
-              <a:rPr lang="es-ES"/>
-              <a:t>Step 1 - Model - ver. 1</a:t>
+              <a:rPr lang="en-US"/>
+              <a:t>Step 3. Deployment Automatization- ver. 1</a:t>
             </a:r>
             <a:endParaRPr lang="ru-UA"/>
           </a:p>
@@ -10865,7 +10865,7 @@
         </p:spPr>
         <p:txBody>
           <a:bodyPr anchor="ctr">
-            <a:normAutofit/>
+            <a:normAutofit fontScale="92500" lnSpcReduction="10000"/>
           </a:bodyPr>
           <a:lstStyle/>
           <a:p>
@@ -10875,12 +10875,12 @@
               </a:spcAft>
             </a:pPr>
             <a:r>
-              <a:rPr lang="es-ES" sz="900">
+              <a:rPr lang="en-US" sz="900">
                 <a:solidFill>
                   <a:schemeClr val="bg1"/>
                 </a:solidFill>
               </a:rPr>
-              <a:t>Step 1 - Model - ver. 1</a:t>
+              <a:t>Step 3. Deployment Automatization- ver. 1</a:t>
             </a:r>
             <a:endParaRPr lang="ru-UA" sz="900">
               <a:solidFill>
@@ -11060,8 +11060,8 @@
           <a:lstStyle/>
           <a:p>
             <a:r>
-              <a:rPr lang="es-ES"/>
-              <a:t>Step 1 - Model - ver. 1</a:t>
+              <a:rPr lang="en-US"/>
+              <a:t>Step 3. Deployment Automatization- ver. 1</a:t>
             </a:r>
             <a:endParaRPr lang="ru-UA"/>
           </a:p>
@@ -11267,8 +11267,8 @@
           <a:lstStyle/>
           <a:p>
             <a:r>
-              <a:rPr lang="es-ES"/>
-              <a:t>Step 1 - Model - ver. 1</a:t>
+              <a:rPr lang="en-US"/>
+              <a:t>Step 3. Deployment Automatization- ver. 1</a:t>
             </a:r>
             <a:endParaRPr lang="ru-UA"/>
           </a:p>
@@ -11516,8 +11516,8 @@
           <a:lstStyle/>
           <a:p>
             <a:r>
-              <a:rPr lang="es-ES"/>
-              <a:t>Step 1 - Model - ver. 1</a:t>
+              <a:rPr lang="en-US"/>
+              <a:t>Step 3. Deployment Automatization- ver. 1</a:t>
             </a:r>
             <a:endParaRPr lang="ru-UA"/>
           </a:p>
@@ -11765,8 +11765,8 @@
           <a:lstStyle/>
           <a:p>
             <a:r>
-              <a:rPr lang="es-ES"/>
-              <a:t>Step 1 - Model - ver. 1</a:t>
+              <a:rPr lang="en-US"/>
+              <a:t>Step 3. Deployment Automatization- ver. 1</a:t>
             </a:r>
             <a:endParaRPr lang="ru-UA"/>
           </a:p>
@@ -12002,8 +12002,8 @@
           <a:lstStyle/>
           <a:p>
             <a:r>
-              <a:rPr lang="es-ES"/>
-              <a:t>Step 1 - Model - ver. 1</a:t>
+              <a:rPr lang="en-US"/>
+              <a:t>Step 3. Deployment Automatization- ver. 1</a:t>
             </a:r>
             <a:endParaRPr lang="ru-UA"/>
           </a:p>
@@ -12251,8 +12251,8 @@
           <a:lstStyle/>
           <a:p>
             <a:r>
-              <a:rPr lang="es-ES"/>
-              <a:t>Step 1 - Model - ver. 1</a:t>
+              <a:rPr lang="en-US"/>
+              <a:t>Step 3. Deployment Automatization- ver. 1</a:t>
             </a:r>
             <a:endParaRPr lang="ru-UA"/>
           </a:p>
@@ -12512,8 +12512,8 @@
           <a:lstStyle/>
           <a:p>
             <a:r>
-              <a:rPr lang="es-ES"/>
-              <a:t>Step 1 - Model - ver. 1</a:t>
+              <a:rPr lang="en-US"/>
+              <a:t>Step 3. Deployment Automatization- ver. 1</a:t>
             </a:r>
             <a:endParaRPr lang="ru-UA"/>
           </a:p>
@@ -12903,7 +12903,7 @@
         </p:spPr>
         <p:txBody>
           <a:bodyPr anchor="ctr">
-            <a:normAutofit/>
+            <a:normAutofit fontScale="92500" lnSpcReduction="10000"/>
           </a:bodyPr>
           <a:lstStyle/>
           <a:p>
@@ -12913,12 +12913,12 @@
               </a:spcAft>
             </a:pPr>
             <a:r>
-              <a:rPr lang="es-ES" sz="900">
+              <a:rPr lang="en-US" sz="900">
                 <a:solidFill>
                   <a:schemeClr val="bg1"/>
                 </a:solidFill>
               </a:rPr>
-              <a:t>Step 1 - Model - ver. 1</a:t>
+              <a:t>Step 3. Deployment Automatization- ver. 1</a:t>
             </a:r>
             <a:endParaRPr lang="ru-UA" sz="900">
               <a:solidFill>
@@ -13129,8 +13129,8 @@
           <a:lstStyle/>
           <a:p>
             <a:r>
-              <a:rPr lang="es-ES"/>
-              <a:t>Step 1 - Model - ver. 1</a:t>
+              <a:rPr lang="en-US"/>
+              <a:t>Step 3. Deployment Automatization- ver. 1</a:t>
             </a:r>
             <a:endParaRPr lang="ru-UA"/>
           </a:p>
@@ -13352,8 +13352,8 @@
           <a:lstStyle/>
           <a:p>
             <a:r>
-              <a:rPr lang="es-ES"/>
-              <a:t>Step 1 - Model - ver. 1</a:t>
+              <a:rPr lang="en-US"/>
+              <a:t>Step 3. Deployment Automatization- ver. 1</a:t>
             </a:r>
             <a:endParaRPr lang="ru-UA"/>
           </a:p>
@@ -13575,8 +13575,8 @@
           <a:lstStyle/>
           <a:p>
             <a:r>
-              <a:rPr lang="es-ES"/>
-              <a:t>Step 1 - Model - ver. 1</a:t>
+              <a:rPr lang="en-US"/>
+              <a:t>Step 3. Deployment Automatization- ver. 1</a:t>
             </a:r>
             <a:endParaRPr lang="ru-UA"/>
           </a:p>
@@ -13798,8 +13798,8 @@
           <a:lstStyle/>
           <a:p>
             <a:r>
-              <a:rPr lang="es-ES"/>
-              <a:t>Step 1 - Model - ver. 1</a:t>
+              <a:rPr lang="en-US"/>
+              <a:t>Step 3. Deployment Automatization- ver. 1</a:t>
             </a:r>
             <a:endParaRPr lang="ru-UA"/>
           </a:p>
@@ -14051,8 +14051,8 @@
           <a:lstStyle/>
           <a:p>
             <a:r>
-              <a:rPr lang="es-ES"/>
-              <a:t>Step 1 - Model - ver. 1</a:t>
+              <a:rPr lang="en-US"/>
+              <a:t>Step 3. Deployment Automatization- ver. 1</a:t>
             </a:r>
             <a:endParaRPr lang="ru-UA"/>
           </a:p>
@@ -14326,7 +14326,7 @@
         </p:spPr>
         <p:txBody>
           <a:bodyPr anchor="ctr">
-            <a:normAutofit/>
+            <a:normAutofit fontScale="92500" lnSpcReduction="10000"/>
           </a:bodyPr>
           <a:lstStyle/>
           <a:p>
@@ -14336,12 +14336,12 @@
               </a:spcAft>
             </a:pPr>
             <a:r>
-              <a:rPr lang="es-ES" sz="900">
+              <a:rPr lang="en-US" sz="900">
                 <a:solidFill>
                   <a:schemeClr val="bg1"/>
                 </a:solidFill>
               </a:rPr>
-              <a:t>Step 1 - Model - ver. 1</a:t>
+              <a:t>Step 3. Deployment Automatization- ver. 1</a:t>
             </a:r>
             <a:endParaRPr lang="ru-UA" sz="900">
               <a:solidFill>
@@ -14521,8 +14521,8 @@
           <a:lstStyle/>
           <a:p>
             <a:r>
-              <a:rPr lang="es-ES"/>
-              <a:t>Step 1 - Model - ver. 1</a:t>
+              <a:rPr lang="en-US"/>
+              <a:t>Step 3. Deployment Automatization- ver. 1</a:t>
             </a:r>
             <a:endParaRPr lang="ru-UA"/>
           </a:p>
@@ -14764,8 +14764,8 @@
           <a:lstStyle/>
           <a:p>
             <a:r>
-              <a:rPr lang="es-ES"/>
-              <a:t>Step 1 - Model - ver. 1</a:t>
+              <a:rPr lang="en-US"/>
+              <a:t>Step 3. Deployment Automatization- ver. 1</a:t>
             </a:r>
             <a:endParaRPr lang="ru-UA"/>
           </a:p>
@@ -14992,8 +14992,8 @@
           <a:lstStyle/>
           <a:p>
             <a:r>
-              <a:rPr lang="es-ES"/>
-              <a:t>Step 1 - Model - ver. 1</a:t>
+              <a:rPr lang="en-US"/>
+              <a:t>Step 3. Deployment Automatization- ver. 1</a:t>
             </a:r>
             <a:endParaRPr lang="ru-UA"/>
           </a:p>
@@ -15280,8 +15280,8 @@
           <a:lstStyle/>
           <a:p>
             <a:r>
-              <a:rPr lang="es-ES"/>
-              <a:t>Step 1 - Model - ver. 1</a:t>
+              <a:rPr lang="en-US"/>
+              <a:t>Step 3. Deployment Automatization- ver. 1</a:t>
             </a:r>
             <a:endParaRPr lang="ru-UA"/>
           </a:p>
@@ -15538,8 +15538,8 @@
           <a:lstStyle/>
           <a:p>
             <a:r>
-              <a:rPr lang="es-ES"/>
-              <a:t>Step 1 - Model - ver. 1</a:t>
+              <a:rPr lang="en-US"/>
+              <a:t>Step 3. Deployment Automatization- ver. 1</a:t>
             </a:r>
             <a:endParaRPr lang="ru-UA"/>
           </a:p>
@@ -15766,8 +15766,8 @@
           <a:lstStyle/>
           <a:p>
             <a:r>
-              <a:rPr lang="es-ES"/>
-              <a:t>Step 1 - Model - ver. 1</a:t>
+              <a:rPr lang="en-US"/>
+              <a:t>Step 3. Deployment Automatization- ver. 1</a:t>
             </a:r>
             <a:endParaRPr lang="ru-UA"/>
           </a:p>
